--- a/zigbee/Gateway Basic and OTA.pptx
+++ b/zigbee/Gateway Basic and OTA.pptx
@@ -5,7 +5,7 @@
     <p:sldMasterId id="2147484033" r:id="rId4"/>
   </p:sldMasterIdLst>
   <p:notesMasterIdLst>
-    <p:notesMasterId r:id="rId18"/>
+    <p:notesMasterId r:id="rId20"/>
   </p:notesMasterIdLst>
   <p:sldIdLst>
     <p:sldId id="257" r:id="rId5"/>
@@ -16,11 +16,13 @@
     <p:sldId id="393" r:id="rId10"/>
     <p:sldId id="408" r:id="rId11"/>
     <p:sldId id="409" r:id="rId12"/>
-    <p:sldId id="410" r:id="rId13"/>
-    <p:sldId id="411" r:id="rId14"/>
-    <p:sldId id="321" r:id="rId15"/>
-    <p:sldId id="394" r:id="rId16"/>
-    <p:sldId id="284" r:id="rId17"/>
+    <p:sldId id="412" r:id="rId13"/>
+    <p:sldId id="410" r:id="rId14"/>
+    <p:sldId id="413" r:id="rId15"/>
+    <p:sldId id="411" r:id="rId16"/>
+    <p:sldId id="321" r:id="rId17"/>
+    <p:sldId id="394" r:id="rId18"/>
+    <p:sldId id="284" r:id="rId19"/>
   </p:sldIdLst>
   <p:sldSz cx="12192000" cy="6858000"/>
   <p:notesSz cx="7010400" cy="9296400"/>
@@ -223,7 +225,7 @@
           <a:p>
             <a:fld id="{3CAB3C29-341D-6743-A203-2F7086D57830}" type="datetimeFigureOut">
               <a:rPr lang="en-US" smtClean="0"/>
-              <a:t>2019-12-03</a:t>
+              <a:t>2019-12-07</a:t>
             </a:fld>
             <a:endParaRPr lang="en-US"/>
           </a:p>
@@ -652,7 +654,7 @@
     </p:spTree>
     <p:extLst>
       <p:ext uri="{BB962C8B-B14F-4D97-AF65-F5344CB8AC3E}">
-        <p14:creationId xmlns:p14="http://schemas.microsoft.com/office/powerpoint/2010/main" val="2446547668"/>
+        <p14:creationId xmlns:p14="http://schemas.microsoft.com/office/powerpoint/2010/main" val="796444876"/>
       </p:ext>
     </p:extLst>
   </p:cSld>
@@ -681,7 +683,7 @@
       </p:grpSpPr>
       <p:sp>
         <p:nvSpPr>
-          <p:cNvPr id="2" name="Slide Image Placeholder 1"/>
+          <p:cNvPr id="2" name="幻灯片图像占位符 1"/>
           <p:cNvSpPr>
             <a:spLocks noGrp="1" noRot="1" noChangeAspect="1"/>
           </p:cNvSpPr>
@@ -693,7 +695,7 @@
       </p:sp>
       <p:sp>
         <p:nvSpPr>
-          <p:cNvPr id="3" name="Notes Placeholder 2"/>
+          <p:cNvPr id="3" name="备注占位符 2"/>
           <p:cNvSpPr>
             <a:spLocks noGrp="1"/>
           </p:cNvSpPr>
@@ -706,18 +708,22 @@
           <a:bodyPr/>
           <a:lstStyle/>
           <a:p>
+            <a:pPr marL="171450" indent="-171450">
+              <a:buFont typeface="Arial" panose="020B0604020202020204" pitchFamily="34" charset="0"/>
+              <a:buChar char="•"/>
+            </a:pPr>
             <a:endParaRPr lang="en-US" dirty="0"/>
           </a:p>
         </p:txBody>
       </p:sp>
       <p:sp>
         <p:nvSpPr>
-          <p:cNvPr id="4" name="Slide Number Placeholder 3"/>
+          <p:cNvPr id="4" name="灯片编号占位符 3"/>
           <p:cNvSpPr>
             <a:spLocks noGrp="1"/>
           </p:cNvSpPr>
           <p:nvPr>
-            <p:ph type="sldNum" sz="quarter" idx="5"/>
+            <p:ph type="sldNum" sz="quarter" idx="10"/>
           </p:nvPr>
         </p:nvSpPr>
         <p:spPr/>
@@ -736,7 +742,7 @@
     </p:spTree>
     <p:extLst>
       <p:ext uri="{BB962C8B-B14F-4D97-AF65-F5344CB8AC3E}">
-        <p14:creationId xmlns:p14="http://schemas.microsoft.com/office/powerpoint/2010/main" val="3054970404"/>
+        <p14:creationId xmlns:p14="http://schemas.microsoft.com/office/powerpoint/2010/main" val="2086893930"/>
       </p:ext>
     </p:extLst>
   </p:cSld>
@@ -765,7 +771,7 @@
       </p:grpSpPr>
       <p:sp>
         <p:nvSpPr>
-          <p:cNvPr id="2" name="Slide Image Placeholder 1"/>
+          <p:cNvPr id="2" name="幻灯片图像占位符 1"/>
           <p:cNvSpPr>
             <a:spLocks noGrp="1" noRot="1" noChangeAspect="1"/>
           </p:cNvSpPr>
@@ -777,7 +783,7 @@
       </p:sp>
       <p:sp>
         <p:nvSpPr>
-          <p:cNvPr id="3" name="Notes Placeholder 2"/>
+          <p:cNvPr id="3" name="备注占位符 2"/>
           <p:cNvSpPr>
             <a:spLocks noGrp="1"/>
           </p:cNvSpPr>
@@ -790,18 +796,22 @@
           <a:bodyPr/>
           <a:lstStyle/>
           <a:p>
+            <a:pPr marL="171450" indent="-171450">
+              <a:buFont typeface="Arial" panose="020B0604020202020204" pitchFamily="34" charset="0"/>
+              <a:buChar char="•"/>
+            </a:pPr>
             <a:endParaRPr lang="en-US" dirty="0"/>
           </a:p>
         </p:txBody>
       </p:sp>
       <p:sp>
         <p:nvSpPr>
-          <p:cNvPr id="4" name="Slide Number Placeholder 3"/>
+          <p:cNvPr id="4" name="灯片编号占位符 3"/>
           <p:cNvSpPr>
             <a:spLocks noGrp="1"/>
           </p:cNvSpPr>
           <p:nvPr>
-            <p:ph type="sldNum" sz="quarter" idx="5"/>
+            <p:ph type="sldNum" sz="quarter" idx="10"/>
           </p:nvPr>
         </p:nvSpPr>
         <p:spPr/>
@@ -809,7 +819,7 @@
           <a:bodyPr/>
           <a:lstStyle/>
           <a:p>
-            <a:fld id="{5D787E92-135F-034D-9DC8-7FF1198D5B11}" type="slidenum">
+            <a:fld id="{C75FF4B0-9BED-1F44-B7FA-2C35D3BE17CF}" type="slidenum">
               <a:rPr lang="en-US" smtClean="0"/>
               <a:t>12</a:t>
             </a:fld>
@@ -820,7 +830,7 @@
     </p:spTree>
     <p:extLst>
       <p:ext uri="{BB962C8B-B14F-4D97-AF65-F5344CB8AC3E}">
-        <p14:creationId xmlns:p14="http://schemas.microsoft.com/office/powerpoint/2010/main" val="1090473428"/>
+        <p14:creationId xmlns:p14="http://schemas.microsoft.com/office/powerpoint/2010/main" val="2446547668"/>
       </p:ext>
     </p:extLst>
   </p:cSld>
@@ -874,6 +884,174 @@
           <a:bodyPr/>
           <a:lstStyle/>
           <a:p>
+            <a:endParaRPr lang="en-US" dirty="0"/>
+          </a:p>
+        </p:txBody>
+      </p:sp>
+      <p:sp>
+        <p:nvSpPr>
+          <p:cNvPr id="4" name="Slide Number Placeholder 3"/>
+          <p:cNvSpPr>
+            <a:spLocks noGrp="1"/>
+          </p:cNvSpPr>
+          <p:nvPr>
+            <p:ph type="sldNum" sz="quarter" idx="5"/>
+          </p:nvPr>
+        </p:nvSpPr>
+        <p:spPr/>
+        <p:txBody>
+          <a:bodyPr/>
+          <a:lstStyle/>
+          <a:p>
+            <a:fld id="{C75FF4B0-9BED-1F44-B7FA-2C35D3BE17CF}" type="slidenum">
+              <a:rPr lang="en-US" smtClean="0"/>
+              <a:t>13</a:t>
+            </a:fld>
+            <a:endParaRPr lang="en-US"/>
+          </a:p>
+        </p:txBody>
+      </p:sp>
+    </p:spTree>
+    <p:extLst>
+      <p:ext uri="{BB962C8B-B14F-4D97-AF65-F5344CB8AC3E}">
+        <p14:creationId xmlns:p14="http://schemas.microsoft.com/office/powerpoint/2010/main" val="3054970404"/>
+      </p:ext>
+    </p:extLst>
+  </p:cSld>
+  <p:clrMapOvr>
+    <a:masterClrMapping/>
+  </p:clrMapOvr>
+</p:notes>
+</file>
+
+<file path=ppt/notesSlides/notesSlide14.xml><?xml version="1.0" encoding="utf-8"?>
+<p:notes xmlns:a="http://schemas.openxmlformats.org/drawingml/2006/main" xmlns:r="http://schemas.openxmlformats.org/officeDocument/2006/relationships" xmlns:p="http://schemas.openxmlformats.org/presentationml/2006/main">
+  <p:cSld>
+    <p:spTree>
+      <p:nvGrpSpPr>
+        <p:cNvPr id="1" name=""/>
+        <p:cNvGrpSpPr/>
+        <p:nvPr/>
+      </p:nvGrpSpPr>
+      <p:grpSpPr>
+        <a:xfrm>
+          <a:off x="0" y="0"/>
+          <a:ext cx="0" cy="0"/>
+          <a:chOff x="0" y="0"/>
+          <a:chExt cx="0" cy="0"/>
+        </a:xfrm>
+      </p:grpSpPr>
+      <p:sp>
+        <p:nvSpPr>
+          <p:cNvPr id="2" name="Slide Image Placeholder 1"/>
+          <p:cNvSpPr>
+            <a:spLocks noGrp="1" noRot="1" noChangeAspect="1"/>
+          </p:cNvSpPr>
+          <p:nvPr>
+            <p:ph type="sldImg"/>
+          </p:nvPr>
+        </p:nvSpPr>
+        <p:spPr/>
+      </p:sp>
+      <p:sp>
+        <p:nvSpPr>
+          <p:cNvPr id="3" name="Notes Placeholder 2"/>
+          <p:cNvSpPr>
+            <a:spLocks noGrp="1"/>
+          </p:cNvSpPr>
+          <p:nvPr>
+            <p:ph type="body" idx="1"/>
+          </p:nvPr>
+        </p:nvSpPr>
+        <p:spPr/>
+        <p:txBody>
+          <a:bodyPr/>
+          <a:lstStyle/>
+          <a:p>
+            <a:endParaRPr lang="en-US" dirty="0"/>
+          </a:p>
+        </p:txBody>
+      </p:sp>
+      <p:sp>
+        <p:nvSpPr>
+          <p:cNvPr id="4" name="Slide Number Placeholder 3"/>
+          <p:cNvSpPr>
+            <a:spLocks noGrp="1"/>
+          </p:cNvSpPr>
+          <p:nvPr>
+            <p:ph type="sldNum" sz="quarter" idx="5"/>
+          </p:nvPr>
+        </p:nvSpPr>
+        <p:spPr/>
+        <p:txBody>
+          <a:bodyPr/>
+          <a:lstStyle/>
+          <a:p>
+            <a:fld id="{5D787E92-135F-034D-9DC8-7FF1198D5B11}" type="slidenum">
+              <a:rPr lang="en-US" smtClean="0"/>
+              <a:t>14</a:t>
+            </a:fld>
+            <a:endParaRPr lang="en-US"/>
+          </a:p>
+        </p:txBody>
+      </p:sp>
+    </p:spTree>
+    <p:extLst>
+      <p:ext uri="{BB962C8B-B14F-4D97-AF65-F5344CB8AC3E}">
+        <p14:creationId xmlns:p14="http://schemas.microsoft.com/office/powerpoint/2010/main" val="1090473428"/>
+      </p:ext>
+    </p:extLst>
+  </p:cSld>
+  <p:clrMapOvr>
+    <a:masterClrMapping/>
+  </p:clrMapOvr>
+</p:notes>
+</file>
+
+<file path=ppt/notesSlides/notesSlide15.xml><?xml version="1.0" encoding="utf-8"?>
+<p:notes xmlns:a="http://schemas.openxmlformats.org/drawingml/2006/main" xmlns:r="http://schemas.openxmlformats.org/officeDocument/2006/relationships" xmlns:p="http://schemas.openxmlformats.org/presentationml/2006/main">
+  <p:cSld>
+    <p:spTree>
+      <p:nvGrpSpPr>
+        <p:cNvPr id="1" name=""/>
+        <p:cNvGrpSpPr/>
+        <p:nvPr/>
+      </p:nvGrpSpPr>
+      <p:grpSpPr>
+        <a:xfrm>
+          <a:off x="0" y="0"/>
+          <a:ext cx="0" cy="0"/>
+          <a:chOff x="0" y="0"/>
+          <a:chExt cx="0" cy="0"/>
+        </a:xfrm>
+      </p:grpSpPr>
+      <p:sp>
+        <p:nvSpPr>
+          <p:cNvPr id="2" name="Slide Image Placeholder 1"/>
+          <p:cNvSpPr>
+            <a:spLocks noGrp="1" noRot="1" noChangeAspect="1"/>
+          </p:cNvSpPr>
+          <p:nvPr>
+            <p:ph type="sldImg"/>
+          </p:nvPr>
+        </p:nvSpPr>
+        <p:spPr/>
+      </p:sp>
+      <p:sp>
+        <p:nvSpPr>
+          <p:cNvPr id="3" name="Notes Placeholder 2"/>
+          <p:cNvSpPr>
+            <a:spLocks noGrp="1"/>
+          </p:cNvSpPr>
+          <p:nvPr>
+            <p:ph type="body" idx="1"/>
+          </p:nvPr>
+        </p:nvSpPr>
+        <p:spPr/>
+        <p:txBody>
+          <a:bodyPr/>
+          <a:lstStyle/>
+          <a:p>
             <a:r>
               <a:rPr lang="en-US" dirty="0"/>
               <a:t>Thanks</a:t>
@@ -898,7 +1076,7 @@
           <a:p>
             <a:fld id="{D81990A0-AC65-4980-BF02-6ACC1434AAED}" type="slidenum">
               <a:rPr lang="en-US" smtClean="0"/>
-              <a:t>13</a:t>
+              <a:t>15</a:t>
             </a:fld>
             <a:endParaRPr lang="en-US"/>
           </a:p>
@@ -1590,10 +1768,6 @@
           <a:bodyPr/>
           <a:lstStyle/>
           <a:p>
-            <a:pPr marL="171450" indent="-171450">
-              <a:buFont typeface="Arial" panose="020B0604020202020204" pitchFamily="34" charset="0"/>
-              <a:buChar char="•"/>
-            </a:pPr>
             <a:endParaRPr lang="en-US" dirty="0"/>
           </a:p>
         </p:txBody>
@@ -1624,7 +1798,7 @@
     </p:spTree>
     <p:extLst>
       <p:ext uri="{BB962C8B-B14F-4D97-AF65-F5344CB8AC3E}">
-        <p14:creationId xmlns:p14="http://schemas.microsoft.com/office/powerpoint/2010/main" val="796444876"/>
+        <p14:creationId xmlns:p14="http://schemas.microsoft.com/office/powerpoint/2010/main" val="4266800616"/>
       </p:ext>
     </p:extLst>
   </p:cSld>
@@ -16741,7 +16915,13 @@
           <a:p>
             <a:r>
               <a:rPr lang="en-US" dirty="0"/>
-              <a:t>2019</a:t>
+              <a:t>Jim Lin</a:t>
+            </a:r>
+          </a:p>
+          <a:p>
+            <a:r>
+              <a:rPr lang="en-US" dirty="0"/>
+              <a:t>Dec 10, 2019</a:t>
             </a:r>
           </a:p>
         </p:txBody>
@@ -16802,7 +16982,7 @@
           <a:p>
             <a:r>
               <a:rPr lang="en-US" b="1" dirty="0"/>
-              <a:t>OTA Procedure</a:t>
+              <a:t>OTA Overview</a:t>
             </a:r>
             <a:endParaRPr lang="en-US" dirty="0"/>
           </a:p>
@@ -16838,12 +17018,744 @@
           </a:p>
         </p:txBody>
       </p:sp>
+      <p:grpSp>
+        <p:nvGrpSpPr>
+          <p:cNvPr id="18" name="Group 17">
+            <a:extLst>
+              <a:ext uri="{FF2B5EF4-FFF2-40B4-BE49-F238E27FC236}">
+                <a16:creationId xmlns:a16="http://schemas.microsoft.com/office/drawing/2014/main" id="{CCB6F636-2E34-45F3-90D6-29AAD5AAA703}"/>
+              </a:ext>
+            </a:extLst>
+          </p:cNvPr>
+          <p:cNvGrpSpPr/>
+          <p:nvPr/>
+        </p:nvGrpSpPr>
+        <p:grpSpPr>
+          <a:xfrm>
+            <a:off x="617047" y="2443636"/>
+            <a:ext cx="3836277" cy="3095684"/>
+            <a:chOff x="499417" y="2887038"/>
+            <a:chExt cx="3836277" cy="3095684"/>
+          </a:xfrm>
+        </p:grpSpPr>
+        <p:grpSp>
+          <p:nvGrpSpPr>
+            <p:cNvPr id="19" name="Group 18">
+              <a:extLst>
+                <a:ext uri="{FF2B5EF4-FFF2-40B4-BE49-F238E27FC236}">
+                  <a16:creationId xmlns:a16="http://schemas.microsoft.com/office/drawing/2014/main" id="{F4FE7935-84EC-46A8-ADC3-A10560B03138}"/>
+                </a:ext>
+              </a:extLst>
+            </p:cNvPr>
+            <p:cNvGrpSpPr/>
+            <p:nvPr/>
+          </p:nvGrpSpPr>
+          <p:grpSpPr>
+            <a:xfrm>
+              <a:off x="499417" y="2887038"/>
+              <a:ext cx="3836277" cy="3095684"/>
+              <a:chOff x="1437320" y="1729946"/>
+              <a:chExt cx="3904476" cy="4407243"/>
+            </a:xfrm>
+          </p:grpSpPr>
+          <p:sp>
+            <p:nvSpPr>
+              <p:cNvPr id="24" name="Rectangle: Rounded Corners 23">
+                <a:extLst>
+                  <a:ext uri="{FF2B5EF4-FFF2-40B4-BE49-F238E27FC236}">
+                    <a16:creationId xmlns:a16="http://schemas.microsoft.com/office/drawing/2014/main" id="{F90F9E35-6321-40BD-9820-EAD62EEF382F}"/>
+                  </a:ext>
+                </a:extLst>
+              </p:cNvPr>
+              <p:cNvSpPr/>
+              <p:nvPr/>
+            </p:nvSpPr>
+            <p:spPr>
+              <a:xfrm>
+                <a:off x="1548713" y="1729946"/>
+                <a:ext cx="3793083" cy="4407243"/>
+              </a:xfrm>
+              <a:prstGeom prst="roundRect">
+                <a:avLst/>
+              </a:prstGeom>
+              <a:ln/>
+            </p:spPr>
+            <p:style>
+              <a:lnRef idx="1">
+                <a:schemeClr val="accent6"/>
+              </a:lnRef>
+              <a:fillRef idx="2">
+                <a:schemeClr val="accent6"/>
+              </a:fillRef>
+              <a:effectRef idx="1">
+                <a:schemeClr val="accent6"/>
+              </a:effectRef>
+              <a:fontRef idx="minor">
+                <a:schemeClr val="dk1"/>
+              </a:fontRef>
+            </p:style>
+            <p:txBody>
+              <a:bodyPr rtlCol="0" anchor="ctr"/>
+              <a:lstStyle/>
+              <a:p>
+                <a:pPr algn="ctr"/>
+                <a:r>
+                  <a:rPr lang="en-US" sz="1400" dirty="0"/>
+                  <a:t>Z3Gateway</a:t>
+                </a:r>
+              </a:p>
+              <a:p>
+                <a:pPr algn="ctr"/>
+                <a:endParaRPr lang="en-US" sz="1400" dirty="0"/>
+              </a:p>
+              <a:p>
+                <a:pPr algn="ctr"/>
+                <a:endParaRPr lang="en-US" sz="1400" dirty="0"/>
+              </a:p>
+              <a:p>
+                <a:pPr algn="ctr"/>
+                <a:endParaRPr lang="en-US" sz="1400" dirty="0"/>
+              </a:p>
+              <a:p>
+                <a:pPr algn="ctr"/>
+                <a:endParaRPr lang="en-US" sz="1400" dirty="0"/>
+              </a:p>
+              <a:p>
+                <a:pPr algn="ctr"/>
+                <a:endParaRPr lang="en-US" sz="1400" dirty="0"/>
+              </a:p>
+              <a:p>
+                <a:pPr algn="ctr"/>
+                <a:endParaRPr lang="en-US" sz="1400" dirty="0"/>
+              </a:p>
+              <a:p>
+                <a:pPr algn="ctr"/>
+                <a:endParaRPr lang="en-US" sz="1400" dirty="0"/>
+              </a:p>
+              <a:p>
+                <a:pPr algn="ctr"/>
+                <a:endParaRPr lang="en-US" sz="1400" dirty="0"/>
+              </a:p>
+              <a:p>
+                <a:pPr algn="ctr"/>
+                <a:endParaRPr lang="en-US" sz="1400" dirty="0"/>
+              </a:p>
+              <a:p>
+                <a:pPr algn="ctr"/>
+                <a:endParaRPr lang="en-US" sz="1400" dirty="0"/>
+              </a:p>
+              <a:p>
+                <a:pPr algn="ctr"/>
+                <a:endParaRPr lang="en-US" sz="1400" dirty="0"/>
+              </a:p>
+              <a:p>
+                <a:pPr algn="ctr"/>
+                <a:endParaRPr lang="en-US" sz="1400" dirty="0"/>
+              </a:p>
+            </p:txBody>
+          </p:sp>
+          <p:cxnSp>
+            <p:nvCxnSpPr>
+              <p:cNvPr id="25" name="Straight Connector 24">
+                <a:extLst>
+                  <a:ext uri="{FF2B5EF4-FFF2-40B4-BE49-F238E27FC236}">
+                    <a16:creationId xmlns:a16="http://schemas.microsoft.com/office/drawing/2014/main" id="{51BD4D11-679B-4A6F-895C-F4C38BF61A66}"/>
+                  </a:ext>
+                </a:extLst>
+              </p:cNvPr>
+              <p:cNvCxnSpPr>
+                <a:cxnSpLocks/>
+              </p:cNvCxnSpPr>
+              <p:nvPr/>
+            </p:nvCxnSpPr>
+            <p:spPr>
+              <a:xfrm>
+                <a:off x="2306595" y="4333103"/>
+                <a:ext cx="2753908" cy="0"/>
+              </a:xfrm>
+              <a:prstGeom prst="line">
+                <a:avLst/>
+              </a:prstGeom>
+            </p:spPr>
+            <p:style>
+              <a:lnRef idx="1">
+                <a:schemeClr val="accent1"/>
+              </a:lnRef>
+              <a:fillRef idx="0">
+                <a:schemeClr val="accent1"/>
+              </a:fillRef>
+              <a:effectRef idx="0">
+                <a:schemeClr val="accent1"/>
+              </a:effectRef>
+              <a:fontRef idx="minor">
+                <a:schemeClr val="tx1"/>
+              </a:fontRef>
+            </p:style>
+          </p:cxnSp>
+          <p:sp>
+            <p:nvSpPr>
+              <p:cNvPr id="31" name="Rectangle: Rounded Corners 30">
+                <a:extLst>
+                  <a:ext uri="{FF2B5EF4-FFF2-40B4-BE49-F238E27FC236}">
+                    <a16:creationId xmlns:a16="http://schemas.microsoft.com/office/drawing/2014/main" id="{E9AD048F-C951-46B8-A217-3A1AFA4CCA24}"/>
+                  </a:ext>
+                </a:extLst>
+              </p:cNvPr>
+              <p:cNvSpPr/>
+              <p:nvPr/>
+            </p:nvSpPr>
+            <p:spPr>
+              <a:xfrm>
+                <a:off x="2306595" y="4714109"/>
+                <a:ext cx="1367482" cy="1316179"/>
+              </a:xfrm>
+              <a:prstGeom prst="roundRect">
+                <a:avLst/>
+              </a:prstGeom>
+              <a:solidFill>
+                <a:schemeClr val="accent5">
+                  <a:lumMod val="75000"/>
+                </a:schemeClr>
+              </a:solidFill>
+              <a:ln>
+                <a:noFill/>
+              </a:ln>
+            </p:spPr>
+            <p:style>
+              <a:lnRef idx="2">
+                <a:schemeClr val="accent1">
+                  <a:shade val="50000"/>
+                </a:schemeClr>
+              </a:lnRef>
+              <a:fillRef idx="1">
+                <a:schemeClr val="accent1"/>
+              </a:fillRef>
+              <a:effectRef idx="0">
+                <a:schemeClr val="accent1"/>
+              </a:effectRef>
+              <a:fontRef idx="minor">
+                <a:schemeClr val="lt1"/>
+              </a:fontRef>
+            </p:style>
+            <p:txBody>
+              <a:bodyPr rtlCol="0" anchor="ctr"/>
+              <a:lstStyle/>
+              <a:p>
+                <a:pPr algn="ctr"/>
+                <a:r>
+                  <a:rPr lang="en-US" altLang="zh-CN" dirty="0"/>
+                  <a:t>Network</a:t>
+                </a:r>
+              </a:p>
+              <a:p>
+                <a:pPr algn="ctr"/>
+                <a:r>
+                  <a:rPr lang="en-US" altLang="zh-CN" dirty="0"/>
+                  <a:t>MAC</a:t>
+                </a:r>
+              </a:p>
+              <a:p>
+                <a:pPr algn="ctr"/>
+                <a:r>
+                  <a:rPr lang="en-US" altLang="zh-CN" dirty="0"/>
+                  <a:t>PHY</a:t>
+                </a:r>
+                <a:endParaRPr lang="en-US" dirty="0"/>
+              </a:p>
+            </p:txBody>
+          </p:sp>
+          <p:sp>
+            <p:nvSpPr>
+              <p:cNvPr id="36" name="TextBox 35">
+                <a:extLst>
+                  <a:ext uri="{FF2B5EF4-FFF2-40B4-BE49-F238E27FC236}">
+                    <a16:creationId xmlns:a16="http://schemas.microsoft.com/office/drawing/2014/main" id="{E1FBA7D8-DF3F-4256-9C5B-A1FC1782309A}"/>
+                  </a:ext>
+                </a:extLst>
+              </p:cNvPr>
+              <p:cNvSpPr txBox="1"/>
+              <p:nvPr/>
+            </p:nvSpPr>
+            <p:spPr>
+              <a:xfrm>
+                <a:off x="1511202" y="5111570"/>
+                <a:ext cx="757881" cy="276998"/>
+              </a:xfrm>
+              <a:prstGeom prst="rect">
+                <a:avLst/>
+              </a:prstGeom>
+              <a:noFill/>
+              <a:ln>
+                <a:noFill/>
+              </a:ln>
+            </p:spPr>
+            <p:txBody>
+              <a:bodyPr wrap="square" rtlCol="0" anchor="ctr">
+                <a:spAutoFit/>
+              </a:bodyPr>
+              <a:lstStyle/>
+              <a:p>
+                <a:pPr algn="ctr"/>
+                <a:r>
+                  <a:rPr lang="en-US" sz="1200" dirty="0"/>
+                  <a:t>EFR32</a:t>
+                </a:r>
+              </a:p>
+            </p:txBody>
+          </p:sp>
+          <p:sp>
+            <p:nvSpPr>
+              <p:cNvPr id="37" name="Rectangle: Rounded Corners 36">
+                <a:extLst>
+                  <a:ext uri="{FF2B5EF4-FFF2-40B4-BE49-F238E27FC236}">
+                    <a16:creationId xmlns:a16="http://schemas.microsoft.com/office/drawing/2014/main" id="{E11D302B-48AF-4F02-BECB-45736CBD29CD}"/>
+                  </a:ext>
+                </a:extLst>
+              </p:cNvPr>
+              <p:cNvSpPr/>
+              <p:nvPr/>
+            </p:nvSpPr>
+            <p:spPr>
+              <a:xfrm>
+                <a:off x="2195201" y="2930617"/>
+                <a:ext cx="1573609" cy="996765"/>
+              </a:xfrm>
+              <a:prstGeom prst="roundRect">
+                <a:avLst/>
+              </a:prstGeom>
+              <a:solidFill>
+                <a:schemeClr val="accent5"/>
+              </a:solidFill>
+              <a:ln>
+                <a:noFill/>
+              </a:ln>
+            </p:spPr>
+            <p:style>
+              <a:lnRef idx="2">
+                <a:schemeClr val="accent1">
+                  <a:shade val="50000"/>
+                </a:schemeClr>
+              </a:lnRef>
+              <a:fillRef idx="1">
+                <a:schemeClr val="accent1"/>
+              </a:fillRef>
+              <a:effectRef idx="0">
+                <a:schemeClr val="accent1"/>
+              </a:effectRef>
+              <a:fontRef idx="minor">
+                <a:schemeClr val="lt1"/>
+              </a:fontRef>
+            </p:style>
+            <p:txBody>
+              <a:bodyPr rtlCol="0" anchor="ctr"/>
+              <a:lstStyle/>
+              <a:p>
+                <a:pPr algn="ctr"/>
+                <a:r>
+                  <a:rPr lang="en-US" altLang="zh-CN" dirty="0">
+                    <a:solidFill>
+                      <a:schemeClr val="tx1"/>
+                    </a:solidFill>
+                  </a:rPr>
+                  <a:t>Zigbee Application</a:t>
+                </a:r>
+                <a:endParaRPr lang="en-US" dirty="0">
+                  <a:solidFill>
+                    <a:schemeClr val="tx1"/>
+                  </a:solidFill>
+                </a:endParaRPr>
+              </a:p>
+            </p:txBody>
+          </p:sp>
+          <p:sp>
+            <p:nvSpPr>
+              <p:cNvPr id="38" name="TextBox 37">
+                <a:extLst>
+                  <a:ext uri="{FF2B5EF4-FFF2-40B4-BE49-F238E27FC236}">
+                    <a16:creationId xmlns:a16="http://schemas.microsoft.com/office/drawing/2014/main" id="{0885912B-CAF7-4FAE-94A6-D327D02ABC26}"/>
+                  </a:ext>
+                </a:extLst>
+              </p:cNvPr>
+              <p:cNvSpPr txBox="1"/>
+              <p:nvPr/>
+            </p:nvSpPr>
+            <p:spPr>
+              <a:xfrm>
+                <a:off x="1437320" y="3223582"/>
+                <a:ext cx="757881" cy="394356"/>
+              </a:xfrm>
+              <a:prstGeom prst="rect">
+                <a:avLst/>
+              </a:prstGeom>
+              <a:noFill/>
+              <a:ln>
+                <a:noFill/>
+              </a:ln>
+            </p:spPr>
+            <p:txBody>
+              <a:bodyPr wrap="square" rtlCol="0" anchor="ctr">
+                <a:spAutoFit/>
+              </a:bodyPr>
+              <a:lstStyle/>
+              <a:p>
+                <a:pPr algn="ctr"/>
+                <a:r>
+                  <a:rPr lang="en-US" sz="1200" dirty="0"/>
+                  <a:t>Host</a:t>
+                </a:r>
+              </a:p>
+            </p:txBody>
+          </p:sp>
+        </p:grpSp>
+        <p:sp>
+          <p:nvSpPr>
+            <p:cNvPr id="20" name="Rectangle: Rounded Corners 19">
+              <a:extLst>
+                <a:ext uri="{FF2B5EF4-FFF2-40B4-BE49-F238E27FC236}">
+                  <a16:creationId xmlns:a16="http://schemas.microsoft.com/office/drawing/2014/main" id="{B69FFB37-9399-4627-92FF-BB35ACA3FC34}"/>
+                </a:ext>
+              </a:extLst>
+            </p:cNvPr>
+            <p:cNvSpPr/>
+            <p:nvPr/>
+          </p:nvSpPr>
+          <p:spPr>
+            <a:xfrm>
+              <a:off x="2891447" y="3730399"/>
+              <a:ext cx="1343596" cy="700136"/>
+            </a:xfrm>
+            <a:prstGeom prst="roundRect">
+              <a:avLst/>
+            </a:prstGeom>
+            <a:solidFill>
+              <a:schemeClr val="accent5"/>
+            </a:solidFill>
+            <a:ln>
+              <a:noFill/>
+            </a:ln>
+          </p:spPr>
+          <p:style>
+            <a:lnRef idx="2">
+              <a:schemeClr val="accent1">
+                <a:shade val="50000"/>
+              </a:schemeClr>
+            </a:lnRef>
+            <a:fillRef idx="1">
+              <a:schemeClr val="accent1"/>
+            </a:fillRef>
+            <a:effectRef idx="0">
+              <a:schemeClr val="accent1"/>
+            </a:effectRef>
+            <a:fontRef idx="minor">
+              <a:schemeClr val="lt1"/>
+            </a:fontRef>
+          </p:style>
+          <p:txBody>
+            <a:bodyPr rtlCol="0" anchor="ctr"/>
+            <a:lstStyle/>
+            <a:p>
+              <a:pPr algn="ctr"/>
+              <a:r>
+                <a:rPr lang="en-US" altLang="zh-CN" dirty="0">
+                  <a:solidFill>
+                    <a:schemeClr val="tx1"/>
+                  </a:solidFill>
+                </a:rPr>
+                <a:t>MQTT</a:t>
+              </a:r>
+            </a:p>
+            <a:p>
+              <a:pPr algn="ctr"/>
+              <a:r>
+                <a:rPr lang="en-US" dirty="0">
+                  <a:solidFill>
+                    <a:schemeClr val="tx1"/>
+                  </a:solidFill>
+                </a:rPr>
+                <a:t>Client</a:t>
+              </a:r>
+            </a:p>
+          </p:txBody>
+        </p:sp>
+        <p:cxnSp>
+          <p:nvCxnSpPr>
+            <p:cNvPr id="21" name="Straight Arrow Connector 20">
+              <a:extLst>
+                <a:ext uri="{FF2B5EF4-FFF2-40B4-BE49-F238E27FC236}">
+                  <a16:creationId xmlns:a16="http://schemas.microsoft.com/office/drawing/2014/main" id="{6EEDBCFE-5D09-4415-BC7F-84AF063519DD}"/>
+                </a:ext>
+              </a:extLst>
+            </p:cNvPr>
+            <p:cNvCxnSpPr>
+              <a:cxnSpLocks/>
+              <a:stCxn id="37" idx="2"/>
+              <a:endCxn id="31" idx="0"/>
+            </p:cNvCxnSpPr>
+            <p:nvPr/>
+          </p:nvCxnSpPr>
+          <p:spPr>
+            <a:xfrm>
+              <a:off x="2017122" y="4430535"/>
+              <a:ext cx="8184" cy="552604"/>
+            </a:xfrm>
+            <a:prstGeom prst="straightConnector1">
+              <a:avLst/>
+            </a:prstGeom>
+            <a:ln>
+              <a:headEnd type="triangle"/>
+              <a:tailEnd type="triangle"/>
+            </a:ln>
+          </p:spPr>
+          <p:style>
+            <a:lnRef idx="1">
+              <a:schemeClr val="accent1"/>
+            </a:lnRef>
+            <a:fillRef idx="0">
+              <a:schemeClr val="accent1"/>
+            </a:fillRef>
+            <a:effectRef idx="0">
+              <a:schemeClr val="accent1"/>
+            </a:effectRef>
+            <a:fontRef idx="minor">
+              <a:schemeClr val="tx1"/>
+            </a:fontRef>
+          </p:style>
+        </p:cxnSp>
+        <p:sp>
+          <p:nvSpPr>
+            <p:cNvPr id="22" name="TextBox 21">
+              <a:extLst>
+                <a:ext uri="{FF2B5EF4-FFF2-40B4-BE49-F238E27FC236}">
+                  <a16:creationId xmlns:a16="http://schemas.microsoft.com/office/drawing/2014/main" id="{E68BD774-0964-49DB-A6E9-A1BFF5D99B06}"/>
+                </a:ext>
+              </a:extLst>
+            </p:cNvPr>
+            <p:cNvSpPr txBox="1"/>
+            <p:nvPr/>
+          </p:nvSpPr>
+          <p:spPr>
+            <a:xfrm>
+              <a:off x="1616140" y="4615783"/>
+              <a:ext cx="801964" cy="276999"/>
+            </a:xfrm>
+            <a:prstGeom prst="rect">
+              <a:avLst/>
+            </a:prstGeom>
+            <a:noFill/>
+            <a:ln>
+              <a:noFill/>
+            </a:ln>
+          </p:spPr>
+          <p:txBody>
+            <a:bodyPr wrap="square" rtlCol="0" anchor="ctr">
+              <a:spAutoFit/>
+            </a:bodyPr>
+            <a:lstStyle/>
+            <a:p>
+              <a:pPr algn="ctr"/>
+              <a:r>
+                <a:rPr lang="en-US" sz="1200" dirty="0"/>
+                <a:t>UART/SPI</a:t>
+              </a:r>
+            </a:p>
+          </p:txBody>
+        </p:sp>
+      </p:grpSp>
+      <p:sp>
+        <p:nvSpPr>
+          <p:cNvPr id="41" name="Rectangle: Rounded Corners 40">
+            <a:extLst>
+              <a:ext uri="{FF2B5EF4-FFF2-40B4-BE49-F238E27FC236}">
+                <a16:creationId xmlns:a16="http://schemas.microsoft.com/office/drawing/2014/main" id="{59EE5759-8F0C-4D8C-B6ED-2D39975D076A}"/>
+              </a:ext>
+            </a:extLst>
+          </p:cNvPr>
+          <p:cNvSpPr/>
+          <p:nvPr/>
+        </p:nvSpPr>
+        <p:spPr>
+          <a:xfrm>
+            <a:off x="10274210" y="4034578"/>
+            <a:ext cx="1191296" cy="552604"/>
+          </a:xfrm>
+          <a:prstGeom prst="roundRect">
+            <a:avLst/>
+          </a:prstGeom>
+          <a:solidFill>
+            <a:schemeClr val="tx2">
+              <a:lumMod val="40000"/>
+              <a:lumOff val="60000"/>
+            </a:schemeClr>
+          </a:solidFill>
+          <a:ln>
+            <a:noFill/>
+          </a:ln>
+        </p:spPr>
+        <p:style>
+          <a:lnRef idx="2">
+            <a:schemeClr val="accent1">
+              <a:shade val="50000"/>
+            </a:schemeClr>
+          </a:lnRef>
+          <a:fillRef idx="1">
+            <a:schemeClr val="accent1"/>
+          </a:fillRef>
+          <a:effectRef idx="0">
+            <a:schemeClr val="accent1"/>
+          </a:effectRef>
+          <a:fontRef idx="minor">
+            <a:schemeClr val="lt1"/>
+          </a:fontRef>
+        </p:style>
+        <p:txBody>
+          <a:bodyPr rtlCol="0" anchor="ctr"/>
+          <a:lstStyle/>
+          <a:p>
+            <a:pPr algn="ctr"/>
+            <a:r>
+              <a:rPr lang="en-US" dirty="0">
+                <a:solidFill>
+                  <a:schemeClr val="tx1"/>
+                </a:solidFill>
+              </a:rPr>
+              <a:t>OTA Client</a:t>
+            </a:r>
+          </a:p>
+        </p:txBody>
+      </p:sp>
       <p:cxnSp>
         <p:nvCxnSpPr>
-          <p:cNvPr id="32" name="Straight Arrow Connector 31">
+          <p:cNvPr id="45" name="Straight Arrow Connector 44">
             <a:extLst>
               <a:ext uri="{FF2B5EF4-FFF2-40B4-BE49-F238E27FC236}">
-                <a16:creationId xmlns:a16="http://schemas.microsoft.com/office/drawing/2014/main" id="{22745C49-F191-456D-956B-C99D59E532B9}"/>
+                <a16:creationId xmlns:a16="http://schemas.microsoft.com/office/drawing/2014/main" id="{964878C0-66CD-4290-9487-FBDDC042D40E}"/>
+              </a:ext>
+            </a:extLst>
+          </p:cNvPr>
+          <p:cNvCxnSpPr>
+            <a:endCxn id="20" idx="1"/>
+          </p:cNvCxnSpPr>
+          <p:nvPr/>
+        </p:nvCxnSpPr>
+        <p:spPr>
+          <a:xfrm>
+            <a:off x="2907813" y="3631276"/>
+            <a:ext cx="101264" cy="5789"/>
+          </a:xfrm>
+          <a:prstGeom prst="straightConnector1">
+            <a:avLst/>
+          </a:prstGeom>
+          <a:ln>
+            <a:headEnd type="triangle"/>
+            <a:tailEnd type="triangle"/>
+          </a:ln>
+        </p:spPr>
+        <p:style>
+          <a:lnRef idx="1">
+            <a:schemeClr val="accent1"/>
+          </a:lnRef>
+          <a:fillRef idx="0">
+            <a:schemeClr val="accent1"/>
+          </a:fillRef>
+          <a:effectRef idx="0">
+            <a:schemeClr val="accent1"/>
+          </a:effectRef>
+          <a:fontRef idx="minor">
+            <a:schemeClr val="tx1"/>
+          </a:fontRef>
+        </p:style>
+      </p:cxnSp>
+      <p:sp>
+        <p:nvSpPr>
+          <p:cNvPr id="51" name="TextBox 50">
+            <a:extLst>
+              <a:ext uri="{FF2B5EF4-FFF2-40B4-BE49-F238E27FC236}">
+                <a16:creationId xmlns:a16="http://schemas.microsoft.com/office/drawing/2014/main" id="{70BEBE24-C0FE-414E-8500-0E0256FFB8A3}"/>
+              </a:ext>
+            </a:extLst>
+          </p:cNvPr>
+          <p:cNvSpPr txBox="1"/>
+          <p:nvPr/>
+        </p:nvSpPr>
+        <p:spPr>
+          <a:xfrm>
+            <a:off x="3203683" y="1572274"/>
+            <a:ext cx="2718175" cy="369332"/>
+          </a:xfrm>
+          <a:prstGeom prst="rect">
+            <a:avLst/>
+          </a:prstGeom>
+          <a:noFill/>
+          <a:ln>
+            <a:noFill/>
+          </a:ln>
+        </p:spPr>
+        <p:txBody>
+          <a:bodyPr wrap="square" rtlCol="0" anchor="ctr">
+            <a:spAutoFit/>
+          </a:bodyPr>
+          <a:lstStyle/>
+          <a:p>
+            <a:pPr algn="ctr"/>
+            <a:r>
+              <a:rPr lang="en-US" dirty="0">
+                <a:solidFill>
+                  <a:schemeClr val="accent5"/>
+                </a:solidFill>
+              </a:rPr>
+              <a:t>Z3GatewayHost.exe</a:t>
+            </a:r>
+          </a:p>
+        </p:txBody>
+      </p:sp>
+      <p:cxnSp>
+        <p:nvCxnSpPr>
+          <p:cNvPr id="52" name="Straight Arrow Connector 51">
+            <a:extLst>
+              <a:ext uri="{FF2B5EF4-FFF2-40B4-BE49-F238E27FC236}">
+                <a16:creationId xmlns:a16="http://schemas.microsoft.com/office/drawing/2014/main" id="{BF689767-FA29-4576-939D-9E8A7E5D81A9}"/>
+              </a:ext>
+            </a:extLst>
+          </p:cNvPr>
+          <p:cNvCxnSpPr>
+            <a:cxnSpLocks/>
+            <a:stCxn id="37" idx="0"/>
+          </p:cNvCxnSpPr>
+          <p:nvPr/>
+        </p:nvCxnSpPr>
+        <p:spPr>
+          <a:xfrm flipV="1">
+            <a:off x="2134752" y="1954336"/>
+            <a:ext cx="1970824" cy="1332661"/>
+          </a:xfrm>
+          <a:prstGeom prst="straightConnector1">
+            <a:avLst/>
+          </a:prstGeom>
+          <a:ln>
+            <a:tailEnd type="triangle"/>
+          </a:ln>
+        </p:spPr>
+        <p:style>
+          <a:lnRef idx="1">
+            <a:schemeClr val="accent1"/>
+          </a:lnRef>
+          <a:fillRef idx="0">
+            <a:schemeClr val="accent1"/>
+          </a:fillRef>
+          <a:effectRef idx="0">
+            <a:schemeClr val="accent1"/>
+          </a:effectRef>
+          <a:fontRef idx="minor">
+            <a:schemeClr val="tx1"/>
+          </a:fontRef>
+        </p:style>
+      </p:cxnSp>
+      <p:cxnSp>
+        <p:nvCxnSpPr>
+          <p:cNvPr id="53" name="Straight Arrow Connector 52">
+            <a:extLst>
+              <a:ext uri="{FF2B5EF4-FFF2-40B4-BE49-F238E27FC236}">
+                <a16:creationId xmlns:a16="http://schemas.microsoft.com/office/drawing/2014/main" id="{8D798324-1AC5-4808-B8D1-E696BFDDAF3A}"/>
               </a:ext>
             </a:extLst>
           </p:cNvPr>
@@ -16853,9 +17765,9 @@
           <p:nvPr/>
         </p:nvCxnSpPr>
         <p:spPr>
-          <a:xfrm>
-            <a:off x="4830847" y="1565375"/>
-            <a:ext cx="0" cy="4486759"/>
+          <a:xfrm flipV="1">
+            <a:off x="3680875" y="1907318"/>
+            <a:ext cx="496069" cy="1379680"/>
           </a:xfrm>
           <a:prstGeom prst="straightConnector1">
             <a:avLst/>
@@ -16881,10 +17793,278 @@
       </p:cxnSp>
       <p:sp>
         <p:nvSpPr>
-          <p:cNvPr id="33" name="Rectangle: Rounded Corners 32">
+          <p:cNvPr id="57" name="TextBox 56">
             <a:extLst>
               <a:ext uri="{FF2B5EF4-FFF2-40B4-BE49-F238E27FC236}">
-                <a16:creationId xmlns:a16="http://schemas.microsoft.com/office/drawing/2014/main" id="{03149A02-9DAC-4214-8ADB-8A9B2B79AFBB}"/>
+                <a16:creationId xmlns:a16="http://schemas.microsoft.com/office/drawing/2014/main" id="{FA4A0790-2958-4250-A474-8649035830D1}"/>
+              </a:ext>
+            </a:extLst>
+          </p:cNvPr>
+          <p:cNvSpPr txBox="1"/>
+          <p:nvPr/>
+        </p:nvSpPr>
+        <p:spPr>
+          <a:xfrm>
+            <a:off x="1530423" y="2861238"/>
+            <a:ext cx="952689" cy="276999"/>
+          </a:xfrm>
+          <a:prstGeom prst="rect">
+            <a:avLst/>
+          </a:prstGeom>
+          <a:solidFill>
+            <a:schemeClr val="accent1">
+              <a:lumMod val="40000"/>
+              <a:lumOff val="60000"/>
+            </a:schemeClr>
+          </a:solidFill>
+          <a:ln>
+            <a:noFill/>
+          </a:ln>
+        </p:spPr>
+        <p:txBody>
+          <a:bodyPr wrap="square" rtlCol="0" anchor="ctr">
+            <a:spAutoFit/>
+          </a:bodyPr>
+          <a:lstStyle/>
+          <a:p>
+            <a:pPr algn="ctr"/>
+            <a:r>
+              <a:rPr lang="en-US" sz="1200" dirty="0"/>
+              <a:t>New image</a:t>
+            </a:r>
+          </a:p>
+        </p:txBody>
+      </p:sp>
+      <p:sp>
+        <p:nvSpPr>
+          <p:cNvPr id="58" name="TextBox 57">
+            <a:extLst>
+              <a:ext uri="{FF2B5EF4-FFF2-40B4-BE49-F238E27FC236}">
+                <a16:creationId xmlns:a16="http://schemas.microsoft.com/office/drawing/2014/main" id="{23CC0298-33F3-457B-891D-949B9F5BE2DE}"/>
+              </a:ext>
+            </a:extLst>
+          </p:cNvPr>
+          <p:cNvSpPr txBox="1"/>
+          <p:nvPr/>
+        </p:nvSpPr>
+        <p:spPr>
+          <a:xfrm>
+            <a:off x="2781265" y="5526590"/>
+            <a:ext cx="3563012" cy="646331"/>
+          </a:xfrm>
+          <a:prstGeom prst="rect">
+            <a:avLst/>
+          </a:prstGeom>
+          <a:noFill/>
+          <a:ln>
+            <a:noFill/>
+          </a:ln>
+        </p:spPr>
+        <p:txBody>
+          <a:bodyPr wrap="square" rtlCol="0" anchor="ctr">
+            <a:spAutoFit/>
+          </a:bodyPr>
+          <a:lstStyle/>
+          <a:p>
+            <a:pPr algn="ctr"/>
+            <a:r>
+              <a:rPr lang="en-US" dirty="0">
+                <a:solidFill>
+                  <a:schemeClr val="accent5">
+                    <a:lumMod val="50000"/>
+                  </a:schemeClr>
+                </a:solidFill>
+              </a:rPr>
+              <a:t>ncp.s37</a:t>
+            </a:r>
+          </a:p>
+          <a:p>
+            <a:pPr algn="ctr"/>
+            <a:r>
+              <a:rPr lang="en-US" dirty="0">
+                <a:solidFill>
+                  <a:schemeClr val="accent5">
+                    <a:lumMod val="50000"/>
+                  </a:schemeClr>
+                </a:solidFill>
+              </a:rPr>
+              <a:t>bootloader-xmodem-uart.s37</a:t>
+            </a:r>
+          </a:p>
+        </p:txBody>
+      </p:sp>
+      <p:cxnSp>
+        <p:nvCxnSpPr>
+          <p:cNvPr id="4" name="Straight Arrow Connector 3">
+            <a:extLst>
+              <a:ext uri="{FF2B5EF4-FFF2-40B4-BE49-F238E27FC236}">
+                <a16:creationId xmlns:a16="http://schemas.microsoft.com/office/drawing/2014/main" id="{C793E487-259E-4C19-AB81-7283BC5C204B}"/>
+              </a:ext>
+            </a:extLst>
+          </p:cNvPr>
+          <p:cNvCxnSpPr>
+            <a:stCxn id="24" idx="2"/>
+          </p:cNvCxnSpPr>
+          <p:nvPr/>
+        </p:nvCxnSpPr>
+        <p:spPr>
+          <a:xfrm>
+            <a:off x="2589909" y="5539320"/>
+            <a:ext cx="1447835" cy="310435"/>
+          </a:xfrm>
+          <a:prstGeom prst="straightConnector1">
+            <a:avLst/>
+          </a:prstGeom>
+          <a:ln>
+            <a:tailEnd type="triangle"/>
+          </a:ln>
+        </p:spPr>
+        <p:style>
+          <a:lnRef idx="1">
+            <a:schemeClr val="accent1"/>
+          </a:lnRef>
+          <a:fillRef idx="0">
+            <a:schemeClr val="accent1"/>
+          </a:fillRef>
+          <a:effectRef idx="0">
+            <a:schemeClr val="accent1"/>
+          </a:effectRef>
+          <a:fontRef idx="minor">
+            <a:schemeClr val="tx1"/>
+          </a:fontRef>
+        </p:style>
+      </p:cxnSp>
+      <p:sp>
+        <p:nvSpPr>
+          <p:cNvPr id="59" name="TextBox 58">
+            <a:extLst>
+              <a:ext uri="{FF2B5EF4-FFF2-40B4-BE49-F238E27FC236}">
+                <a16:creationId xmlns:a16="http://schemas.microsoft.com/office/drawing/2014/main" id="{1C5BBB00-59A4-41C6-98CC-B84691BF0880}"/>
+              </a:ext>
+            </a:extLst>
+          </p:cNvPr>
+          <p:cNvSpPr txBox="1"/>
+          <p:nvPr/>
+        </p:nvSpPr>
+        <p:spPr>
+          <a:xfrm>
+            <a:off x="852755" y="1526108"/>
+            <a:ext cx="2537717" cy="461665"/>
+          </a:xfrm>
+          <a:prstGeom prst="rect">
+            <a:avLst/>
+          </a:prstGeom>
+          <a:noFill/>
+          <a:ln>
+            <a:noFill/>
+          </a:ln>
+        </p:spPr>
+        <p:txBody>
+          <a:bodyPr wrap="square" rtlCol="0" anchor="ctr">
+            <a:spAutoFit/>
+          </a:bodyPr>
+          <a:lstStyle/>
+          <a:p>
+            <a:pPr algn="ctr"/>
+            <a:r>
+              <a:rPr lang="en-US" sz="1200" dirty="0">
+                <a:solidFill>
+                  <a:srgbClr val="0086D9"/>
+                </a:solidFill>
+              </a:rPr>
+              <a:t>V200 </a:t>
+            </a:r>
+          </a:p>
+          <a:p>
+            <a:pPr algn="ctr"/>
+            <a:r>
+              <a:rPr lang="en-US" sz="1200" dirty="0">
+                <a:solidFill>
+                  <a:srgbClr val="0086D9"/>
+                </a:solidFill>
+              </a:rPr>
+              <a:t>Build/exe/</a:t>
+            </a:r>
+            <a:r>
+              <a:rPr lang="en-US" sz="1200" dirty="0" err="1">
+                <a:solidFill>
+                  <a:srgbClr val="0086D9"/>
+                </a:solidFill>
+              </a:rPr>
+              <a:t>ota</a:t>
+            </a:r>
+            <a:r>
+              <a:rPr lang="en-US" sz="1200" dirty="0">
+                <a:solidFill>
+                  <a:srgbClr val="0086D9"/>
+                </a:solidFill>
+              </a:rPr>
+              <a:t>-files/</a:t>
+            </a:r>
+            <a:r>
+              <a:rPr lang="en-US" sz="1200" dirty="0" err="1">
+                <a:solidFill>
+                  <a:srgbClr val="0086D9"/>
+                </a:solidFill>
+              </a:rPr>
+              <a:t>Client.ota</a:t>
+            </a:r>
+            <a:endParaRPr lang="en-US" sz="1200" dirty="0">
+              <a:solidFill>
+                <a:srgbClr val="0086D9"/>
+              </a:solidFill>
+            </a:endParaRPr>
+          </a:p>
+        </p:txBody>
+      </p:sp>
+      <p:cxnSp>
+        <p:nvCxnSpPr>
+          <p:cNvPr id="7" name="Straight Arrow Connector 6">
+            <a:extLst>
+              <a:ext uri="{FF2B5EF4-FFF2-40B4-BE49-F238E27FC236}">
+                <a16:creationId xmlns:a16="http://schemas.microsoft.com/office/drawing/2014/main" id="{98E599E6-A51F-456A-8F9A-B07C2339AD26}"/>
+              </a:ext>
+            </a:extLst>
+          </p:cNvPr>
+          <p:cNvCxnSpPr>
+            <a:cxnSpLocks/>
+            <a:endCxn id="59" idx="2"/>
+          </p:cNvCxnSpPr>
+          <p:nvPr/>
+        </p:nvCxnSpPr>
+        <p:spPr>
+          <a:xfrm flipV="1">
+            <a:off x="1976348" y="1987773"/>
+            <a:ext cx="145266" cy="873468"/>
+          </a:xfrm>
+          <a:prstGeom prst="straightConnector1">
+            <a:avLst/>
+          </a:prstGeom>
+          <a:ln>
+            <a:tailEnd type="triangle"/>
+          </a:ln>
+        </p:spPr>
+        <p:style>
+          <a:lnRef idx="1">
+            <a:schemeClr val="accent1"/>
+          </a:lnRef>
+          <a:fillRef idx="0">
+            <a:schemeClr val="accent1"/>
+          </a:fillRef>
+          <a:effectRef idx="0">
+            <a:schemeClr val="accent1"/>
+          </a:effectRef>
+          <a:fontRef idx="minor">
+            <a:schemeClr val="tx1"/>
+          </a:fontRef>
+        </p:style>
+      </p:cxnSp>
+      <p:sp>
+        <p:nvSpPr>
+          <p:cNvPr id="60" name="Rectangle: Rounded Corners 59">
+            <a:extLst>
+              <a:ext uri="{FF2B5EF4-FFF2-40B4-BE49-F238E27FC236}">
+                <a16:creationId xmlns:a16="http://schemas.microsoft.com/office/drawing/2014/main" id="{82283705-9225-4F51-AE9A-8BB1EFC2D94F}"/>
               </a:ext>
             </a:extLst>
           </p:cNvPr>
@@ -16893,14 +18073,17 @@
         </p:nvSpPr>
         <p:spPr>
           <a:xfrm>
-            <a:off x="4319405" y="1044728"/>
-            <a:ext cx="1022883" cy="520648"/>
+            <a:off x="10258578" y="3286997"/>
+            <a:ext cx="1191296" cy="552604"/>
           </a:xfrm>
           <a:prstGeom prst="roundRect">
             <a:avLst/>
           </a:prstGeom>
           <a:solidFill>
-            <a:schemeClr val="accent2"/>
+            <a:schemeClr val="tx2">
+              <a:lumMod val="40000"/>
+              <a:lumOff val="60000"/>
+            </a:schemeClr>
           </a:solidFill>
           <a:ln>
             <a:noFill/>
@@ -16928,35 +18111,41 @@
           <a:p>
             <a:pPr algn="ctr"/>
             <a:r>
-              <a:rPr lang="en-US" dirty="0"/>
-              <a:t>OTA Server</a:t>
+              <a:rPr lang="en-US" dirty="0">
+                <a:solidFill>
+                  <a:schemeClr val="tx1"/>
+                </a:solidFill>
+              </a:rPr>
+              <a:t>SPI Flash</a:t>
             </a:r>
           </a:p>
         </p:txBody>
       </p:sp>
       <p:cxnSp>
         <p:nvCxnSpPr>
-          <p:cNvPr id="34" name="Straight Arrow Connector 33">
+          <p:cNvPr id="62" name="Straight Arrow Connector 61">
             <a:extLst>
               <a:ext uri="{FF2B5EF4-FFF2-40B4-BE49-F238E27FC236}">
-                <a16:creationId xmlns:a16="http://schemas.microsoft.com/office/drawing/2014/main" id="{4ECB1C15-81D2-455B-B3F9-DC28BD44CC64}"/>
+                <a16:creationId xmlns:a16="http://schemas.microsoft.com/office/drawing/2014/main" id="{727D88AE-A00E-4B9D-AF36-1A4602FF2045}"/>
               </a:ext>
             </a:extLst>
           </p:cNvPr>
           <p:cNvCxnSpPr>
-            <a:cxnSpLocks/>
+            <a:stCxn id="60" idx="2"/>
+            <a:endCxn id="41" idx="0"/>
           </p:cNvCxnSpPr>
           <p:nvPr/>
         </p:nvCxnSpPr>
         <p:spPr>
           <a:xfrm>
-            <a:off x="7947779" y="1562791"/>
-            <a:ext cx="0" cy="4486759"/>
+            <a:off x="10854226" y="3839601"/>
+            <a:ext cx="15632" cy="194977"/>
           </a:xfrm>
           <a:prstGeom prst="straightConnector1">
             <a:avLst/>
           </a:prstGeom>
           <a:ln>
+            <a:headEnd type="triangle"/>
             <a:tailEnd type="triangle"/>
           </a:ln>
         </p:spPr>
@@ -16975,1083 +18164,55 @@
           </a:fontRef>
         </p:style>
       </p:cxnSp>
-      <p:sp>
-        <p:nvSpPr>
-          <p:cNvPr id="35" name="Rectangle: Rounded Corners 34">
+      <p:pic>
+        <p:nvPicPr>
+          <p:cNvPr id="64" name="Picture 63">
             <a:extLst>
               <a:ext uri="{FF2B5EF4-FFF2-40B4-BE49-F238E27FC236}">
-                <a16:creationId xmlns:a16="http://schemas.microsoft.com/office/drawing/2014/main" id="{8CC7BE46-7FCC-47E9-82E1-418542210313}"/>
+                <a16:creationId xmlns:a16="http://schemas.microsoft.com/office/drawing/2014/main" id="{812FBD64-3BE5-4288-A861-840CE85832DB}"/>
               </a:ext>
             </a:extLst>
           </p:cNvPr>
-          <p:cNvSpPr/>
+          <p:cNvPicPr>
+            <a:picLocks noChangeAspect="1"/>
+          </p:cNvPicPr>
           <p:nvPr/>
-        </p:nvSpPr>
-        <p:spPr>
-          <a:xfrm>
-            <a:off x="7436337" y="1044723"/>
-            <a:ext cx="1022884" cy="518067"/>
-          </a:xfrm>
-          <a:prstGeom prst="roundRect">
+        </p:nvPicPr>
+        <p:blipFill>
+          <a:blip r:embed="rId3"/>
+          <a:stretch>
+            <a:fillRect/>
+          </a:stretch>
+        </p:blipFill>
+        <p:spPr>
+          <a:xfrm>
+            <a:off x="6279398" y="1092207"/>
+            <a:ext cx="1735660" cy="4229695"/>
+          </a:xfrm>
+          <a:prstGeom prst="rect">
             <a:avLst/>
           </a:prstGeom>
-          <a:solidFill>
-            <a:schemeClr val="accent2"/>
-          </a:solidFill>
-          <a:ln>
-            <a:noFill/>
-          </a:ln>
-        </p:spPr>
-        <p:style>
-          <a:lnRef idx="2">
-            <a:schemeClr val="accent1">
-              <a:shade val="50000"/>
-            </a:schemeClr>
-          </a:lnRef>
-          <a:fillRef idx="1">
-            <a:schemeClr val="accent1"/>
-          </a:fillRef>
-          <a:effectRef idx="0">
-            <a:schemeClr val="accent1"/>
-          </a:effectRef>
-          <a:fontRef idx="minor">
-            <a:schemeClr val="lt1"/>
-          </a:fontRef>
-        </p:style>
-        <p:txBody>
-          <a:bodyPr rtlCol="0" anchor="ctr"/>
-          <a:lstStyle/>
-          <a:p>
-            <a:pPr algn="ctr"/>
-            <a:r>
-              <a:rPr lang="en-US" dirty="0"/>
-              <a:t>OTA Client</a:t>
-            </a:r>
-          </a:p>
-        </p:txBody>
-      </p:sp>
+        </p:spPr>
+      </p:pic>
       <p:cxnSp>
         <p:nvCxnSpPr>
-          <p:cNvPr id="39" name="Straight Arrow Connector 38">
+          <p:cNvPr id="66" name="Straight Arrow Connector 65">
             <a:extLst>
               <a:ext uri="{FF2B5EF4-FFF2-40B4-BE49-F238E27FC236}">
-                <a16:creationId xmlns:a16="http://schemas.microsoft.com/office/drawing/2014/main" id="{D12EDE9D-44D8-43B8-9D9D-87136E071771}"/>
+                <a16:creationId xmlns:a16="http://schemas.microsoft.com/office/drawing/2014/main" id="{B6E8CBCE-0AD0-4404-A23A-33000CA2A412}"/>
               </a:ext>
             </a:extLst>
           </p:cNvPr>
           <p:cNvCxnSpPr>
             <a:cxnSpLocks/>
+            <a:endCxn id="60" idx="1"/>
           </p:cNvCxnSpPr>
           <p:nvPr/>
         </p:nvCxnSpPr>
         <p:spPr>
-          <a:xfrm flipH="1">
-            <a:off x="4830847" y="2126006"/>
-            <a:ext cx="3116932" cy="0"/>
-          </a:xfrm>
-          <a:prstGeom prst="straightConnector1">
-            <a:avLst/>
-          </a:prstGeom>
-          <a:ln>
-            <a:tailEnd type="triangle"/>
-          </a:ln>
-        </p:spPr>
-        <p:style>
-          <a:lnRef idx="1">
-            <a:schemeClr val="accent1"/>
-          </a:lnRef>
-          <a:fillRef idx="0">
-            <a:schemeClr val="accent1"/>
-          </a:fillRef>
-          <a:effectRef idx="0">
-            <a:schemeClr val="accent1"/>
-          </a:effectRef>
-          <a:fontRef idx="minor">
-            <a:schemeClr val="tx1"/>
-          </a:fontRef>
-        </p:style>
-      </p:cxnSp>
-      <p:sp>
-        <p:nvSpPr>
-          <p:cNvPr id="40" name="TextBox 39">
-            <a:extLst>
-              <a:ext uri="{FF2B5EF4-FFF2-40B4-BE49-F238E27FC236}">
-                <a16:creationId xmlns:a16="http://schemas.microsoft.com/office/drawing/2014/main" id="{008D608D-4386-4123-A6F4-2CDBF0DBB57F}"/>
-              </a:ext>
-            </a:extLst>
-          </p:cNvPr>
-          <p:cNvSpPr txBox="1"/>
-          <p:nvPr/>
-        </p:nvSpPr>
-        <p:spPr>
-          <a:xfrm>
-            <a:off x="5203112" y="1849007"/>
-            <a:ext cx="2233226" cy="276999"/>
-          </a:xfrm>
-          <a:prstGeom prst="rect">
-            <a:avLst/>
-          </a:prstGeom>
-          <a:noFill/>
-          <a:ln>
-            <a:noFill/>
-          </a:ln>
-        </p:spPr>
-        <p:txBody>
-          <a:bodyPr wrap="square" rtlCol="0" anchor="ctr">
-            <a:spAutoFit/>
-          </a:bodyPr>
-          <a:lstStyle/>
-          <a:p>
-            <a:r>
-              <a:rPr lang="en-US" sz="1200" dirty="0"/>
-              <a:t>Query Next Image Request</a:t>
-            </a:r>
-          </a:p>
-        </p:txBody>
-      </p:sp>
-      <p:sp>
-        <p:nvSpPr>
-          <p:cNvPr id="43" name="Rectangle: Rounded Corners 42">
-            <a:extLst>
-              <a:ext uri="{FF2B5EF4-FFF2-40B4-BE49-F238E27FC236}">
-                <a16:creationId xmlns:a16="http://schemas.microsoft.com/office/drawing/2014/main" id="{C3A043CC-0DD6-40C4-9ECF-077A103A659F}"/>
-              </a:ext>
-            </a:extLst>
-          </p:cNvPr>
-          <p:cNvSpPr/>
-          <p:nvPr/>
-        </p:nvSpPr>
-        <p:spPr>
-          <a:xfrm>
-            <a:off x="982182" y="1562363"/>
-            <a:ext cx="2486345" cy="1258127"/>
-          </a:xfrm>
-          <a:prstGeom prst="roundRect">
-            <a:avLst/>
-          </a:prstGeom>
-          <a:solidFill>
-            <a:schemeClr val="accent1">
-              <a:lumMod val="20000"/>
-              <a:lumOff val="80000"/>
-            </a:schemeClr>
-          </a:solidFill>
-          <a:ln>
-            <a:noFill/>
-          </a:ln>
-        </p:spPr>
-        <p:style>
-          <a:lnRef idx="2">
-            <a:schemeClr val="accent1">
-              <a:shade val="50000"/>
-            </a:schemeClr>
-          </a:lnRef>
-          <a:fillRef idx="1">
-            <a:schemeClr val="accent1"/>
-          </a:fillRef>
-          <a:effectRef idx="0">
-            <a:schemeClr val="accent1"/>
-          </a:effectRef>
-          <a:fontRef idx="minor">
-            <a:schemeClr val="lt1"/>
-          </a:fontRef>
-        </p:style>
-        <p:txBody>
-          <a:bodyPr rtlCol="0" anchor="ctr"/>
-          <a:lstStyle/>
-          <a:p>
-            <a:r>
-              <a:rPr lang="en-US" sz="1400" dirty="0">
-                <a:solidFill>
-                  <a:schemeClr val="tx1">
-                    <a:lumMod val="50000"/>
-                  </a:schemeClr>
-                </a:solidFill>
-              </a:rPr>
-              <a:t>Find OTA file according to</a:t>
-            </a:r>
-          </a:p>
-          <a:p>
-            <a:pPr marL="171450" indent="-171450">
-              <a:buFont typeface="Arial" panose="020B0604020202020204" pitchFamily="34" charset="0"/>
-              <a:buChar char="•"/>
-            </a:pPr>
-            <a:r>
-              <a:rPr lang="en-US" sz="1400" dirty="0">
-                <a:solidFill>
-                  <a:schemeClr val="tx1">
-                    <a:lumMod val="50000"/>
-                  </a:schemeClr>
-                </a:solidFill>
-              </a:rPr>
-              <a:t>Hardware version</a:t>
-            </a:r>
-          </a:p>
-          <a:p>
-            <a:pPr marL="171450" indent="-171450">
-              <a:buFont typeface="Arial" panose="020B0604020202020204" pitchFamily="34" charset="0"/>
-              <a:buChar char="•"/>
-            </a:pPr>
-            <a:r>
-              <a:rPr lang="en-US" sz="1400" dirty="0">
-                <a:solidFill>
-                  <a:schemeClr val="tx1">
-                    <a:lumMod val="50000"/>
-                  </a:schemeClr>
-                </a:solidFill>
-              </a:rPr>
-              <a:t>Image type</a:t>
-            </a:r>
-          </a:p>
-          <a:p>
-            <a:pPr marL="171450" indent="-171450">
-              <a:buFont typeface="Arial" panose="020B0604020202020204" pitchFamily="34" charset="0"/>
-              <a:buChar char="•"/>
-            </a:pPr>
-            <a:r>
-              <a:rPr lang="en-US" sz="1400" dirty="0">
-                <a:solidFill>
-                  <a:schemeClr val="tx1">
-                    <a:lumMod val="50000"/>
-                  </a:schemeClr>
-                </a:solidFill>
-              </a:rPr>
-              <a:t>Manufacture ID</a:t>
-            </a:r>
-          </a:p>
-          <a:p>
-            <a:pPr marL="171450" indent="-171450">
-              <a:buFont typeface="Arial" panose="020B0604020202020204" pitchFamily="34" charset="0"/>
-              <a:buChar char="•"/>
-            </a:pPr>
-            <a:r>
-              <a:rPr lang="en-US" sz="1400" dirty="0">
-                <a:solidFill>
-                  <a:schemeClr val="tx1">
-                    <a:lumMod val="50000"/>
-                  </a:schemeClr>
-                </a:solidFill>
-              </a:rPr>
-              <a:t>Firmware version</a:t>
-            </a:r>
-          </a:p>
-        </p:txBody>
-      </p:sp>
-      <p:cxnSp>
-        <p:nvCxnSpPr>
-          <p:cNvPr id="44" name="Straight Arrow Connector 43">
-            <a:extLst>
-              <a:ext uri="{FF2B5EF4-FFF2-40B4-BE49-F238E27FC236}">
-                <a16:creationId xmlns:a16="http://schemas.microsoft.com/office/drawing/2014/main" id="{FCF3CB64-5E4C-40E2-B05C-13F596DE33C7}"/>
-              </a:ext>
-            </a:extLst>
-          </p:cNvPr>
-          <p:cNvCxnSpPr>
-            <a:cxnSpLocks/>
-          </p:cNvCxnSpPr>
-          <p:nvPr/>
-        </p:nvCxnSpPr>
-        <p:spPr>
-          <a:xfrm>
-            <a:off x="4830846" y="2449235"/>
-            <a:ext cx="3116933" cy="0"/>
-          </a:xfrm>
-          <a:prstGeom prst="straightConnector1">
-            <a:avLst/>
-          </a:prstGeom>
-          <a:ln>
-            <a:tailEnd type="triangle"/>
-          </a:ln>
-        </p:spPr>
-        <p:style>
-          <a:lnRef idx="1">
-            <a:schemeClr val="accent1"/>
-          </a:lnRef>
-          <a:fillRef idx="0">
-            <a:schemeClr val="accent1"/>
-          </a:fillRef>
-          <a:effectRef idx="0">
-            <a:schemeClr val="accent1"/>
-          </a:effectRef>
-          <a:fontRef idx="minor">
-            <a:schemeClr val="tx1"/>
-          </a:fontRef>
-        </p:style>
-      </p:cxnSp>
-      <p:sp>
-        <p:nvSpPr>
-          <p:cNvPr id="46" name="TextBox 45">
-            <a:extLst>
-              <a:ext uri="{FF2B5EF4-FFF2-40B4-BE49-F238E27FC236}">
-                <a16:creationId xmlns:a16="http://schemas.microsoft.com/office/drawing/2014/main" id="{A99F9F7C-D00F-4AD7-A5FE-2D8D7C39A73A}"/>
-              </a:ext>
-            </a:extLst>
-          </p:cNvPr>
-          <p:cNvSpPr txBox="1"/>
-          <p:nvPr/>
-        </p:nvSpPr>
-        <p:spPr>
-          <a:xfrm>
-            <a:off x="5203112" y="2172236"/>
-            <a:ext cx="2530299" cy="276999"/>
-          </a:xfrm>
-          <a:prstGeom prst="rect">
-            <a:avLst/>
-          </a:prstGeom>
-          <a:noFill/>
-          <a:ln>
-            <a:noFill/>
-          </a:ln>
-        </p:spPr>
-        <p:txBody>
-          <a:bodyPr wrap="square" rtlCol="0" anchor="ctr">
-            <a:spAutoFit/>
-          </a:bodyPr>
-          <a:lstStyle/>
-          <a:p>
-            <a:r>
-              <a:rPr lang="en-US" sz="1200" dirty="0"/>
-              <a:t>Query Next Image Response</a:t>
-            </a:r>
-          </a:p>
-        </p:txBody>
-      </p:sp>
-      <p:cxnSp>
-        <p:nvCxnSpPr>
-          <p:cNvPr id="49" name="Straight Arrow Connector 48">
-            <a:extLst>
-              <a:ext uri="{FF2B5EF4-FFF2-40B4-BE49-F238E27FC236}">
-                <a16:creationId xmlns:a16="http://schemas.microsoft.com/office/drawing/2014/main" id="{2B66785D-72FA-4E5E-8CAB-7D59C78E2397}"/>
-              </a:ext>
-            </a:extLst>
-          </p:cNvPr>
-          <p:cNvCxnSpPr>
-            <a:cxnSpLocks/>
-          </p:cNvCxnSpPr>
-          <p:nvPr/>
-        </p:nvCxnSpPr>
-        <p:spPr>
-          <a:xfrm flipH="1">
-            <a:off x="4852075" y="2875883"/>
-            <a:ext cx="3116932" cy="0"/>
-          </a:xfrm>
-          <a:prstGeom prst="straightConnector1">
-            <a:avLst/>
-          </a:prstGeom>
-          <a:ln>
-            <a:tailEnd type="triangle"/>
-          </a:ln>
-        </p:spPr>
-        <p:style>
-          <a:lnRef idx="1">
-            <a:schemeClr val="accent1"/>
-          </a:lnRef>
-          <a:fillRef idx="0">
-            <a:schemeClr val="accent1"/>
-          </a:fillRef>
-          <a:effectRef idx="0">
-            <a:schemeClr val="accent1"/>
-          </a:effectRef>
-          <a:fontRef idx="minor">
-            <a:schemeClr val="tx1"/>
-          </a:fontRef>
-        </p:style>
-      </p:cxnSp>
-      <p:sp>
-        <p:nvSpPr>
-          <p:cNvPr id="50" name="TextBox 49">
-            <a:extLst>
-              <a:ext uri="{FF2B5EF4-FFF2-40B4-BE49-F238E27FC236}">
-                <a16:creationId xmlns:a16="http://schemas.microsoft.com/office/drawing/2014/main" id="{154CABD6-E4F2-424D-A141-1D4CDCC9B1DC}"/>
-              </a:ext>
-            </a:extLst>
-          </p:cNvPr>
-          <p:cNvSpPr txBox="1"/>
-          <p:nvPr/>
-        </p:nvSpPr>
-        <p:spPr>
-          <a:xfrm>
-            <a:off x="5224340" y="2598884"/>
-            <a:ext cx="2233226" cy="276999"/>
-          </a:xfrm>
-          <a:prstGeom prst="rect">
-            <a:avLst/>
-          </a:prstGeom>
-          <a:noFill/>
-          <a:ln>
-            <a:noFill/>
-          </a:ln>
-        </p:spPr>
-        <p:txBody>
-          <a:bodyPr wrap="square" rtlCol="0" anchor="ctr">
-            <a:spAutoFit/>
-          </a:bodyPr>
-          <a:lstStyle/>
-          <a:p>
-            <a:r>
-              <a:rPr lang="en-US" sz="1200" dirty="0"/>
-              <a:t>Image Block Request</a:t>
-            </a:r>
-          </a:p>
-        </p:txBody>
-      </p:sp>
-      <p:cxnSp>
-        <p:nvCxnSpPr>
-          <p:cNvPr id="54" name="Straight Arrow Connector 53">
-            <a:extLst>
-              <a:ext uri="{FF2B5EF4-FFF2-40B4-BE49-F238E27FC236}">
-                <a16:creationId xmlns:a16="http://schemas.microsoft.com/office/drawing/2014/main" id="{071D2002-BDDA-4B8A-A7A6-CFB1E952CD79}"/>
-              </a:ext>
-            </a:extLst>
-          </p:cNvPr>
-          <p:cNvCxnSpPr>
-            <a:cxnSpLocks/>
-          </p:cNvCxnSpPr>
-          <p:nvPr/>
-        </p:nvCxnSpPr>
-        <p:spPr>
-          <a:xfrm>
-            <a:off x="4852074" y="3199112"/>
-            <a:ext cx="3116933" cy="0"/>
-          </a:xfrm>
-          <a:prstGeom prst="straightConnector1">
-            <a:avLst/>
-          </a:prstGeom>
-          <a:ln>
-            <a:tailEnd type="triangle"/>
-          </a:ln>
-        </p:spPr>
-        <p:style>
-          <a:lnRef idx="1">
-            <a:schemeClr val="accent1"/>
-          </a:lnRef>
-          <a:fillRef idx="0">
-            <a:schemeClr val="accent1"/>
-          </a:fillRef>
-          <a:effectRef idx="0">
-            <a:schemeClr val="accent1"/>
-          </a:effectRef>
-          <a:fontRef idx="minor">
-            <a:schemeClr val="tx1"/>
-          </a:fontRef>
-        </p:style>
-      </p:cxnSp>
-      <p:sp>
-        <p:nvSpPr>
-          <p:cNvPr id="55" name="TextBox 54">
-            <a:extLst>
-              <a:ext uri="{FF2B5EF4-FFF2-40B4-BE49-F238E27FC236}">
-                <a16:creationId xmlns:a16="http://schemas.microsoft.com/office/drawing/2014/main" id="{7CC23A57-65B8-4C97-B8D9-FF2D5DA441B9}"/>
-              </a:ext>
-            </a:extLst>
-          </p:cNvPr>
-          <p:cNvSpPr txBox="1"/>
-          <p:nvPr/>
-        </p:nvSpPr>
-        <p:spPr>
-          <a:xfrm>
-            <a:off x="5224340" y="2922113"/>
-            <a:ext cx="2530299" cy="276999"/>
-          </a:xfrm>
-          <a:prstGeom prst="rect">
-            <a:avLst/>
-          </a:prstGeom>
-          <a:noFill/>
-          <a:ln>
-            <a:noFill/>
-          </a:ln>
-        </p:spPr>
-        <p:txBody>
-          <a:bodyPr wrap="square" rtlCol="0" anchor="ctr">
-            <a:spAutoFit/>
-          </a:bodyPr>
-          <a:lstStyle/>
-          <a:p>
-            <a:r>
-              <a:rPr lang="en-US" sz="1200" dirty="0"/>
-              <a:t>Image Block Response</a:t>
-            </a:r>
-          </a:p>
-        </p:txBody>
-      </p:sp>
-      <p:cxnSp>
-        <p:nvCxnSpPr>
-          <p:cNvPr id="56" name="Straight Arrow Connector 55">
-            <a:extLst>
-              <a:ext uri="{FF2B5EF4-FFF2-40B4-BE49-F238E27FC236}">
-                <a16:creationId xmlns:a16="http://schemas.microsoft.com/office/drawing/2014/main" id="{D2330B4E-D907-4A67-98A4-E0445B978413}"/>
-              </a:ext>
-            </a:extLst>
-          </p:cNvPr>
-          <p:cNvCxnSpPr>
-            <a:cxnSpLocks/>
-          </p:cNvCxnSpPr>
-          <p:nvPr/>
-        </p:nvCxnSpPr>
-        <p:spPr>
-          <a:xfrm flipH="1">
-            <a:off x="4830847" y="4016614"/>
-            <a:ext cx="3116932" cy="0"/>
-          </a:xfrm>
-          <a:prstGeom prst="straightConnector1">
-            <a:avLst/>
-          </a:prstGeom>
-          <a:ln>
-            <a:tailEnd type="triangle"/>
-          </a:ln>
-        </p:spPr>
-        <p:style>
-          <a:lnRef idx="1">
-            <a:schemeClr val="accent1"/>
-          </a:lnRef>
-          <a:fillRef idx="0">
-            <a:schemeClr val="accent1"/>
-          </a:fillRef>
-          <a:effectRef idx="0">
-            <a:schemeClr val="accent1"/>
-          </a:effectRef>
-          <a:fontRef idx="minor">
-            <a:schemeClr val="tx1"/>
-          </a:fontRef>
-        </p:style>
-      </p:cxnSp>
-      <p:sp>
-        <p:nvSpPr>
-          <p:cNvPr id="61" name="TextBox 60">
-            <a:extLst>
-              <a:ext uri="{FF2B5EF4-FFF2-40B4-BE49-F238E27FC236}">
-                <a16:creationId xmlns:a16="http://schemas.microsoft.com/office/drawing/2014/main" id="{59F80EC1-07B0-40DB-B5FD-993F56DF321C}"/>
-              </a:ext>
-            </a:extLst>
-          </p:cNvPr>
-          <p:cNvSpPr txBox="1"/>
-          <p:nvPr/>
-        </p:nvSpPr>
-        <p:spPr>
-          <a:xfrm>
-            <a:off x="5203112" y="3739615"/>
-            <a:ext cx="2233226" cy="276999"/>
-          </a:xfrm>
-          <a:prstGeom prst="rect">
-            <a:avLst/>
-          </a:prstGeom>
-          <a:noFill/>
-          <a:ln>
-            <a:noFill/>
-          </a:ln>
-        </p:spPr>
-        <p:txBody>
-          <a:bodyPr wrap="square" rtlCol="0" anchor="ctr">
-            <a:spAutoFit/>
-          </a:bodyPr>
-          <a:lstStyle/>
-          <a:p>
-            <a:r>
-              <a:rPr lang="en-US" sz="1200" dirty="0"/>
-              <a:t>Image Block Request</a:t>
-            </a:r>
-          </a:p>
-        </p:txBody>
-      </p:sp>
-      <p:cxnSp>
-        <p:nvCxnSpPr>
-          <p:cNvPr id="63" name="Straight Arrow Connector 62">
-            <a:extLst>
-              <a:ext uri="{FF2B5EF4-FFF2-40B4-BE49-F238E27FC236}">
-                <a16:creationId xmlns:a16="http://schemas.microsoft.com/office/drawing/2014/main" id="{E4104740-DFBB-4A12-B516-9B915630DFBB}"/>
-              </a:ext>
-            </a:extLst>
-          </p:cNvPr>
-          <p:cNvCxnSpPr>
-            <a:cxnSpLocks/>
-          </p:cNvCxnSpPr>
-          <p:nvPr/>
-        </p:nvCxnSpPr>
-        <p:spPr>
-          <a:xfrm>
-            <a:off x="4830846" y="4339843"/>
-            <a:ext cx="3116933" cy="0"/>
-          </a:xfrm>
-          <a:prstGeom prst="straightConnector1">
-            <a:avLst/>
-          </a:prstGeom>
-          <a:ln>
-            <a:tailEnd type="triangle"/>
-          </a:ln>
-        </p:spPr>
-        <p:style>
-          <a:lnRef idx="1">
-            <a:schemeClr val="accent1"/>
-          </a:lnRef>
-          <a:fillRef idx="0">
-            <a:schemeClr val="accent1"/>
-          </a:fillRef>
-          <a:effectRef idx="0">
-            <a:schemeClr val="accent1"/>
-          </a:effectRef>
-          <a:fontRef idx="minor">
-            <a:schemeClr val="tx1"/>
-          </a:fontRef>
-        </p:style>
-      </p:cxnSp>
-      <p:sp>
-        <p:nvSpPr>
-          <p:cNvPr id="65" name="TextBox 64">
-            <a:extLst>
-              <a:ext uri="{FF2B5EF4-FFF2-40B4-BE49-F238E27FC236}">
-                <a16:creationId xmlns:a16="http://schemas.microsoft.com/office/drawing/2014/main" id="{B6BD3883-138F-4C30-B72A-75C596F6862B}"/>
-              </a:ext>
-            </a:extLst>
-          </p:cNvPr>
-          <p:cNvSpPr txBox="1"/>
-          <p:nvPr/>
-        </p:nvSpPr>
-        <p:spPr>
-          <a:xfrm>
-            <a:off x="5203112" y="4062844"/>
-            <a:ext cx="2530299" cy="276999"/>
-          </a:xfrm>
-          <a:prstGeom prst="rect">
-            <a:avLst/>
-          </a:prstGeom>
-          <a:noFill/>
-          <a:ln>
-            <a:noFill/>
-          </a:ln>
-        </p:spPr>
-        <p:txBody>
-          <a:bodyPr wrap="square" rtlCol="0" anchor="ctr">
-            <a:spAutoFit/>
-          </a:bodyPr>
-          <a:lstStyle/>
-          <a:p>
-            <a:r>
-              <a:rPr lang="en-US" sz="1200" dirty="0"/>
-              <a:t>Image Block Response</a:t>
-            </a:r>
-          </a:p>
-        </p:txBody>
-      </p:sp>
-      <p:sp>
-        <p:nvSpPr>
-          <p:cNvPr id="67" name="TextBox 66">
-            <a:extLst>
-              <a:ext uri="{FF2B5EF4-FFF2-40B4-BE49-F238E27FC236}">
-                <a16:creationId xmlns:a16="http://schemas.microsoft.com/office/drawing/2014/main" id="{62AE6649-59BB-4875-B731-572F8FD4BB0F}"/>
-              </a:ext>
-            </a:extLst>
-          </p:cNvPr>
-          <p:cNvSpPr txBox="1"/>
-          <p:nvPr/>
-        </p:nvSpPr>
-        <p:spPr>
-          <a:xfrm>
-            <a:off x="5671947" y="3342629"/>
-            <a:ext cx="796314" cy="276999"/>
-          </a:xfrm>
-          <a:prstGeom prst="rect">
-            <a:avLst/>
-          </a:prstGeom>
-          <a:noFill/>
-          <a:ln>
-            <a:noFill/>
-          </a:ln>
-        </p:spPr>
-        <p:txBody>
-          <a:bodyPr wrap="square" rtlCol="0" anchor="ctr">
-            <a:spAutoFit/>
-          </a:bodyPr>
-          <a:lstStyle/>
-          <a:p>
-            <a:r>
-              <a:rPr lang="en-US" sz="1200" dirty="0"/>
-              <a:t>……</a:t>
-            </a:r>
-          </a:p>
-        </p:txBody>
-      </p:sp>
-      <p:cxnSp>
-        <p:nvCxnSpPr>
-          <p:cNvPr id="69" name="Straight Arrow Connector 68">
-            <a:extLst>
-              <a:ext uri="{FF2B5EF4-FFF2-40B4-BE49-F238E27FC236}">
-                <a16:creationId xmlns:a16="http://schemas.microsoft.com/office/drawing/2014/main" id="{79552CC8-8BD0-4115-A8DB-9F9D63363A9E}"/>
-              </a:ext>
-            </a:extLst>
-          </p:cNvPr>
-          <p:cNvCxnSpPr>
-            <a:cxnSpLocks/>
-          </p:cNvCxnSpPr>
-          <p:nvPr/>
-        </p:nvCxnSpPr>
-        <p:spPr>
-          <a:xfrm flipH="1">
-            <a:off x="4819101" y="4906551"/>
-            <a:ext cx="3116932" cy="0"/>
-          </a:xfrm>
-          <a:prstGeom prst="straightConnector1">
-            <a:avLst/>
-          </a:prstGeom>
-          <a:ln>
-            <a:tailEnd type="triangle"/>
-          </a:ln>
-        </p:spPr>
-        <p:style>
-          <a:lnRef idx="1">
-            <a:schemeClr val="accent1"/>
-          </a:lnRef>
-          <a:fillRef idx="0">
-            <a:schemeClr val="accent1"/>
-          </a:fillRef>
-          <a:effectRef idx="0">
-            <a:schemeClr val="accent1"/>
-          </a:effectRef>
-          <a:fontRef idx="minor">
-            <a:schemeClr val="tx1"/>
-          </a:fontRef>
-        </p:style>
-      </p:cxnSp>
-      <p:sp>
-        <p:nvSpPr>
-          <p:cNvPr id="70" name="TextBox 69">
-            <a:extLst>
-              <a:ext uri="{FF2B5EF4-FFF2-40B4-BE49-F238E27FC236}">
-                <a16:creationId xmlns:a16="http://schemas.microsoft.com/office/drawing/2014/main" id="{B8B31CE1-3723-4259-9EB4-DA3A25824F08}"/>
-              </a:ext>
-            </a:extLst>
-          </p:cNvPr>
-          <p:cNvSpPr txBox="1"/>
-          <p:nvPr/>
-        </p:nvSpPr>
-        <p:spPr>
-          <a:xfrm>
-            <a:off x="5191366" y="4629552"/>
-            <a:ext cx="2233226" cy="276999"/>
-          </a:xfrm>
-          <a:prstGeom prst="rect">
-            <a:avLst/>
-          </a:prstGeom>
-          <a:noFill/>
-          <a:ln>
-            <a:noFill/>
-          </a:ln>
-        </p:spPr>
-        <p:txBody>
-          <a:bodyPr wrap="square" rtlCol="0" anchor="ctr">
-            <a:spAutoFit/>
-          </a:bodyPr>
-          <a:lstStyle/>
-          <a:p>
-            <a:r>
-              <a:rPr lang="en-US" sz="1200" dirty="0"/>
-              <a:t>Upgrade End Request</a:t>
-            </a:r>
-          </a:p>
-        </p:txBody>
-      </p:sp>
-      <p:cxnSp>
-        <p:nvCxnSpPr>
-          <p:cNvPr id="71" name="Straight Arrow Connector 70">
-            <a:extLst>
-              <a:ext uri="{FF2B5EF4-FFF2-40B4-BE49-F238E27FC236}">
-                <a16:creationId xmlns:a16="http://schemas.microsoft.com/office/drawing/2014/main" id="{BB29A60D-5CB4-4D90-BC72-7003640BB470}"/>
-              </a:ext>
-            </a:extLst>
-          </p:cNvPr>
-          <p:cNvCxnSpPr>
-            <a:cxnSpLocks/>
-          </p:cNvCxnSpPr>
-          <p:nvPr/>
-        </p:nvCxnSpPr>
-        <p:spPr>
-          <a:xfrm>
-            <a:off x="4819100" y="5229780"/>
-            <a:ext cx="3116933" cy="0"/>
-          </a:xfrm>
-          <a:prstGeom prst="straightConnector1">
-            <a:avLst/>
-          </a:prstGeom>
-          <a:ln>
-            <a:tailEnd type="triangle"/>
-          </a:ln>
-        </p:spPr>
-        <p:style>
-          <a:lnRef idx="1">
-            <a:schemeClr val="accent1"/>
-          </a:lnRef>
-          <a:fillRef idx="0">
-            <a:schemeClr val="accent1"/>
-          </a:fillRef>
-          <a:effectRef idx="0">
-            <a:schemeClr val="accent1"/>
-          </a:effectRef>
-          <a:fontRef idx="minor">
-            <a:schemeClr val="tx1"/>
-          </a:fontRef>
-        </p:style>
-      </p:cxnSp>
-      <p:sp>
-        <p:nvSpPr>
-          <p:cNvPr id="72" name="TextBox 71">
-            <a:extLst>
-              <a:ext uri="{FF2B5EF4-FFF2-40B4-BE49-F238E27FC236}">
-                <a16:creationId xmlns:a16="http://schemas.microsoft.com/office/drawing/2014/main" id="{2B43305D-070C-4374-8D2E-331DA2FC10BB}"/>
-              </a:ext>
-            </a:extLst>
-          </p:cNvPr>
-          <p:cNvSpPr txBox="1"/>
-          <p:nvPr/>
-        </p:nvSpPr>
-        <p:spPr>
-          <a:xfrm>
-            <a:off x="5191366" y="4952781"/>
-            <a:ext cx="2530299" cy="276999"/>
-          </a:xfrm>
-          <a:prstGeom prst="rect">
-            <a:avLst/>
-          </a:prstGeom>
-          <a:noFill/>
-          <a:ln>
-            <a:noFill/>
-          </a:ln>
-        </p:spPr>
-        <p:txBody>
-          <a:bodyPr wrap="square" rtlCol="0" anchor="ctr">
-            <a:spAutoFit/>
-          </a:bodyPr>
-          <a:lstStyle/>
-          <a:p>
-            <a:r>
-              <a:rPr lang="en-US" sz="1200" dirty="0"/>
-              <a:t>Upgrade End Response</a:t>
-            </a:r>
-          </a:p>
-        </p:txBody>
-      </p:sp>
-      <p:cxnSp>
-        <p:nvCxnSpPr>
-          <p:cNvPr id="10" name="Straight Arrow Connector 9">
-            <a:extLst>
-              <a:ext uri="{FF2B5EF4-FFF2-40B4-BE49-F238E27FC236}">
-                <a16:creationId xmlns:a16="http://schemas.microsoft.com/office/drawing/2014/main" id="{3FADF348-20EA-4A3F-8D5B-E810A2077903}"/>
-              </a:ext>
-            </a:extLst>
-          </p:cNvPr>
-          <p:cNvCxnSpPr>
-            <a:cxnSpLocks/>
-            <a:endCxn id="43" idx="3"/>
-          </p:cNvCxnSpPr>
-          <p:nvPr/>
-        </p:nvCxnSpPr>
-        <p:spPr>
-          <a:xfrm flipH="1">
-            <a:off x="3468527" y="2116411"/>
-            <a:ext cx="1350573" cy="75016"/>
-          </a:xfrm>
-          <a:prstGeom prst="straightConnector1">
-            <a:avLst/>
-          </a:prstGeom>
-          <a:ln>
-            <a:tailEnd type="triangle"/>
-          </a:ln>
-        </p:spPr>
-        <p:style>
-          <a:lnRef idx="1">
-            <a:schemeClr val="accent1"/>
-          </a:lnRef>
-          <a:fillRef idx="0">
-            <a:schemeClr val="accent1"/>
-          </a:fillRef>
-          <a:effectRef idx="0">
-            <a:schemeClr val="accent1"/>
-          </a:effectRef>
-          <a:fontRef idx="minor">
-            <a:schemeClr val="tx1"/>
-          </a:fontRef>
-        </p:style>
-      </p:cxnSp>
-      <p:sp>
-        <p:nvSpPr>
-          <p:cNvPr id="73" name="Rectangle: Rounded Corners 72">
-            <a:extLst>
-              <a:ext uri="{FF2B5EF4-FFF2-40B4-BE49-F238E27FC236}">
-                <a16:creationId xmlns:a16="http://schemas.microsoft.com/office/drawing/2014/main" id="{9847B618-91A2-4FAB-B72B-FA298540C2B5}"/>
-              </a:ext>
-            </a:extLst>
-          </p:cNvPr>
-          <p:cNvSpPr/>
-          <p:nvPr/>
-        </p:nvSpPr>
-        <p:spPr>
-          <a:xfrm>
-            <a:off x="8723473" y="2191427"/>
-            <a:ext cx="2486345" cy="749877"/>
-          </a:xfrm>
-          <a:prstGeom prst="roundRect">
-            <a:avLst/>
-          </a:prstGeom>
-          <a:solidFill>
-            <a:schemeClr val="accent1">
-              <a:lumMod val="20000"/>
-              <a:lumOff val="80000"/>
-            </a:schemeClr>
-          </a:solidFill>
-          <a:ln>
-            <a:noFill/>
-          </a:ln>
-        </p:spPr>
-        <p:style>
-          <a:lnRef idx="2">
-            <a:schemeClr val="accent1">
-              <a:shade val="50000"/>
-            </a:schemeClr>
-          </a:lnRef>
-          <a:fillRef idx="1">
-            <a:schemeClr val="accent1"/>
-          </a:fillRef>
-          <a:effectRef idx="0">
-            <a:schemeClr val="accent1"/>
-          </a:effectRef>
-          <a:fontRef idx="minor">
-            <a:schemeClr val="lt1"/>
-          </a:fontRef>
-        </p:style>
-        <p:txBody>
-          <a:bodyPr rtlCol="0" anchor="ctr"/>
-          <a:lstStyle/>
-          <a:p>
-            <a:r>
-              <a:rPr lang="en-US" sz="1400" dirty="0">
-                <a:solidFill>
-                  <a:schemeClr val="tx1">
-                    <a:lumMod val="50000"/>
-                  </a:schemeClr>
-                </a:solidFill>
-              </a:rPr>
-              <a:t>Erase the storage and prepare to receive new image</a:t>
-            </a:r>
-          </a:p>
-        </p:txBody>
-      </p:sp>
-      <p:cxnSp>
-        <p:nvCxnSpPr>
-          <p:cNvPr id="15" name="Straight Arrow Connector 14">
-            <a:extLst>
-              <a:ext uri="{FF2B5EF4-FFF2-40B4-BE49-F238E27FC236}">
-                <a16:creationId xmlns:a16="http://schemas.microsoft.com/office/drawing/2014/main" id="{94E605FA-3D2D-402D-8D9E-0DAB45C7024E}"/>
-              </a:ext>
-            </a:extLst>
-          </p:cNvPr>
-          <p:cNvCxnSpPr>
-            <a:endCxn id="73" idx="1"/>
-          </p:cNvCxnSpPr>
-          <p:nvPr/>
-        </p:nvCxnSpPr>
-        <p:spPr>
-          <a:xfrm>
-            <a:off x="7969007" y="2449235"/>
-            <a:ext cx="754466" cy="117131"/>
-          </a:xfrm>
-          <a:prstGeom prst="straightConnector1">
-            <a:avLst/>
-          </a:prstGeom>
-          <a:ln>
-            <a:tailEnd type="triangle"/>
-          </a:ln>
-        </p:spPr>
-        <p:style>
-          <a:lnRef idx="1">
-            <a:schemeClr val="accent1"/>
-          </a:lnRef>
-          <a:fillRef idx="0">
-            <a:schemeClr val="accent1"/>
-          </a:fillRef>
-          <a:effectRef idx="0">
-            <a:schemeClr val="accent1"/>
-          </a:effectRef>
-          <a:fontRef idx="minor">
-            <a:schemeClr val="tx1"/>
-          </a:fontRef>
-        </p:style>
-      </p:cxnSp>
-      <p:sp>
-        <p:nvSpPr>
-          <p:cNvPr id="74" name="Rectangle: Rounded Corners 73">
-            <a:extLst>
-              <a:ext uri="{FF2B5EF4-FFF2-40B4-BE49-F238E27FC236}">
-                <a16:creationId xmlns:a16="http://schemas.microsoft.com/office/drawing/2014/main" id="{06DCFA9D-51AF-4EB1-9ED9-1073F1AFA8AB}"/>
-              </a:ext>
-            </a:extLst>
-          </p:cNvPr>
-          <p:cNvSpPr/>
-          <p:nvPr/>
-        </p:nvSpPr>
-        <p:spPr>
-          <a:xfrm>
-            <a:off x="8723473" y="3589966"/>
-            <a:ext cx="1735617" cy="511235"/>
-          </a:xfrm>
-          <a:prstGeom prst="roundRect">
-            <a:avLst/>
-          </a:prstGeom>
-          <a:solidFill>
-            <a:schemeClr val="accent1">
-              <a:lumMod val="20000"/>
-              <a:lumOff val="80000"/>
-            </a:schemeClr>
-          </a:solidFill>
-          <a:ln>
-            <a:noFill/>
-          </a:ln>
-        </p:spPr>
-        <p:style>
-          <a:lnRef idx="2">
-            <a:schemeClr val="accent1">
-              <a:shade val="50000"/>
-            </a:schemeClr>
-          </a:lnRef>
-          <a:fillRef idx="1">
-            <a:schemeClr val="accent1"/>
-          </a:fillRef>
-          <a:effectRef idx="0">
-            <a:schemeClr val="accent1"/>
-          </a:effectRef>
-          <a:fontRef idx="minor">
-            <a:schemeClr val="lt1"/>
-          </a:fontRef>
-        </p:style>
-        <p:txBody>
-          <a:bodyPr rtlCol="0" anchor="ctr"/>
-          <a:lstStyle/>
-          <a:p>
-            <a:r>
-              <a:rPr lang="en-US" sz="1400" dirty="0">
-                <a:solidFill>
-                  <a:schemeClr val="tx1">
-                    <a:lumMod val="50000"/>
-                  </a:schemeClr>
-                </a:solidFill>
-              </a:rPr>
-              <a:t>Save received data</a:t>
-            </a:r>
-          </a:p>
-        </p:txBody>
-      </p:sp>
-      <p:cxnSp>
-        <p:nvCxnSpPr>
-          <p:cNvPr id="17" name="Straight Arrow Connector 16">
-            <a:extLst>
-              <a:ext uri="{FF2B5EF4-FFF2-40B4-BE49-F238E27FC236}">
-                <a16:creationId xmlns:a16="http://schemas.microsoft.com/office/drawing/2014/main" id="{E83F7538-DCA0-4A94-8F6A-89380AFF6836}"/>
-              </a:ext>
-            </a:extLst>
-          </p:cNvPr>
-          <p:cNvCxnSpPr/>
-          <p:nvPr/>
-        </p:nvCxnSpPr>
-        <p:spPr>
-          <a:xfrm>
-            <a:off x="7969007" y="3199112"/>
-            <a:ext cx="754466" cy="540503"/>
+          <a:xfrm>
+            <a:off x="8015058" y="2443636"/>
+            <a:ext cx="2243520" cy="1119663"/>
           </a:xfrm>
           <a:prstGeom prst="straightConnector1">
             <a:avLst/>
@@ -18077,22 +18238,23 @@
       </p:cxnSp>
       <p:cxnSp>
         <p:nvCxnSpPr>
-          <p:cNvPr id="26" name="Straight Arrow Connector 25">
+          <p:cNvPr id="68" name="Straight Arrow Connector 67">
             <a:extLst>
               <a:ext uri="{FF2B5EF4-FFF2-40B4-BE49-F238E27FC236}">
-                <a16:creationId xmlns:a16="http://schemas.microsoft.com/office/drawing/2014/main" id="{34A22D4B-FA12-43B4-91C4-21EAA94FE578}"/>
+                <a16:creationId xmlns:a16="http://schemas.microsoft.com/office/drawing/2014/main" id="{5445B262-A638-460C-B45D-094C5EFDFA90}"/>
               </a:ext>
             </a:extLst>
           </p:cNvPr>
           <p:cNvCxnSpPr>
-            <a:endCxn id="74" idx="1"/>
+            <a:cxnSpLocks/>
+            <a:endCxn id="60" idx="1"/>
           </p:cNvCxnSpPr>
           <p:nvPr/>
         </p:nvCxnSpPr>
         <p:spPr>
           <a:xfrm flipV="1">
-            <a:off x="7980753" y="3845584"/>
-            <a:ext cx="742720" cy="494259"/>
+            <a:off x="7997256" y="3563299"/>
+            <a:ext cx="2261322" cy="171106"/>
           </a:xfrm>
           <a:prstGeom prst="straightConnector1">
             <a:avLst/>
@@ -18118,85 +18280,68 @@
       </p:cxnSp>
       <p:sp>
         <p:nvSpPr>
-          <p:cNvPr id="75" name="Rectangle: Rounded Corners 74">
+          <p:cNvPr id="73" name="TextBox 72">
             <a:extLst>
               <a:ext uri="{FF2B5EF4-FFF2-40B4-BE49-F238E27FC236}">
-                <a16:creationId xmlns:a16="http://schemas.microsoft.com/office/drawing/2014/main" id="{4A75FFC9-ECED-4C49-A0F1-D27BCCE14A4B}"/>
+                <a16:creationId xmlns:a16="http://schemas.microsoft.com/office/drawing/2014/main" id="{8186DFEE-189A-4836-A326-38B070FE0C34}"/>
               </a:ext>
             </a:extLst>
           </p:cNvPr>
-          <p:cNvSpPr/>
+          <p:cNvSpPr txBox="1"/>
           <p:nvPr/>
         </p:nvSpPr>
         <p:spPr>
           <a:xfrm>
-            <a:off x="8470967" y="4650933"/>
-            <a:ext cx="2505219" cy="511235"/>
-          </a:xfrm>
-          <a:prstGeom prst="roundRect">
+            <a:off x="7293028" y="5493008"/>
+            <a:ext cx="4235414" cy="646331"/>
+          </a:xfrm>
+          <a:prstGeom prst="rect">
             <a:avLst/>
           </a:prstGeom>
-          <a:solidFill>
-            <a:schemeClr val="accent1">
-              <a:lumMod val="20000"/>
-              <a:lumOff val="80000"/>
-            </a:schemeClr>
-          </a:solidFill>
+          <a:noFill/>
           <a:ln>
             <a:noFill/>
           </a:ln>
         </p:spPr>
-        <p:style>
-          <a:lnRef idx="2">
-            <a:schemeClr val="accent1">
-              <a:shade val="50000"/>
-            </a:schemeClr>
-          </a:lnRef>
-          <a:fillRef idx="1">
-            <a:schemeClr val="accent1"/>
-          </a:fillRef>
-          <a:effectRef idx="0">
-            <a:schemeClr val="accent1"/>
-          </a:effectRef>
-          <a:fontRef idx="minor">
-            <a:schemeClr val="lt1"/>
-          </a:fontRef>
-        </p:style>
-        <p:txBody>
-          <a:bodyPr rtlCol="0" anchor="ctr"/>
+        <p:txBody>
+          <a:bodyPr wrap="square" rtlCol="0" anchor="ctr">
+            <a:spAutoFit/>
+          </a:bodyPr>
           <a:lstStyle/>
           <a:p>
-            <a:r>
-              <a:rPr lang="en-US" sz="1400" dirty="0">
-                <a:solidFill>
-                  <a:schemeClr val="tx1">
-                    <a:lumMod val="50000"/>
-                  </a:schemeClr>
-                </a:solidFill>
-              </a:rPr>
-              <a:t>Check if received image is valid</a:t>
+            <a:pPr algn="ctr"/>
+            <a:r>
+              <a:rPr lang="en-US" dirty="0"/>
+              <a:t>V100 Client.s37</a:t>
+            </a:r>
+          </a:p>
+          <a:p>
+            <a:pPr algn="ctr"/>
+            <a:r>
+              <a:rPr lang="en-US" dirty="0"/>
+              <a:t>bootloader-storage-spiflash-single.s37</a:t>
             </a:r>
           </a:p>
         </p:txBody>
       </p:sp>
       <p:cxnSp>
         <p:nvCxnSpPr>
-          <p:cNvPr id="28" name="Straight Arrow Connector 27">
+          <p:cNvPr id="77" name="Straight Arrow Connector 76">
             <a:extLst>
               <a:ext uri="{FF2B5EF4-FFF2-40B4-BE49-F238E27FC236}">
-                <a16:creationId xmlns:a16="http://schemas.microsoft.com/office/drawing/2014/main" id="{5DCB26BD-3690-4ADD-95AF-96DDBC00BF6A}"/>
+                <a16:creationId xmlns:a16="http://schemas.microsoft.com/office/drawing/2014/main" id="{3D4D4128-ABB5-4A7D-8585-EB1E42026EAA}"/>
               </a:ext>
             </a:extLst>
           </p:cNvPr>
           <p:cNvCxnSpPr>
-            <a:stCxn id="75" idx="1"/>
+            <a:stCxn id="41" idx="2"/>
           </p:cNvCxnSpPr>
           <p:nvPr/>
         </p:nvCxnSpPr>
         <p:spPr>
           <a:xfrm flipH="1">
-            <a:off x="7969007" y="4906551"/>
-            <a:ext cx="501960" cy="0"/>
+            <a:off x="9688530" y="4587182"/>
+            <a:ext cx="1181328" cy="939408"/>
           </a:xfrm>
           <a:prstGeom prst="straightConnector1">
             <a:avLst/>
@@ -18222,132 +18367,55 @@
       </p:cxnSp>
       <p:sp>
         <p:nvSpPr>
-          <p:cNvPr id="76" name="Rectangle: Rounded Corners 75">
+          <p:cNvPr id="78" name="TextBox 77">
             <a:extLst>
               <a:ext uri="{FF2B5EF4-FFF2-40B4-BE49-F238E27FC236}">
-                <a16:creationId xmlns:a16="http://schemas.microsoft.com/office/drawing/2014/main" id="{F4DE9314-FB0E-4FF2-9959-812929120F9E}"/>
+                <a16:creationId xmlns:a16="http://schemas.microsoft.com/office/drawing/2014/main" id="{3DE63397-FAA8-44D8-8D91-455833B77254}"/>
               </a:ext>
             </a:extLst>
           </p:cNvPr>
-          <p:cNvSpPr/>
+          <p:cNvSpPr txBox="1"/>
           <p:nvPr/>
         </p:nvSpPr>
         <p:spPr>
           <a:xfrm>
-            <a:off x="8470966" y="5322972"/>
-            <a:ext cx="2892249" cy="749877"/>
-          </a:xfrm>
-          <a:prstGeom prst="roundRect">
+            <a:off x="8077199" y="1451813"/>
+            <a:ext cx="3222661" cy="1477328"/>
+          </a:xfrm>
+          <a:prstGeom prst="rect">
             <a:avLst/>
           </a:prstGeom>
-          <a:solidFill>
-            <a:schemeClr val="accent1">
-              <a:lumMod val="20000"/>
-              <a:lumOff val="80000"/>
-            </a:schemeClr>
-          </a:solidFill>
+          <a:noFill/>
           <a:ln>
             <a:noFill/>
           </a:ln>
         </p:spPr>
-        <p:style>
-          <a:lnRef idx="2">
-            <a:schemeClr val="accent1">
-              <a:shade val="50000"/>
-            </a:schemeClr>
-          </a:lnRef>
-          <a:fillRef idx="1">
-            <a:schemeClr val="accent1"/>
-          </a:fillRef>
-          <a:effectRef idx="0">
-            <a:schemeClr val="accent1"/>
-          </a:effectRef>
-          <a:fontRef idx="minor">
-            <a:schemeClr val="lt1"/>
-          </a:fontRef>
-        </p:style>
-        <p:txBody>
-          <a:bodyPr rtlCol="0" anchor="ctr"/>
+        <p:txBody>
+          <a:bodyPr wrap="square" rtlCol="0" anchor="ctr">
+            <a:spAutoFit/>
+          </a:bodyPr>
           <a:lstStyle/>
           <a:p>
             <a:r>
-              <a:rPr lang="en-US" sz="1400" dirty="0">
-                <a:solidFill>
-                  <a:schemeClr val="tx1">
-                    <a:lumMod val="50000"/>
-                  </a:schemeClr>
-                </a:solidFill>
-              </a:rPr>
-              <a:t>Reset and </a:t>
-            </a:r>
-            <a:r>
-              <a:rPr lang="en-US" sz="1400" dirty="0" err="1">
-                <a:solidFill>
-                  <a:schemeClr val="tx1">
-                    <a:lumMod val="50000"/>
-                  </a:schemeClr>
-                </a:solidFill>
-              </a:rPr>
-              <a:t>bootload</a:t>
-            </a:r>
-            <a:r>
-              <a:rPr lang="en-US" sz="1400" dirty="0">
-                <a:solidFill>
-                  <a:schemeClr val="tx1">
-                    <a:lumMod val="50000"/>
-                  </a:schemeClr>
-                </a:solidFill>
-              </a:rPr>
-              <a:t> the new image</a:t>
-            </a:r>
-          </a:p>
-        </p:txBody>
-      </p:sp>
-      <p:cxnSp>
-        <p:nvCxnSpPr>
-          <p:cNvPr id="30" name="Straight Arrow Connector 29">
-            <a:extLst>
-              <a:ext uri="{FF2B5EF4-FFF2-40B4-BE49-F238E27FC236}">
-                <a16:creationId xmlns:a16="http://schemas.microsoft.com/office/drawing/2014/main" id="{C646E47D-7400-4CC5-A8DE-654C012BD309}"/>
-              </a:ext>
-            </a:extLst>
-          </p:cNvPr>
-          <p:cNvCxnSpPr>
-            <a:endCxn id="76" idx="1"/>
-          </p:cNvCxnSpPr>
-          <p:nvPr/>
-        </p:nvCxnSpPr>
-        <p:spPr>
-          <a:xfrm>
-            <a:off x="7947779" y="5229780"/>
-            <a:ext cx="523187" cy="468131"/>
-          </a:xfrm>
-          <a:prstGeom prst="straightConnector1">
-            <a:avLst/>
-          </a:prstGeom>
-          <a:ln>
-            <a:tailEnd type="triangle"/>
-          </a:ln>
-        </p:spPr>
-        <p:style>
-          <a:lnRef idx="1">
-            <a:schemeClr val="accent1"/>
-          </a:lnRef>
-          <a:fillRef idx="0">
-            <a:schemeClr val="accent1"/>
-          </a:fillRef>
-          <a:effectRef idx="0">
-            <a:schemeClr val="accent1"/>
-          </a:effectRef>
-          <a:fontRef idx="minor">
-            <a:schemeClr val="tx1"/>
-          </a:fontRef>
-        </p:style>
-      </p:cxnSp>
+              <a:rPr lang="en-US" dirty="0"/>
+              <a:t>New image file will be transferred from server to client.</a:t>
+            </a:r>
+          </a:p>
+          <a:p>
+            <a:endParaRPr lang="en-US" dirty="0"/>
+          </a:p>
+          <a:p>
+            <a:r>
+              <a:rPr lang="en-US" dirty="0"/>
+              <a:t>Client will split the GBL file out and save it to storage.</a:t>
+            </a:r>
+          </a:p>
+        </p:txBody>
+      </p:sp>
     </p:spTree>
     <p:extLst>
       <p:ext uri="{BB962C8B-B14F-4D97-AF65-F5344CB8AC3E}">
-        <p14:creationId xmlns:p14="http://schemas.microsoft.com/office/powerpoint/2010/main" val="410148475"/>
+        <p14:creationId xmlns:p14="http://schemas.microsoft.com/office/powerpoint/2010/main" val="661066461"/>
       </p:ext>
     </p:extLst>
   </p:cSld>
@@ -18379,10 +18447,10 @@
       </p:grpSpPr>
       <p:sp>
         <p:nvSpPr>
-          <p:cNvPr id="3" name="Title 2">
+          <p:cNvPr id="3" name="标题 2">
             <a:extLst>
               <a:ext uri="{FF2B5EF4-FFF2-40B4-BE49-F238E27FC236}">
-                <a16:creationId xmlns:a16="http://schemas.microsoft.com/office/drawing/2014/main" id="{9D315753-473F-497C-BCE9-35D947E6485D}"/>
+                <a16:creationId xmlns:a16="http://schemas.microsoft.com/office/drawing/2014/main" id="{F9A86FFF-6ED6-4E71-9A6C-D96DA47D4141}"/>
               </a:ext>
             </a:extLst>
           </p:cNvPr>
@@ -18393,24 +18461,30 @@
             <p:ph type="title"/>
           </p:nvPr>
         </p:nvSpPr>
-        <p:spPr/>
+        <p:spPr>
+          <a:xfrm>
+            <a:off x="457200" y="0"/>
+            <a:ext cx="11277600" cy="914400"/>
+          </a:xfrm>
+        </p:spPr>
         <p:txBody>
           <a:bodyPr/>
           <a:lstStyle/>
           <a:p>
             <a:r>
               <a:rPr lang="en-US" b="1" dirty="0"/>
-              <a:t>Commands</a:t>
-            </a:r>
-          </a:p>
-        </p:txBody>
-      </p:sp>
-      <p:sp>
-        <p:nvSpPr>
-          <p:cNvPr id="5" name="Slide Number Placeholder 4">
+              <a:t>OTA Storage Setting</a:t>
+            </a:r>
+            <a:endParaRPr lang="en-US" dirty="0"/>
+          </a:p>
+        </p:txBody>
+      </p:sp>
+      <p:sp>
+        <p:nvSpPr>
+          <p:cNvPr id="5" name="灯片编号占位符 4">
             <a:extLst>
               <a:ext uri="{FF2B5EF4-FFF2-40B4-BE49-F238E27FC236}">
-                <a16:creationId xmlns:a16="http://schemas.microsoft.com/office/drawing/2014/main" id="{BE33F475-C8A6-4F19-A63A-97094CC3FEE6}"/>
+                <a16:creationId xmlns:a16="http://schemas.microsoft.com/office/drawing/2014/main" id="{C2905592-3D70-4B93-9F65-764996CA7256}"/>
               </a:ext>
             </a:extLst>
           </p:cNvPr>
@@ -18437,10 +18511,10 @@
       </p:sp>
       <p:sp>
         <p:nvSpPr>
-          <p:cNvPr id="12" name="Content Placeholder 1">
+          <p:cNvPr id="34" name="Content Placeholder 1">
             <a:extLst>
               <a:ext uri="{FF2B5EF4-FFF2-40B4-BE49-F238E27FC236}">
-                <a16:creationId xmlns:a16="http://schemas.microsoft.com/office/drawing/2014/main" id="{D69AAB68-20EE-4F38-B825-DD1C0AA22809}"/>
+                <a16:creationId xmlns:a16="http://schemas.microsoft.com/office/drawing/2014/main" id="{52ED85F5-DBCD-4A67-AD94-5EC3DD4BFF72}"/>
               </a:ext>
             </a:extLst>
           </p:cNvPr>
@@ -18452,7 +18526,7 @@
         <p:spPr>
           <a:xfrm>
             <a:off x="679450" y="1143000"/>
-            <a:ext cx="3389116" cy="457200"/>
+            <a:ext cx="10624654" cy="457200"/>
           </a:xfrm>
           <a:prstGeom prst="rect">
             <a:avLst/>
@@ -18661,7 +18735,31 @@
           <a:p>
             <a:r>
               <a:rPr lang="en-US" altLang="zh-CN" dirty="0"/>
-              <a:t>Show OTA images on server</a:t>
+              <a:t>OTA file storage is implemented by bootloader. (</a:t>
+            </a:r>
+            <a:r>
+              <a:rPr lang="en-US" altLang="zh-CN" dirty="0">
+                <a:solidFill>
+                  <a:schemeClr val="tx2"/>
+                </a:solidFill>
+              </a:rPr>
+              <a:t>Internal</a:t>
+            </a:r>
+            <a:r>
+              <a:rPr lang="en-US" altLang="zh-CN" dirty="0"/>
+              <a:t> storage or </a:t>
+            </a:r>
+            <a:r>
+              <a:rPr lang="en-US" altLang="zh-CN" dirty="0">
+                <a:solidFill>
+                  <a:schemeClr val="tx2"/>
+                </a:solidFill>
+              </a:rPr>
+              <a:t>SPI</a:t>
+            </a:r>
+            <a:r>
+              <a:rPr lang="en-US" altLang="zh-CN" dirty="0"/>
+              <a:t> storage)</a:t>
             </a:r>
             <a:endParaRPr lang="en-US" dirty="0"/>
           </a:p>
@@ -18673,42 +18771,12 @@
           </a:p>
         </p:txBody>
       </p:sp>
-      <p:pic>
-        <p:nvPicPr>
-          <p:cNvPr id="4" name="Picture 3">
+      <p:sp>
+        <p:nvSpPr>
+          <p:cNvPr id="35" name="Content Placeholder 1">
             <a:extLst>
               <a:ext uri="{FF2B5EF4-FFF2-40B4-BE49-F238E27FC236}">
-                <a16:creationId xmlns:a16="http://schemas.microsoft.com/office/drawing/2014/main" id="{BB555B80-67D0-4764-B3FA-11E031DCA2F4}"/>
-              </a:ext>
-            </a:extLst>
-          </p:cNvPr>
-          <p:cNvPicPr>
-            <a:picLocks noChangeAspect="1"/>
-          </p:cNvPicPr>
-          <p:nvPr/>
-        </p:nvPicPr>
-        <p:blipFill>
-          <a:blip r:embed="rId3"/>
-          <a:stretch>
-            <a:fillRect/>
-          </a:stretch>
-        </p:blipFill>
-        <p:spPr>
-          <a:xfrm>
-            <a:off x="679450" y="1733550"/>
-            <a:ext cx="4400550" cy="3162300"/>
-          </a:xfrm>
-          <a:prstGeom prst="rect">
-            <a:avLst/>
-          </a:prstGeom>
-        </p:spPr>
-      </p:pic>
-      <p:sp>
-        <p:nvSpPr>
-          <p:cNvPr id="16" name="Content Placeholder 1">
-            <a:extLst>
-              <a:ext uri="{FF2B5EF4-FFF2-40B4-BE49-F238E27FC236}">
-                <a16:creationId xmlns:a16="http://schemas.microsoft.com/office/drawing/2014/main" id="{C666BAD3-B3F5-43AE-BEFA-EDE512245567}"/>
+                <a16:creationId xmlns:a16="http://schemas.microsoft.com/office/drawing/2014/main" id="{430D816A-992A-42AC-8575-FEBC19AB1E82}"/>
               </a:ext>
             </a:extLst>
           </p:cNvPr>
@@ -18719,7 +18787,7 @@
         </p:nvSpPr>
         <p:spPr>
           <a:xfrm>
-            <a:off x="6647023" y="1143000"/>
+            <a:off x="1058990" y="2646914"/>
             <a:ext cx="3389116" cy="457200"/>
           </a:xfrm>
           <a:prstGeom prst="rect">
@@ -18929,24 +18997,512 @@
           <a:p>
             <a:r>
               <a:rPr lang="en-US" altLang="zh-CN" dirty="0"/>
-              <a:t>Show version on client</a:t>
+              <a:t>Using slot-manager</a:t>
             </a:r>
             <a:endParaRPr lang="en-US" dirty="0"/>
           </a:p>
-          <a:p>
+        </p:txBody>
+      </p:sp>
+      <p:sp>
+        <p:nvSpPr>
+          <p:cNvPr id="40" name="Content Placeholder 1">
+            <a:extLst>
+              <a:ext uri="{FF2B5EF4-FFF2-40B4-BE49-F238E27FC236}">
+                <a16:creationId xmlns:a16="http://schemas.microsoft.com/office/drawing/2014/main" id="{973A9272-C5AC-43A7-A391-E773E752E7D4}"/>
+              </a:ext>
+            </a:extLst>
+          </p:cNvPr>
+          <p:cNvSpPr txBox="1">
+            <a:spLocks/>
+          </p:cNvSpPr>
+          <p:nvPr/>
+        </p:nvSpPr>
+        <p:spPr>
+          <a:xfrm>
+            <a:off x="1058990" y="5512899"/>
+            <a:ext cx="3389116" cy="457200"/>
+          </a:xfrm>
+          <a:prstGeom prst="rect">
+            <a:avLst/>
+          </a:prstGeom>
+        </p:spPr>
+        <p:txBody>
+          <a:bodyPr vert="horz" lIns="91440" tIns="45720" rIns="91440" bIns="45720" rtlCol="0" anchor="t">
+            <a:normAutofit/>
+          </a:bodyPr>
+          <a:lstStyle>
+            <a:lvl1pPr marL="182880" indent="-182880" algn="l" defTabSz="914377" rtl="0" eaLnBrk="1" fontAlgn="base" latinLnBrk="0" hangingPunct="1">
+              <a:lnSpc>
+                <a:spcPct val="95000"/>
+              </a:lnSpc>
+              <a:spcBef>
+                <a:spcPts val="1200"/>
+              </a:spcBef>
+              <a:spcAft>
+                <a:spcPts val="0"/>
+              </a:spcAft>
+              <a:buClr>
+                <a:schemeClr val="tx2"/>
+              </a:buClr>
+              <a:buFont typeface="Wingdings" charset="2"/>
+              <a:buChar char="§"/>
+              <a:defRPr lang="en-US" sz="2000" b="0" i="0" kern="1200">
+                <a:solidFill>
+                  <a:schemeClr val="tx1"/>
+                </a:solidFill>
+                <a:latin typeface="+mn-lt"/>
+                <a:ea typeface="Calibri" panose="020F0502020204030204" pitchFamily="34" charset="0"/>
+                <a:cs typeface="Calibri" panose="020F0502020204030204" pitchFamily="34" charset="0"/>
+              </a:defRPr>
+            </a:lvl1pPr>
+            <a:lvl2pPr marL="365760" indent="-182880" algn="l" defTabSz="914377" rtl="0" eaLnBrk="1" fontAlgn="base" latinLnBrk="0" hangingPunct="1">
+              <a:lnSpc>
+                <a:spcPct val="95000"/>
+              </a:lnSpc>
+              <a:spcBef>
+                <a:spcPts val="600"/>
+              </a:spcBef>
+              <a:spcAft>
+                <a:spcPts val="0"/>
+              </a:spcAft>
+              <a:buClr>
+                <a:schemeClr val="tx2"/>
+              </a:buClr>
+              <a:buFont typeface="Wingdings" panose="05000000000000000000" pitchFamily="2" charset="2"/>
+              <a:buChar char="§"/>
+              <a:defRPr lang="en-US" sz="1800" b="0" i="0" kern="1200">
+                <a:solidFill>
+                  <a:schemeClr val="tx1"/>
+                </a:solidFill>
+                <a:latin typeface="+mn-lt"/>
+                <a:ea typeface="Calibri" panose="020F0502020204030204" pitchFamily="34" charset="0"/>
+                <a:cs typeface="Calibri" panose="020F0502020204030204" pitchFamily="34" charset="0"/>
+              </a:defRPr>
+            </a:lvl2pPr>
+            <a:lvl3pPr marL="548640" indent="-182880" algn="l" defTabSz="914377" rtl="0" eaLnBrk="1" fontAlgn="base" latinLnBrk="0" hangingPunct="1">
+              <a:lnSpc>
+                <a:spcPct val="95000"/>
+              </a:lnSpc>
+              <a:spcBef>
+                <a:spcPts val="600"/>
+              </a:spcBef>
+              <a:spcAft>
+                <a:spcPts val="0"/>
+              </a:spcAft>
+              <a:buClr>
+                <a:schemeClr val="tx2"/>
+              </a:buClr>
+              <a:buFont typeface="Wingdings" panose="05000000000000000000" pitchFamily="2" charset="2"/>
+              <a:buChar char="§"/>
+              <a:defRPr lang="en-US" sz="1600" b="0" i="0" kern="1200">
+                <a:solidFill>
+                  <a:schemeClr val="tx1"/>
+                </a:solidFill>
+                <a:latin typeface="+mn-lt"/>
+                <a:ea typeface="Calibri" panose="020F0502020204030204" pitchFamily="34" charset="0"/>
+                <a:cs typeface="Calibri" panose="020F0502020204030204" pitchFamily="34" charset="0"/>
+              </a:defRPr>
+            </a:lvl3pPr>
+            <a:lvl4pPr marL="731520" marR="0" indent="-182880" algn="l" defTabSz="914377" rtl="0" eaLnBrk="1" fontAlgn="base" latinLnBrk="0" hangingPunct="1">
+              <a:lnSpc>
+                <a:spcPct val="95000"/>
+              </a:lnSpc>
+              <a:spcBef>
+                <a:spcPts val="600"/>
+              </a:spcBef>
+              <a:spcAft>
+                <a:spcPts val="0"/>
+              </a:spcAft>
+              <a:buClr>
+                <a:schemeClr val="tx2"/>
+              </a:buClr>
+              <a:buSzTx/>
+              <a:buFont typeface="Wingdings" panose="05000000000000000000" pitchFamily="2" charset="2"/>
+              <a:buChar char="§"/>
+              <a:tabLst/>
+              <a:defRPr lang="en-US" sz="1400" b="0" i="0" kern="1200">
+                <a:solidFill>
+                  <a:schemeClr val="tx1"/>
+                </a:solidFill>
+                <a:latin typeface="+mn-lt"/>
+                <a:ea typeface="Calibri" panose="020F0502020204030204" pitchFamily="34" charset="0"/>
+                <a:cs typeface="Calibri" panose="020F0502020204030204" pitchFamily="34" charset="0"/>
+              </a:defRPr>
+            </a:lvl4pPr>
+            <a:lvl5pPr marL="914400" indent="-182880" algn="l" defTabSz="914377" rtl="0" eaLnBrk="1" fontAlgn="base" latinLnBrk="0" hangingPunct="1">
+              <a:lnSpc>
+                <a:spcPct val="100000"/>
+              </a:lnSpc>
+              <a:spcBef>
+                <a:spcPts val="900"/>
+              </a:spcBef>
+              <a:spcAft>
+                <a:spcPct val="0"/>
+              </a:spcAft>
+              <a:buClr>
+                <a:schemeClr val="tx2"/>
+              </a:buClr>
+              <a:buFont typeface="Wingdings" panose="05000000000000000000" pitchFamily="2" charset="2"/>
+              <a:buChar char="§"/>
+              <a:defRPr lang="en-US" sz="1400" b="0" kern="1200">
+                <a:solidFill>
+                  <a:schemeClr val="tx1"/>
+                </a:solidFill>
+                <a:latin typeface="+mn-lt"/>
+                <a:ea typeface="Segoe UI" panose="020B0502040204020203" pitchFamily="34" charset="0"/>
+                <a:cs typeface="Segoe UI" panose="020B0502040204020203" pitchFamily="34" charset="0"/>
+              </a:defRPr>
+            </a:lvl5pPr>
+            <a:lvl6pPr marL="2514537" indent="-228594" algn="l" defTabSz="914377" rtl="0" eaLnBrk="1" latinLnBrk="0" hangingPunct="1">
+              <a:lnSpc>
+                <a:spcPct val="90000"/>
+              </a:lnSpc>
+              <a:spcBef>
+                <a:spcPts val="500"/>
+              </a:spcBef>
+              <a:buFont typeface="Arial" panose="020B0604020202020204" pitchFamily="34" charset="0"/>
+              <a:buChar char="•"/>
+              <a:defRPr sz="1800" kern="1200">
+                <a:solidFill>
+                  <a:schemeClr val="tx1"/>
+                </a:solidFill>
+                <a:latin typeface="+mn-lt"/>
+                <a:ea typeface="+mn-ea"/>
+                <a:cs typeface="+mn-cs"/>
+              </a:defRPr>
+            </a:lvl6pPr>
+            <a:lvl7pPr marL="2971726" indent="-228594" algn="l" defTabSz="914377" rtl="0" eaLnBrk="1" latinLnBrk="0" hangingPunct="1">
+              <a:lnSpc>
+                <a:spcPct val="90000"/>
+              </a:lnSpc>
+              <a:spcBef>
+                <a:spcPts val="500"/>
+              </a:spcBef>
+              <a:buFont typeface="Arial" panose="020B0604020202020204" pitchFamily="34" charset="0"/>
+              <a:buChar char="•"/>
+              <a:defRPr sz="1800" kern="1200">
+                <a:solidFill>
+                  <a:schemeClr val="tx1"/>
+                </a:solidFill>
+                <a:latin typeface="+mn-lt"/>
+                <a:ea typeface="+mn-ea"/>
+                <a:cs typeface="+mn-cs"/>
+              </a:defRPr>
+            </a:lvl7pPr>
+            <a:lvl8pPr marL="3428914" indent="-228594" algn="l" defTabSz="914377" rtl="0" eaLnBrk="1" latinLnBrk="0" hangingPunct="1">
+              <a:lnSpc>
+                <a:spcPct val="90000"/>
+              </a:lnSpc>
+              <a:spcBef>
+                <a:spcPts val="500"/>
+              </a:spcBef>
+              <a:buFont typeface="Arial" panose="020B0604020202020204" pitchFamily="34" charset="0"/>
+              <a:buChar char="•"/>
+              <a:defRPr sz="1800" kern="1200">
+                <a:solidFill>
+                  <a:schemeClr val="tx1"/>
+                </a:solidFill>
+                <a:latin typeface="+mn-lt"/>
+                <a:ea typeface="+mn-ea"/>
+                <a:cs typeface="+mn-cs"/>
+              </a:defRPr>
+            </a:lvl8pPr>
+            <a:lvl9pPr marL="3886103" indent="-228594" algn="l" defTabSz="914377" rtl="0" eaLnBrk="1" latinLnBrk="0" hangingPunct="1">
+              <a:lnSpc>
+                <a:spcPct val="90000"/>
+              </a:lnSpc>
+              <a:spcBef>
+                <a:spcPts val="500"/>
+              </a:spcBef>
+              <a:buFont typeface="Arial" panose="020B0604020202020204" pitchFamily="34" charset="0"/>
+              <a:buChar char="•"/>
+              <a:defRPr sz="1800" kern="1200">
+                <a:solidFill>
+                  <a:schemeClr val="tx1"/>
+                </a:solidFill>
+                <a:latin typeface="+mn-lt"/>
+                <a:ea typeface="+mn-ea"/>
+                <a:cs typeface="+mn-cs"/>
+              </a:defRPr>
+            </a:lvl9pPr>
+          </a:lstStyle>
+          <a:p>
+            <a:r>
+              <a:rPr lang="en-US" altLang="zh-CN" dirty="0"/>
+              <a:t>Using address offset</a:t>
+            </a:r>
             <a:endParaRPr lang="en-US" dirty="0"/>
           </a:p>
-          <a:p>
+        </p:txBody>
+      </p:sp>
+      <p:sp>
+        <p:nvSpPr>
+          <p:cNvPr id="43" name="Content Placeholder 1">
+            <a:extLst>
+              <a:ext uri="{FF2B5EF4-FFF2-40B4-BE49-F238E27FC236}">
+                <a16:creationId xmlns:a16="http://schemas.microsoft.com/office/drawing/2014/main" id="{20032397-17BC-496A-848C-9813A351FD6E}"/>
+              </a:ext>
+            </a:extLst>
+          </p:cNvPr>
+          <p:cNvSpPr txBox="1">
+            <a:spLocks/>
+          </p:cNvSpPr>
+          <p:nvPr/>
+        </p:nvSpPr>
+        <p:spPr>
+          <a:xfrm>
+            <a:off x="617046" y="2054501"/>
+            <a:ext cx="4273005" cy="457200"/>
+          </a:xfrm>
+          <a:prstGeom prst="rect">
+            <a:avLst/>
+          </a:prstGeom>
+        </p:spPr>
+        <p:txBody>
+          <a:bodyPr vert="horz" lIns="91440" tIns="45720" rIns="91440" bIns="45720" rtlCol="0" anchor="t">
+            <a:normAutofit fontScale="85000" lnSpcReduction="10000"/>
+          </a:bodyPr>
+          <a:lstStyle>
+            <a:lvl1pPr marL="182880" indent="-182880" algn="l" defTabSz="914377" rtl="0" eaLnBrk="1" fontAlgn="base" latinLnBrk="0" hangingPunct="1">
+              <a:lnSpc>
+                <a:spcPct val="95000"/>
+              </a:lnSpc>
+              <a:spcBef>
+                <a:spcPts val="1200"/>
+              </a:spcBef>
+              <a:spcAft>
+                <a:spcPts val="0"/>
+              </a:spcAft>
+              <a:buClr>
+                <a:schemeClr val="tx2"/>
+              </a:buClr>
+              <a:buFont typeface="Wingdings" charset="2"/>
+              <a:buChar char="§"/>
+              <a:defRPr lang="en-US" sz="2000" b="0" i="0" kern="1200">
+                <a:solidFill>
+                  <a:schemeClr val="tx1"/>
+                </a:solidFill>
+                <a:latin typeface="+mn-lt"/>
+                <a:ea typeface="Calibri" panose="020F0502020204030204" pitchFamily="34" charset="0"/>
+                <a:cs typeface="Calibri" panose="020F0502020204030204" pitchFamily="34" charset="0"/>
+              </a:defRPr>
+            </a:lvl1pPr>
+            <a:lvl2pPr marL="365760" indent="-182880" algn="l" defTabSz="914377" rtl="0" eaLnBrk="1" fontAlgn="base" latinLnBrk="0" hangingPunct="1">
+              <a:lnSpc>
+                <a:spcPct val="95000"/>
+              </a:lnSpc>
+              <a:spcBef>
+                <a:spcPts val="600"/>
+              </a:spcBef>
+              <a:spcAft>
+                <a:spcPts val="0"/>
+              </a:spcAft>
+              <a:buClr>
+                <a:schemeClr val="tx2"/>
+              </a:buClr>
+              <a:buFont typeface="Wingdings" panose="05000000000000000000" pitchFamily="2" charset="2"/>
+              <a:buChar char="§"/>
+              <a:defRPr lang="en-US" sz="1800" b="0" i="0" kern="1200">
+                <a:solidFill>
+                  <a:schemeClr val="tx1"/>
+                </a:solidFill>
+                <a:latin typeface="+mn-lt"/>
+                <a:ea typeface="Calibri" panose="020F0502020204030204" pitchFamily="34" charset="0"/>
+                <a:cs typeface="Calibri" panose="020F0502020204030204" pitchFamily="34" charset="0"/>
+              </a:defRPr>
+            </a:lvl2pPr>
+            <a:lvl3pPr marL="548640" indent="-182880" algn="l" defTabSz="914377" rtl="0" eaLnBrk="1" fontAlgn="base" latinLnBrk="0" hangingPunct="1">
+              <a:lnSpc>
+                <a:spcPct val="95000"/>
+              </a:lnSpc>
+              <a:spcBef>
+                <a:spcPts val="600"/>
+              </a:spcBef>
+              <a:spcAft>
+                <a:spcPts val="0"/>
+              </a:spcAft>
+              <a:buClr>
+                <a:schemeClr val="tx2"/>
+              </a:buClr>
+              <a:buFont typeface="Wingdings" panose="05000000000000000000" pitchFamily="2" charset="2"/>
+              <a:buChar char="§"/>
+              <a:defRPr lang="en-US" sz="1600" b="0" i="0" kern="1200">
+                <a:solidFill>
+                  <a:schemeClr val="tx1"/>
+                </a:solidFill>
+                <a:latin typeface="+mn-lt"/>
+                <a:ea typeface="Calibri" panose="020F0502020204030204" pitchFamily="34" charset="0"/>
+                <a:cs typeface="Calibri" panose="020F0502020204030204" pitchFamily="34" charset="0"/>
+              </a:defRPr>
+            </a:lvl3pPr>
+            <a:lvl4pPr marL="731520" marR="0" indent="-182880" algn="l" defTabSz="914377" rtl="0" eaLnBrk="1" fontAlgn="base" latinLnBrk="0" hangingPunct="1">
+              <a:lnSpc>
+                <a:spcPct val="95000"/>
+              </a:lnSpc>
+              <a:spcBef>
+                <a:spcPts val="600"/>
+              </a:spcBef>
+              <a:spcAft>
+                <a:spcPts val="0"/>
+              </a:spcAft>
+              <a:buClr>
+                <a:schemeClr val="tx2"/>
+              </a:buClr>
+              <a:buSzTx/>
+              <a:buFont typeface="Wingdings" panose="05000000000000000000" pitchFamily="2" charset="2"/>
+              <a:buChar char="§"/>
+              <a:tabLst/>
+              <a:defRPr lang="en-US" sz="1400" b="0" i="0" kern="1200">
+                <a:solidFill>
+                  <a:schemeClr val="tx1"/>
+                </a:solidFill>
+                <a:latin typeface="+mn-lt"/>
+                <a:ea typeface="Calibri" panose="020F0502020204030204" pitchFamily="34" charset="0"/>
+                <a:cs typeface="Calibri" panose="020F0502020204030204" pitchFamily="34" charset="0"/>
+              </a:defRPr>
+            </a:lvl4pPr>
+            <a:lvl5pPr marL="914400" indent="-182880" algn="l" defTabSz="914377" rtl="0" eaLnBrk="1" fontAlgn="base" latinLnBrk="0" hangingPunct="1">
+              <a:lnSpc>
+                <a:spcPct val="100000"/>
+              </a:lnSpc>
+              <a:spcBef>
+                <a:spcPts val="900"/>
+              </a:spcBef>
+              <a:spcAft>
+                <a:spcPct val="0"/>
+              </a:spcAft>
+              <a:buClr>
+                <a:schemeClr val="tx2"/>
+              </a:buClr>
+              <a:buFont typeface="Wingdings" panose="05000000000000000000" pitchFamily="2" charset="2"/>
+              <a:buChar char="§"/>
+              <a:defRPr lang="en-US" sz="1400" b="0" kern="1200">
+                <a:solidFill>
+                  <a:schemeClr val="tx1"/>
+                </a:solidFill>
+                <a:latin typeface="+mn-lt"/>
+                <a:ea typeface="Segoe UI" panose="020B0502040204020203" pitchFamily="34" charset="0"/>
+                <a:cs typeface="Segoe UI" panose="020B0502040204020203" pitchFamily="34" charset="0"/>
+              </a:defRPr>
+            </a:lvl5pPr>
+            <a:lvl6pPr marL="2514537" indent="-228594" algn="l" defTabSz="914377" rtl="0" eaLnBrk="1" latinLnBrk="0" hangingPunct="1">
+              <a:lnSpc>
+                <a:spcPct val="90000"/>
+              </a:lnSpc>
+              <a:spcBef>
+                <a:spcPts val="500"/>
+              </a:spcBef>
+              <a:buFont typeface="Arial" panose="020B0604020202020204" pitchFamily="34" charset="0"/>
+              <a:buChar char="•"/>
+              <a:defRPr sz="1800" kern="1200">
+                <a:solidFill>
+                  <a:schemeClr val="tx1"/>
+                </a:solidFill>
+                <a:latin typeface="+mn-lt"/>
+                <a:ea typeface="+mn-ea"/>
+                <a:cs typeface="+mn-cs"/>
+              </a:defRPr>
+            </a:lvl6pPr>
+            <a:lvl7pPr marL="2971726" indent="-228594" algn="l" defTabSz="914377" rtl="0" eaLnBrk="1" latinLnBrk="0" hangingPunct="1">
+              <a:lnSpc>
+                <a:spcPct val="90000"/>
+              </a:lnSpc>
+              <a:spcBef>
+                <a:spcPts val="500"/>
+              </a:spcBef>
+              <a:buFont typeface="Arial" panose="020B0604020202020204" pitchFamily="34" charset="0"/>
+              <a:buChar char="•"/>
+              <a:defRPr sz="1800" kern="1200">
+                <a:solidFill>
+                  <a:schemeClr val="tx1"/>
+                </a:solidFill>
+                <a:latin typeface="+mn-lt"/>
+                <a:ea typeface="+mn-ea"/>
+                <a:cs typeface="+mn-cs"/>
+              </a:defRPr>
+            </a:lvl7pPr>
+            <a:lvl8pPr marL="3428914" indent="-228594" algn="l" defTabSz="914377" rtl="0" eaLnBrk="1" latinLnBrk="0" hangingPunct="1">
+              <a:lnSpc>
+                <a:spcPct val="90000"/>
+              </a:lnSpc>
+              <a:spcBef>
+                <a:spcPts val="500"/>
+              </a:spcBef>
+              <a:buFont typeface="Arial" panose="020B0604020202020204" pitchFamily="34" charset="0"/>
+              <a:buChar char="•"/>
+              <a:defRPr sz="1800" kern="1200">
+                <a:solidFill>
+                  <a:schemeClr val="tx1"/>
+                </a:solidFill>
+                <a:latin typeface="+mn-lt"/>
+                <a:ea typeface="+mn-ea"/>
+                <a:cs typeface="+mn-cs"/>
+              </a:defRPr>
+            </a:lvl8pPr>
+            <a:lvl9pPr marL="3886103" indent="-228594" algn="l" defTabSz="914377" rtl="0" eaLnBrk="1" latinLnBrk="0" hangingPunct="1">
+              <a:lnSpc>
+                <a:spcPct val="90000"/>
+              </a:lnSpc>
+              <a:spcBef>
+                <a:spcPts val="500"/>
+              </a:spcBef>
+              <a:buFont typeface="Arial" panose="020B0604020202020204" pitchFamily="34" charset="0"/>
+              <a:buChar char="•"/>
+              <a:defRPr sz="1800" kern="1200">
+                <a:solidFill>
+                  <a:schemeClr val="tx1"/>
+                </a:solidFill>
+                <a:latin typeface="+mn-lt"/>
+                <a:ea typeface="+mn-ea"/>
+                <a:cs typeface="+mn-cs"/>
+              </a:defRPr>
+            </a:lvl9pPr>
+          </a:lstStyle>
+          <a:p>
+            <a:r>
+              <a:rPr lang="en-US" altLang="zh-CN" dirty="0"/>
+              <a:t>Plugin “OTA Simple Storage EEPROM Driver ”</a:t>
+            </a:r>
             <a:endParaRPr lang="en-US" dirty="0"/>
           </a:p>
         </p:txBody>
       </p:sp>
       <p:pic>
         <p:nvPicPr>
-          <p:cNvPr id="6" name="Picture 5">
+          <p:cNvPr id="8" name="Picture 7">
             <a:extLst>
               <a:ext uri="{FF2B5EF4-FFF2-40B4-BE49-F238E27FC236}">
-                <a16:creationId xmlns:a16="http://schemas.microsoft.com/office/drawing/2014/main" id="{8C415178-C37C-42AE-B488-83C1EEEB9360}"/>
+                <a16:creationId xmlns:a16="http://schemas.microsoft.com/office/drawing/2014/main" id="{174FC06D-D71D-4841-B74B-34BF5AC3D195}"/>
+              </a:ext>
+            </a:extLst>
+          </p:cNvPr>
+          <p:cNvPicPr>
+            <a:picLocks noChangeAspect="1"/>
+          </p:cNvPicPr>
+          <p:nvPr/>
+        </p:nvPicPr>
+        <p:blipFill>
+          <a:blip r:embed="rId3"/>
+          <a:stretch>
+            <a:fillRect/>
+          </a:stretch>
+        </p:blipFill>
+        <p:spPr>
+          <a:xfrm>
+            <a:off x="4890052" y="1749286"/>
+            <a:ext cx="6641824" cy="3279913"/>
+          </a:xfrm>
+          <a:prstGeom prst="rect">
+            <a:avLst/>
+          </a:prstGeom>
+        </p:spPr>
+      </p:pic>
+      <p:pic>
+        <p:nvPicPr>
+          <p:cNvPr id="13" name="Picture 12">
+            <a:extLst>
+              <a:ext uri="{FF2B5EF4-FFF2-40B4-BE49-F238E27FC236}">
+                <a16:creationId xmlns:a16="http://schemas.microsoft.com/office/drawing/2014/main" id="{EACF9021-BF02-4DD8-947E-91341E6ECA22}"/>
               </a:ext>
             </a:extLst>
           </p:cNvPr>
@@ -18963,18 +19519,100 @@
         </p:blipFill>
         <p:spPr>
           <a:xfrm>
-            <a:off x="6647023" y="1733550"/>
-            <a:ext cx="4481742" cy="3162300"/>
+            <a:off x="679450" y="3239327"/>
+            <a:ext cx="3781962" cy="1637058"/>
           </a:xfrm>
           <a:prstGeom prst="rect">
             <a:avLst/>
           </a:prstGeom>
         </p:spPr>
       </p:pic>
+      <p:cxnSp>
+        <p:nvCxnSpPr>
+          <p:cNvPr id="12" name="Straight Arrow Connector 11">
+            <a:extLst>
+              <a:ext uri="{FF2B5EF4-FFF2-40B4-BE49-F238E27FC236}">
+                <a16:creationId xmlns:a16="http://schemas.microsoft.com/office/drawing/2014/main" id="{F1DF3445-98E2-4E74-AC89-98EB48C0DF3B}"/>
+              </a:ext>
+            </a:extLst>
+          </p:cNvPr>
+          <p:cNvCxnSpPr>
+            <a:cxnSpLocks/>
+          </p:cNvCxnSpPr>
+          <p:nvPr/>
+        </p:nvCxnSpPr>
+        <p:spPr>
+          <a:xfrm flipH="1">
+            <a:off x="3339548" y="4048539"/>
+            <a:ext cx="1550505" cy="1555472"/>
+          </a:xfrm>
+          <a:prstGeom prst="straightConnector1">
+            <a:avLst/>
+          </a:prstGeom>
+          <a:ln>
+            <a:tailEnd type="triangle"/>
+          </a:ln>
+        </p:spPr>
+        <p:style>
+          <a:lnRef idx="1">
+            <a:schemeClr val="accent1"/>
+          </a:lnRef>
+          <a:fillRef idx="0">
+            <a:schemeClr val="accent1"/>
+          </a:fillRef>
+          <a:effectRef idx="0">
+            <a:schemeClr val="accent1"/>
+          </a:effectRef>
+          <a:fontRef idx="minor">
+            <a:schemeClr val="tx1"/>
+          </a:fontRef>
+        </p:style>
+      </p:cxnSp>
+      <p:cxnSp>
+        <p:nvCxnSpPr>
+          <p:cNvPr id="16" name="Straight Arrow Connector 15">
+            <a:extLst>
+              <a:ext uri="{FF2B5EF4-FFF2-40B4-BE49-F238E27FC236}">
+                <a16:creationId xmlns:a16="http://schemas.microsoft.com/office/drawing/2014/main" id="{33B7BDA7-2097-4B59-8C39-CAFCECE6FDC9}"/>
+              </a:ext>
+            </a:extLst>
+          </p:cNvPr>
+          <p:cNvCxnSpPr>
+            <a:stCxn id="8" idx="1"/>
+          </p:cNvCxnSpPr>
+          <p:nvPr/>
+        </p:nvCxnSpPr>
+        <p:spPr>
+          <a:xfrm flipH="1">
+            <a:off x="1371600" y="3389243"/>
+            <a:ext cx="3518452" cy="1109870"/>
+          </a:xfrm>
+          <a:prstGeom prst="straightConnector1">
+            <a:avLst/>
+          </a:prstGeom>
+          <a:ln>
+            <a:tailEnd type="triangle"/>
+          </a:ln>
+        </p:spPr>
+        <p:style>
+          <a:lnRef idx="1">
+            <a:schemeClr val="accent1"/>
+          </a:lnRef>
+          <a:fillRef idx="0">
+            <a:schemeClr val="accent1"/>
+          </a:fillRef>
+          <a:effectRef idx="0">
+            <a:schemeClr val="accent1"/>
+          </a:effectRef>
+          <a:fontRef idx="minor">
+            <a:schemeClr val="tx1"/>
+          </a:fontRef>
+        </p:style>
+      </p:cxnSp>
     </p:spTree>
     <p:extLst>
       <p:ext uri="{BB962C8B-B14F-4D97-AF65-F5344CB8AC3E}">
-        <p14:creationId xmlns:p14="http://schemas.microsoft.com/office/powerpoint/2010/main" val="348952174"/>
+        <p14:creationId xmlns:p14="http://schemas.microsoft.com/office/powerpoint/2010/main" val="3551396377"/>
       </p:ext>
     </p:extLst>
   </p:cSld>
@@ -19006,6 +19644,2231 @@
       </p:grpSpPr>
       <p:sp>
         <p:nvSpPr>
+          <p:cNvPr id="3" name="标题 2">
+            <a:extLst>
+              <a:ext uri="{FF2B5EF4-FFF2-40B4-BE49-F238E27FC236}">
+                <a16:creationId xmlns:a16="http://schemas.microsoft.com/office/drawing/2014/main" id="{F9A86FFF-6ED6-4E71-9A6C-D96DA47D4141}"/>
+              </a:ext>
+            </a:extLst>
+          </p:cNvPr>
+          <p:cNvSpPr>
+            <a:spLocks noGrp="1"/>
+          </p:cNvSpPr>
+          <p:nvPr>
+            <p:ph type="title"/>
+          </p:nvPr>
+        </p:nvSpPr>
+        <p:spPr/>
+        <p:txBody>
+          <a:bodyPr/>
+          <a:lstStyle/>
+          <a:p>
+            <a:r>
+              <a:rPr lang="en-US" b="1" dirty="0"/>
+              <a:t>OTA Procedure</a:t>
+            </a:r>
+            <a:endParaRPr lang="en-US" dirty="0"/>
+          </a:p>
+        </p:txBody>
+      </p:sp>
+      <p:sp>
+        <p:nvSpPr>
+          <p:cNvPr id="5" name="灯片编号占位符 4">
+            <a:extLst>
+              <a:ext uri="{FF2B5EF4-FFF2-40B4-BE49-F238E27FC236}">
+                <a16:creationId xmlns:a16="http://schemas.microsoft.com/office/drawing/2014/main" id="{C2905592-3D70-4B93-9F65-764996CA7256}"/>
+              </a:ext>
+            </a:extLst>
+          </p:cNvPr>
+          <p:cNvSpPr>
+            <a:spLocks noGrp="1"/>
+          </p:cNvSpPr>
+          <p:nvPr>
+            <p:ph type="sldNum" sz="quarter" idx="12"/>
+          </p:nvPr>
+        </p:nvSpPr>
+        <p:spPr/>
+        <p:txBody>
+          <a:bodyPr/>
+          <a:lstStyle/>
+          <a:p>
+            <a:fld id="{29A7BD92-6AE5-CF43-B276-274952F2BFB4}" type="slidenum">
+              <a:rPr lang="en-US" smtClean="0"/>
+              <a:pPr/>
+              <a:t>12</a:t>
+            </a:fld>
+            <a:endParaRPr lang="en-US" dirty="0"/>
+          </a:p>
+        </p:txBody>
+      </p:sp>
+      <p:cxnSp>
+        <p:nvCxnSpPr>
+          <p:cNvPr id="32" name="Straight Arrow Connector 31">
+            <a:extLst>
+              <a:ext uri="{FF2B5EF4-FFF2-40B4-BE49-F238E27FC236}">
+                <a16:creationId xmlns:a16="http://schemas.microsoft.com/office/drawing/2014/main" id="{22745C49-F191-456D-956B-C99D59E532B9}"/>
+              </a:ext>
+            </a:extLst>
+          </p:cNvPr>
+          <p:cNvCxnSpPr>
+            <a:cxnSpLocks/>
+          </p:cNvCxnSpPr>
+          <p:nvPr/>
+        </p:nvCxnSpPr>
+        <p:spPr>
+          <a:xfrm>
+            <a:off x="4830847" y="1565375"/>
+            <a:ext cx="0" cy="4486759"/>
+          </a:xfrm>
+          <a:prstGeom prst="straightConnector1">
+            <a:avLst/>
+          </a:prstGeom>
+          <a:ln>
+            <a:tailEnd type="triangle"/>
+          </a:ln>
+        </p:spPr>
+        <p:style>
+          <a:lnRef idx="1">
+            <a:schemeClr val="accent1"/>
+          </a:lnRef>
+          <a:fillRef idx="0">
+            <a:schemeClr val="accent1"/>
+          </a:fillRef>
+          <a:effectRef idx="0">
+            <a:schemeClr val="accent1"/>
+          </a:effectRef>
+          <a:fontRef idx="minor">
+            <a:schemeClr val="tx1"/>
+          </a:fontRef>
+        </p:style>
+      </p:cxnSp>
+      <p:sp>
+        <p:nvSpPr>
+          <p:cNvPr id="33" name="Rectangle: Rounded Corners 32">
+            <a:extLst>
+              <a:ext uri="{FF2B5EF4-FFF2-40B4-BE49-F238E27FC236}">
+                <a16:creationId xmlns:a16="http://schemas.microsoft.com/office/drawing/2014/main" id="{03149A02-9DAC-4214-8ADB-8A9B2B79AFBB}"/>
+              </a:ext>
+            </a:extLst>
+          </p:cNvPr>
+          <p:cNvSpPr/>
+          <p:nvPr/>
+        </p:nvSpPr>
+        <p:spPr>
+          <a:xfrm>
+            <a:off x="4319405" y="1044728"/>
+            <a:ext cx="1022883" cy="520648"/>
+          </a:xfrm>
+          <a:prstGeom prst="roundRect">
+            <a:avLst/>
+          </a:prstGeom>
+          <a:solidFill>
+            <a:schemeClr val="accent2"/>
+          </a:solidFill>
+          <a:ln>
+            <a:noFill/>
+          </a:ln>
+        </p:spPr>
+        <p:style>
+          <a:lnRef idx="2">
+            <a:schemeClr val="accent1">
+              <a:shade val="50000"/>
+            </a:schemeClr>
+          </a:lnRef>
+          <a:fillRef idx="1">
+            <a:schemeClr val="accent1"/>
+          </a:fillRef>
+          <a:effectRef idx="0">
+            <a:schemeClr val="accent1"/>
+          </a:effectRef>
+          <a:fontRef idx="minor">
+            <a:schemeClr val="lt1"/>
+          </a:fontRef>
+        </p:style>
+        <p:txBody>
+          <a:bodyPr rtlCol="0" anchor="ctr"/>
+          <a:lstStyle/>
+          <a:p>
+            <a:pPr algn="ctr"/>
+            <a:r>
+              <a:rPr lang="en-US" dirty="0"/>
+              <a:t>OTA Server</a:t>
+            </a:r>
+          </a:p>
+        </p:txBody>
+      </p:sp>
+      <p:cxnSp>
+        <p:nvCxnSpPr>
+          <p:cNvPr id="34" name="Straight Arrow Connector 33">
+            <a:extLst>
+              <a:ext uri="{FF2B5EF4-FFF2-40B4-BE49-F238E27FC236}">
+                <a16:creationId xmlns:a16="http://schemas.microsoft.com/office/drawing/2014/main" id="{4ECB1C15-81D2-455B-B3F9-DC28BD44CC64}"/>
+              </a:ext>
+            </a:extLst>
+          </p:cNvPr>
+          <p:cNvCxnSpPr>
+            <a:cxnSpLocks/>
+          </p:cNvCxnSpPr>
+          <p:nvPr/>
+        </p:nvCxnSpPr>
+        <p:spPr>
+          <a:xfrm>
+            <a:off x="7947779" y="1562791"/>
+            <a:ext cx="0" cy="4486759"/>
+          </a:xfrm>
+          <a:prstGeom prst="straightConnector1">
+            <a:avLst/>
+          </a:prstGeom>
+          <a:ln>
+            <a:tailEnd type="triangle"/>
+          </a:ln>
+        </p:spPr>
+        <p:style>
+          <a:lnRef idx="1">
+            <a:schemeClr val="accent1"/>
+          </a:lnRef>
+          <a:fillRef idx="0">
+            <a:schemeClr val="accent1"/>
+          </a:fillRef>
+          <a:effectRef idx="0">
+            <a:schemeClr val="accent1"/>
+          </a:effectRef>
+          <a:fontRef idx="minor">
+            <a:schemeClr val="tx1"/>
+          </a:fontRef>
+        </p:style>
+      </p:cxnSp>
+      <p:sp>
+        <p:nvSpPr>
+          <p:cNvPr id="35" name="Rectangle: Rounded Corners 34">
+            <a:extLst>
+              <a:ext uri="{FF2B5EF4-FFF2-40B4-BE49-F238E27FC236}">
+                <a16:creationId xmlns:a16="http://schemas.microsoft.com/office/drawing/2014/main" id="{8CC7BE46-7FCC-47E9-82E1-418542210313}"/>
+              </a:ext>
+            </a:extLst>
+          </p:cNvPr>
+          <p:cNvSpPr/>
+          <p:nvPr/>
+        </p:nvSpPr>
+        <p:spPr>
+          <a:xfrm>
+            <a:off x="7436337" y="1044723"/>
+            <a:ext cx="1022884" cy="518067"/>
+          </a:xfrm>
+          <a:prstGeom prst="roundRect">
+            <a:avLst/>
+          </a:prstGeom>
+          <a:solidFill>
+            <a:schemeClr val="accent2"/>
+          </a:solidFill>
+          <a:ln>
+            <a:noFill/>
+          </a:ln>
+        </p:spPr>
+        <p:style>
+          <a:lnRef idx="2">
+            <a:schemeClr val="accent1">
+              <a:shade val="50000"/>
+            </a:schemeClr>
+          </a:lnRef>
+          <a:fillRef idx="1">
+            <a:schemeClr val="accent1"/>
+          </a:fillRef>
+          <a:effectRef idx="0">
+            <a:schemeClr val="accent1"/>
+          </a:effectRef>
+          <a:fontRef idx="minor">
+            <a:schemeClr val="lt1"/>
+          </a:fontRef>
+        </p:style>
+        <p:txBody>
+          <a:bodyPr rtlCol="0" anchor="ctr"/>
+          <a:lstStyle/>
+          <a:p>
+            <a:pPr algn="ctr"/>
+            <a:r>
+              <a:rPr lang="en-US" dirty="0"/>
+              <a:t>OTA Client</a:t>
+            </a:r>
+          </a:p>
+        </p:txBody>
+      </p:sp>
+      <p:cxnSp>
+        <p:nvCxnSpPr>
+          <p:cNvPr id="39" name="Straight Arrow Connector 38">
+            <a:extLst>
+              <a:ext uri="{FF2B5EF4-FFF2-40B4-BE49-F238E27FC236}">
+                <a16:creationId xmlns:a16="http://schemas.microsoft.com/office/drawing/2014/main" id="{D12EDE9D-44D8-43B8-9D9D-87136E071771}"/>
+              </a:ext>
+            </a:extLst>
+          </p:cNvPr>
+          <p:cNvCxnSpPr>
+            <a:cxnSpLocks/>
+          </p:cNvCxnSpPr>
+          <p:nvPr/>
+        </p:nvCxnSpPr>
+        <p:spPr>
+          <a:xfrm flipH="1">
+            <a:off x="4830847" y="2126006"/>
+            <a:ext cx="3116932" cy="0"/>
+          </a:xfrm>
+          <a:prstGeom prst="straightConnector1">
+            <a:avLst/>
+          </a:prstGeom>
+          <a:ln>
+            <a:tailEnd type="triangle"/>
+          </a:ln>
+        </p:spPr>
+        <p:style>
+          <a:lnRef idx="1">
+            <a:schemeClr val="accent1"/>
+          </a:lnRef>
+          <a:fillRef idx="0">
+            <a:schemeClr val="accent1"/>
+          </a:fillRef>
+          <a:effectRef idx="0">
+            <a:schemeClr val="accent1"/>
+          </a:effectRef>
+          <a:fontRef idx="minor">
+            <a:schemeClr val="tx1"/>
+          </a:fontRef>
+        </p:style>
+      </p:cxnSp>
+      <p:sp>
+        <p:nvSpPr>
+          <p:cNvPr id="40" name="TextBox 39">
+            <a:extLst>
+              <a:ext uri="{FF2B5EF4-FFF2-40B4-BE49-F238E27FC236}">
+                <a16:creationId xmlns:a16="http://schemas.microsoft.com/office/drawing/2014/main" id="{008D608D-4386-4123-A6F4-2CDBF0DBB57F}"/>
+              </a:ext>
+            </a:extLst>
+          </p:cNvPr>
+          <p:cNvSpPr txBox="1"/>
+          <p:nvPr/>
+        </p:nvSpPr>
+        <p:spPr>
+          <a:xfrm>
+            <a:off x="5203112" y="1849007"/>
+            <a:ext cx="2233226" cy="276999"/>
+          </a:xfrm>
+          <a:prstGeom prst="rect">
+            <a:avLst/>
+          </a:prstGeom>
+          <a:noFill/>
+          <a:ln>
+            <a:noFill/>
+          </a:ln>
+        </p:spPr>
+        <p:txBody>
+          <a:bodyPr wrap="square" rtlCol="0" anchor="ctr">
+            <a:spAutoFit/>
+          </a:bodyPr>
+          <a:lstStyle/>
+          <a:p>
+            <a:r>
+              <a:rPr lang="en-US" sz="1200" dirty="0"/>
+              <a:t>Query Next Image Request</a:t>
+            </a:r>
+          </a:p>
+        </p:txBody>
+      </p:sp>
+      <p:sp>
+        <p:nvSpPr>
+          <p:cNvPr id="43" name="Rectangle: Rounded Corners 42">
+            <a:extLst>
+              <a:ext uri="{FF2B5EF4-FFF2-40B4-BE49-F238E27FC236}">
+                <a16:creationId xmlns:a16="http://schemas.microsoft.com/office/drawing/2014/main" id="{C3A043CC-0DD6-40C4-9ECF-077A103A659F}"/>
+              </a:ext>
+            </a:extLst>
+          </p:cNvPr>
+          <p:cNvSpPr/>
+          <p:nvPr/>
+        </p:nvSpPr>
+        <p:spPr>
+          <a:xfrm>
+            <a:off x="982182" y="1562363"/>
+            <a:ext cx="2486345" cy="1258127"/>
+          </a:xfrm>
+          <a:prstGeom prst="roundRect">
+            <a:avLst/>
+          </a:prstGeom>
+          <a:solidFill>
+            <a:schemeClr val="accent1">
+              <a:lumMod val="20000"/>
+              <a:lumOff val="80000"/>
+            </a:schemeClr>
+          </a:solidFill>
+          <a:ln>
+            <a:noFill/>
+          </a:ln>
+        </p:spPr>
+        <p:style>
+          <a:lnRef idx="2">
+            <a:schemeClr val="accent1">
+              <a:shade val="50000"/>
+            </a:schemeClr>
+          </a:lnRef>
+          <a:fillRef idx="1">
+            <a:schemeClr val="accent1"/>
+          </a:fillRef>
+          <a:effectRef idx="0">
+            <a:schemeClr val="accent1"/>
+          </a:effectRef>
+          <a:fontRef idx="minor">
+            <a:schemeClr val="lt1"/>
+          </a:fontRef>
+        </p:style>
+        <p:txBody>
+          <a:bodyPr rtlCol="0" anchor="ctr"/>
+          <a:lstStyle/>
+          <a:p>
+            <a:r>
+              <a:rPr lang="en-US" sz="1400" dirty="0">
+                <a:solidFill>
+                  <a:schemeClr val="tx1">
+                    <a:lumMod val="50000"/>
+                  </a:schemeClr>
+                </a:solidFill>
+              </a:rPr>
+              <a:t>Find OTA file according to</a:t>
+            </a:r>
+          </a:p>
+          <a:p>
+            <a:pPr marL="171450" indent="-171450">
+              <a:buFont typeface="Arial" panose="020B0604020202020204" pitchFamily="34" charset="0"/>
+              <a:buChar char="•"/>
+            </a:pPr>
+            <a:r>
+              <a:rPr lang="en-US" sz="1400" dirty="0">
+                <a:solidFill>
+                  <a:schemeClr val="tx1">
+                    <a:lumMod val="50000"/>
+                  </a:schemeClr>
+                </a:solidFill>
+              </a:rPr>
+              <a:t>Hardware version</a:t>
+            </a:r>
+          </a:p>
+          <a:p>
+            <a:pPr marL="171450" indent="-171450">
+              <a:buFont typeface="Arial" panose="020B0604020202020204" pitchFamily="34" charset="0"/>
+              <a:buChar char="•"/>
+            </a:pPr>
+            <a:r>
+              <a:rPr lang="en-US" sz="1400" dirty="0">
+                <a:solidFill>
+                  <a:schemeClr val="tx1">
+                    <a:lumMod val="50000"/>
+                  </a:schemeClr>
+                </a:solidFill>
+              </a:rPr>
+              <a:t>Image type</a:t>
+            </a:r>
+          </a:p>
+          <a:p>
+            <a:pPr marL="171450" indent="-171450">
+              <a:buFont typeface="Arial" panose="020B0604020202020204" pitchFamily="34" charset="0"/>
+              <a:buChar char="•"/>
+            </a:pPr>
+            <a:r>
+              <a:rPr lang="en-US" sz="1400" dirty="0">
+                <a:solidFill>
+                  <a:schemeClr val="tx1">
+                    <a:lumMod val="50000"/>
+                  </a:schemeClr>
+                </a:solidFill>
+              </a:rPr>
+              <a:t>Manufacture ID</a:t>
+            </a:r>
+          </a:p>
+          <a:p>
+            <a:pPr marL="171450" indent="-171450">
+              <a:buFont typeface="Arial" panose="020B0604020202020204" pitchFamily="34" charset="0"/>
+              <a:buChar char="•"/>
+            </a:pPr>
+            <a:r>
+              <a:rPr lang="en-US" sz="1400" dirty="0">
+                <a:solidFill>
+                  <a:schemeClr val="tx1">
+                    <a:lumMod val="50000"/>
+                  </a:schemeClr>
+                </a:solidFill>
+              </a:rPr>
+              <a:t>Firmware version</a:t>
+            </a:r>
+          </a:p>
+        </p:txBody>
+      </p:sp>
+      <p:cxnSp>
+        <p:nvCxnSpPr>
+          <p:cNvPr id="44" name="Straight Arrow Connector 43">
+            <a:extLst>
+              <a:ext uri="{FF2B5EF4-FFF2-40B4-BE49-F238E27FC236}">
+                <a16:creationId xmlns:a16="http://schemas.microsoft.com/office/drawing/2014/main" id="{FCF3CB64-5E4C-40E2-B05C-13F596DE33C7}"/>
+              </a:ext>
+            </a:extLst>
+          </p:cNvPr>
+          <p:cNvCxnSpPr>
+            <a:cxnSpLocks/>
+          </p:cNvCxnSpPr>
+          <p:nvPr/>
+        </p:nvCxnSpPr>
+        <p:spPr>
+          <a:xfrm>
+            <a:off x="4830846" y="2449235"/>
+            <a:ext cx="3116933" cy="0"/>
+          </a:xfrm>
+          <a:prstGeom prst="straightConnector1">
+            <a:avLst/>
+          </a:prstGeom>
+          <a:ln>
+            <a:tailEnd type="triangle"/>
+          </a:ln>
+        </p:spPr>
+        <p:style>
+          <a:lnRef idx="1">
+            <a:schemeClr val="accent1"/>
+          </a:lnRef>
+          <a:fillRef idx="0">
+            <a:schemeClr val="accent1"/>
+          </a:fillRef>
+          <a:effectRef idx="0">
+            <a:schemeClr val="accent1"/>
+          </a:effectRef>
+          <a:fontRef idx="minor">
+            <a:schemeClr val="tx1"/>
+          </a:fontRef>
+        </p:style>
+      </p:cxnSp>
+      <p:sp>
+        <p:nvSpPr>
+          <p:cNvPr id="46" name="TextBox 45">
+            <a:extLst>
+              <a:ext uri="{FF2B5EF4-FFF2-40B4-BE49-F238E27FC236}">
+                <a16:creationId xmlns:a16="http://schemas.microsoft.com/office/drawing/2014/main" id="{A99F9F7C-D00F-4AD7-A5FE-2D8D7C39A73A}"/>
+              </a:ext>
+            </a:extLst>
+          </p:cNvPr>
+          <p:cNvSpPr txBox="1"/>
+          <p:nvPr/>
+        </p:nvSpPr>
+        <p:spPr>
+          <a:xfrm>
+            <a:off x="5203112" y="2172236"/>
+            <a:ext cx="2530299" cy="276999"/>
+          </a:xfrm>
+          <a:prstGeom prst="rect">
+            <a:avLst/>
+          </a:prstGeom>
+          <a:noFill/>
+          <a:ln>
+            <a:noFill/>
+          </a:ln>
+        </p:spPr>
+        <p:txBody>
+          <a:bodyPr wrap="square" rtlCol="0" anchor="ctr">
+            <a:spAutoFit/>
+          </a:bodyPr>
+          <a:lstStyle/>
+          <a:p>
+            <a:r>
+              <a:rPr lang="en-US" sz="1200" dirty="0"/>
+              <a:t>Query Next Image Response</a:t>
+            </a:r>
+          </a:p>
+        </p:txBody>
+      </p:sp>
+      <p:cxnSp>
+        <p:nvCxnSpPr>
+          <p:cNvPr id="49" name="Straight Arrow Connector 48">
+            <a:extLst>
+              <a:ext uri="{FF2B5EF4-FFF2-40B4-BE49-F238E27FC236}">
+                <a16:creationId xmlns:a16="http://schemas.microsoft.com/office/drawing/2014/main" id="{2B66785D-72FA-4E5E-8CAB-7D59C78E2397}"/>
+              </a:ext>
+            </a:extLst>
+          </p:cNvPr>
+          <p:cNvCxnSpPr>
+            <a:cxnSpLocks/>
+          </p:cNvCxnSpPr>
+          <p:nvPr/>
+        </p:nvCxnSpPr>
+        <p:spPr>
+          <a:xfrm flipH="1">
+            <a:off x="4852075" y="2875883"/>
+            <a:ext cx="3116932" cy="0"/>
+          </a:xfrm>
+          <a:prstGeom prst="straightConnector1">
+            <a:avLst/>
+          </a:prstGeom>
+          <a:ln>
+            <a:tailEnd type="triangle"/>
+          </a:ln>
+        </p:spPr>
+        <p:style>
+          <a:lnRef idx="1">
+            <a:schemeClr val="accent1"/>
+          </a:lnRef>
+          <a:fillRef idx="0">
+            <a:schemeClr val="accent1"/>
+          </a:fillRef>
+          <a:effectRef idx="0">
+            <a:schemeClr val="accent1"/>
+          </a:effectRef>
+          <a:fontRef idx="minor">
+            <a:schemeClr val="tx1"/>
+          </a:fontRef>
+        </p:style>
+      </p:cxnSp>
+      <p:sp>
+        <p:nvSpPr>
+          <p:cNvPr id="50" name="TextBox 49">
+            <a:extLst>
+              <a:ext uri="{FF2B5EF4-FFF2-40B4-BE49-F238E27FC236}">
+                <a16:creationId xmlns:a16="http://schemas.microsoft.com/office/drawing/2014/main" id="{154CABD6-E4F2-424D-A141-1D4CDCC9B1DC}"/>
+              </a:ext>
+            </a:extLst>
+          </p:cNvPr>
+          <p:cNvSpPr txBox="1"/>
+          <p:nvPr/>
+        </p:nvSpPr>
+        <p:spPr>
+          <a:xfrm>
+            <a:off x="5224340" y="2598884"/>
+            <a:ext cx="2233226" cy="276999"/>
+          </a:xfrm>
+          <a:prstGeom prst="rect">
+            <a:avLst/>
+          </a:prstGeom>
+          <a:noFill/>
+          <a:ln>
+            <a:noFill/>
+          </a:ln>
+        </p:spPr>
+        <p:txBody>
+          <a:bodyPr wrap="square" rtlCol="0" anchor="ctr">
+            <a:spAutoFit/>
+          </a:bodyPr>
+          <a:lstStyle/>
+          <a:p>
+            <a:r>
+              <a:rPr lang="en-US" sz="1200" dirty="0"/>
+              <a:t>Image Block Request</a:t>
+            </a:r>
+          </a:p>
+        </p:txBody>
+      </p:sp>
+      <p:cxnSp>
+        <p:nvCxnSpPr>
+          <p:cNvPr id="54" name="Straight Arrow Connector 53">
+            <a:extLst>
+              <a:ext uri="{FF2B5EF4-FFF2-40B4-BE49-F238E27FC236}">
+                <a16:creationId xmlns:a16="http://schemas.microsoft.com/office/drawing/2014/main" id="{071D2002-BDDA-4B8A-A7A6-CFB1E952CD79}"/>
+              </a:ext>
+            </a:extLst>
+          </p:cNvPr>
+          <p:cNvCxnSpPr>
+            <a:cxnSpLocks/>
+          </p:cNvCxnSpPr>
+          <p:nvPr/>
+        </p:nvCxnSpPr>
+        <p:spPr>
+          <a:xfrm>
+            <a:off x="4852074" y="3199112"/>
+            <a:ext cx="3116933" cy="0"/>
+          </a:xfrm>
+          <a:prstGeom prst="straightConnector1">
+            <a:avLst/>
+          </a:prstGeom>
+          <a:ln>
+            <a:tailEnd type="triangle"/>
+          </a:ln>
+        </p:spPr>
+        <p:style>
+          <a:lnRef idx="1">
+            <a:schemeClr val="accent1"/>
+          </a:lnRef>
+          <a:fillRef idx="0">
+            <a:schemeClr val="accent1"/>
+          </a:fillRef>
+          <a:effectRef idx="0">
+            <a:schemeClr val="accent1"/>
+          </a:effectRef>
+          <a:fontRef idx="minor">
+            <a:schemeClr val="tx1"/>
+          </a:fontRef>
+        </p:style>
+      </p:cxnSp>
+      <p:sp>
+        <p:nvSpPr>
+          <p:cNvPr id="55" name="TextBox 54">
+            <a:extLst>
+              <a:ext uri="{FF2B5EF4-FFF2-40B4-BE49-F238E27FC236}">
+                <a16:creationId xmlns:a16="http://schemas.microsoft.com/office/drawing/2014/main" id="{7CC23A57-65B8-4C97-B8D9-FF2D5DA441B9}"/>
+              </a:ext>
+            </a:extLst>
+          </p:cNvPr>
+          <p:cNvSpPr txBox="1"/>
+          <p:nvPr/>
+        </p:nvSpPr>
+        <p:spPr>
+          <a:xfrm>
+            <a:off x="5224340" y="2922113"/>
+            <a:ext cx="2530299" cy="276999"/>
+          </a:xfrm>
+          <a:prstGeom prst="rect">
+            <a:avLst/>
+          </a:prstGeom>
+          <a:noFill/>
+          <a:ln>
+            <a:noFill/>
+          </a:ln>
+        </p:spPr>
+        <p:txBody>
+          <a:bodyPr wrap="square" rtlCol="0" anchor="ctr">
+            <a:spAutoFit/>
+          </a:bodyPr>
+          <a:lstStyle/>
+          <a:p>
+            <a:r>
+              <a:rPr lang="en-US" sz="1200" dirty="0"/>
+              <a:t>Image Block Response</a:t>
+            </a:r>
+          </a:p>
+        </p:txBody>
+      </p:sp>
+      <p:cxnSp>
+        <p:nvCxnSpPr>
+          <p:cNvPr id="56" name="Straight Arrow Connector 55">
+            <a:extLst>
+              <a:ext uri="{FF2B5EF4-FFF2-40B4-BE49-F238E27FC236}">
+                <a16:creationId xmlns:a16="http://schemas.microsoft.com/office/drawing/2014/main" id="{D2330B4E-D907-4A67-98A4-E0445B978413}"/>
+              </a:ext>
+            </a:extLst>
+          </p:cNvPr>
+          <p:cNvCxnSpPr>
+            <a:cxnSpLocks/>
+          </p:cNvCxnSpPr>
+          <p:nvPr/>
+        </p:nvCxnSpPr>
+        <p:spPr>
+          <a:xfrm flipH="1">
+            <a:off x="4830847" y="4016614"/>
+            <a:ext cx="3116932" cy="0"/>
+          </a:xfrm>
+          <a:prstGeom prst="straightConnector1">
+            <a:avLst/>
+          </a:prstGeom>
+          <a:ln>
+            <a:tailEnd type="triangle"/>
+          </a:ln>
+        </p:spPr>
+        <p:style>
+          <a:lnRef idx="1">
+            <a:schemeClr val="accent1"/>
+          </a:lnRef>
+          <a:fillRef idx="0">
+            <a:schemeClr val="accent1"/>
+          </a:fillRef>
+          <a:effectRef idx="0">
+            <a:schemeClr val="accent1"/>
+          </a:effectRef>
+          <a:fontRef idx="minor">
+            <a:schemeClr val="tx1"/>
+          </a:fontRef>
+        </p:style>
+      </p:cxnSp>
+      <p:sp>
+        <p:nvSpPr>
+          <p:cNvPr id="61" name="TextBox 60">
+            <a:extLst>
+              <a:ext uri="{FF2B5EF4-FFF2-40B4-BE49-F238E27FC236}">
+                <a16:creationId xmlns:a16="http://schemas.microsoft.com/office/drawing/2014/main" id="{59F80EC1-07B0-40DB-B5FD-993F56DF321C}"/>
+              </a:ext>
+            </a:extLst>
+          </p:cNvPr>
+          <p:cNvSpPr txBox="1"/>
+          <p:nvPr/>
+        </p:nvSpPr>
+        <p:spPr>
+          <a:xfrm>
+            <a:off x="5203112" y="3739615"/>
+            <a:ext cx="2233226" cy="276999"/>
+          </a:xfrm>
+          <a:prstGeom prst="rect">
+            <a:avLst/>
+          </a:prstGeom>
+          <a:noFill/>
+          <a:ln>
+            <a:noFill/>
+          </a:ln>
+        </p:spPr>
+        <p:txBody>
+          <a:bodyPr wrap="square" rtlCol="0" anchor="ctr">
+            <a:spAutoFit/>
+          </a:bodyPr>
+          <a:lstStyle/>
+          <a:p>
+            <a:r>
+              <a:rPr lang="en-US" sz="1200" dirty="0"/>
+              <a:t>Image Block Request</a:t>
+            </a:r>
+          </a:p>
+        </p:txBody>
+      </p:sp>
+      <p:cxnSp>
+        <p:nvCxnSpPr>
+          <p:cNvPr id="63" name="Straight Arrow Connector 62">
+            <a:extLst>
+              <a:ext uri="{FF2B5EF4-FFF2-40B4-BE49-F238E27FC236}">
+                <a16:creationId xmlns:a16="http://schemas.microsoft.com/office/drawing/2014/main" id="{E4104740-DFBB-4A12-B516-9B915630DFBB}"/>
+              </a:ext>
+            </a:extLst>
+          </p:cNvPr>
+          <p:cNvCxnSpPr>
+            <a:cxnSpLocks/>
+          </p:cNvCxnSpPr>
+          <p:nvPr/>
+        </p:nvCxnSpPr>
+        <p:spPr>
+          <a:xfrm>
+            <a:off x="4830846" y="4339843"/>
+            <a:ext cx="3116933" cy="0"/>
+          </a:xfrm>
+          <a:prstGeom prst="straightConnector1">
+            <a:avLst/>
+          </a:prstGeom>
+          <a:ln>
+            <a:tailEnd type="triangle"/>
+          </a:ln>
+        </p:spPr>
+        <p:style>
+          <a:lnRef idx="1">
+            <a:schemeClr val="accent1"/>
+          </a:lnRef>
+          <a:fillRef idx="0">
+            <a:schemeClr val="accent1"/>
+          </a:fillRef>
+          <a:effectRef idx="0">
+            <a:schemeClr val="accent1"/>
+          </a:effectRef>
+          <a:fontRef idx="minor">
+            <a:schemeClr val="tx1"/>
+          </a:fontRef>
+        </p:style>
+      </p:cxnSp>
+      <p:sp>
+        <p:nvSpPr>
+          <p:cNvPr id="65" name="TextBox 64">
+            <a:extLst>
+              <a:ext uri="{FF2B5EF4-FFF2-40B4-BE49-F238E27FC236}">
+                <a16:creationId xmlns:a16="http://schemas.microsoft.com/office/drawing/2014/main" id="{B6BD3883-138F-4C30-B72A-75C596F6862B}"/>
+              </a:ext>
+            </a:extLst>
+          </p:cNvPr>
+          <p:cNvSpPr txBox="1"/>
+          <p:nvPr/>
+        </p:nvSpPr>
+        <p:spPr>
+          <a:xfrm>
+            <a:off x="5203112" y="4062844"/>
+            <a:ext cx="2530299" cy="276999"/>
+          </a:xfrm>
+          <a:prstGeom prst="rect">
+            <a:avLst/>
+          </a:prstGeom>
+          <a:noFill/>
+          <a:ln>
+            <a:noFill/>
+          </a:ln>
+        </p:spPr>
+        <p:txBody>
+          <a:bodyPr wrap="square" rtlCol="0" anchor="ctr">
+            <a:spAutoFit/>
+          </a:bodyPr>
+          <a:lstStyle/>
+          <a:p>
+            <a:r>
+              <a:rPr lang="en-US" sz="1200" dirty="0"/>
+              <a:t>Image Block Response</a:t>
+            </a:r>
+          </a:p>
+        </p:txBody>
+      </p:sp>
+      <p:sp>
+        <p:nvSpPr>
+          <p:cNvPr id="67" name="TextBox 66">
+            <a:extLst>
+              <a:ext uri="{FF2B5EF4-FFF2-40B4-BE49-F238E27FC236}">
+                <a16:creationId xmlns:a16="http://schemas.microsoft.com/office/drawing/2014/main" id="{62AE6649-59BB-4875-B731-572F8FD4BB0F}"/>
+              </a:ext>
+            </a:extLst>
+          </p:cNvPr>
+          <p:cNvSpPr txBox="1"/>
+          <p:nvPr/>
+        </p:nvSpPr>
+        <p:spPr>
+          <a:xfrm>
+            <a:off x="5671947" y="3342629"/>
+            <a:ext cx="796314" cy="276999"/>
+          </a:xfrm>
+          <a:prstGeom prst="rect">
+            <a:avLst/>
+          </a:prstGeom>
+          <a:noFill/>
+          <a:ln>
+            <a:noFill/>
+          </a:ln>
+        </p:spPr>
+        <p:txBody>
+          <a:bodyPr wrap="square" rtlCol="0" anchor="ctr">
+            <a:spAutoFit/>
+          </a:bodyPr>
+          <a:lstStyle/>
+          <a:p>
+            <a:r>
+              <a:rPr lang="en-US" sz="1200" dirty="0"/>
+              <a:t>……</a:t>
+            </a:r>
+          </a:p>
+        </p:txBody>
+      </p:sp>
+      <p:cxnSp>
+        <p:nvCxnSpPr>
+          <p:cNvPr id="69" name="Straight Arrow Connector 68">
+            <a:extLst>
+              <a:ext uri="{FF2B5EF4-FFF2-40B4-BE49-F238E27FC236}">
+                <a16:creationId xmlns:a16="http://schemas.microsoft.com/office/drawing/2014/main" id="{79552CC8-8BD0-4115-A8DB-9F9D63363A9E}"/>
+              </a:ext>
+            </a:extLst>
+          </p:cNvPr>
+          <p:cNvCxnSpPr>
+            <a:cxnSpLocks/>
+          </p:cNvCxnSpPr>
+          <p:nvPr/>
+        </p:nvCxnSpPr>
+        <p:spPr>
+          <a:xfrm flipH="1">
+            <a:off x="4819101" y="4906551"/>
+            <a:ext cx="3116932" cy="0"/>
+          </a:xfrm>
+          <a:prstGeom prst="straightConnector1">
+            <a:avLst/>
+          </a:prstGeom>
+          <a:ln>
+            <a:tailEnd type="triangle"/>
+          </a:ln>
+        </p:spPr>
+        <p:style>
+          <a:lnRef idx="1">
+            <a:schemeClr val="accent1"/>
+          </a:lnRef>
+          <a:fillRef idx="0">
+            <a:schemeClr val="accent1"/>
+          </a:fillRef>
+          <a:effectRef idx="0">
+            <a:schemeClr val="accent1"/>
+          </a:effectRef>
+          <a:fontRef idx="minor">
+            <a:schemeClr val="tx1"/>
+          </a:fontRef>
+        </p:style>
+      </p:cxnSp>
+      <p:sp>
+        <p:nvSpPr>
+          <p:cNvPr id="70" name="TextBox 69">
+            <a:extLst>
+              <a:ext uri="{FF2B5EF4-FFF2-40B4-BE49-F238E27FC236}">
+                <a16:creationId xmlns:a16="http://schemas.microsoft.com/office/drawing/2014/main" id="{B8B31CE1-3723-4259-9EB4-DA3A25824F08}"/>
+              </a:ext>
+            </a:extLst>
+          </p:cNvPr>
+          <p:cNvSpPr txBox="1"/>
+          <p:nvPr/>
+        </p:nvSpPr>
+        <p:spPr>
+          <a:xfrm>
+            <a:off x="5191366" y="4629552"/>
+            <a:ext cx="2233226" cy="276999"/>
+          </a:xfrm>
+          <a:prstGeom prst="rect">
+            <a:avLst/>
+          </a:prstGeom>
+          <a:noFill/>
+          <a:ln>
+            <a:noFill/>
+          </a:ln>
+        </p:spPr>
+        <p:txBody>
+          <a:bodyPr wrap="square" rtlCol="0" anchor="ctr">
+            <a:spAutoFit/>
+          </a:bodyPr>
+          <a:lstStyle/>
+          <a:p>
+            <a:r>
+              <a:rPr lang="en-US" sz="1200" dirty="0"/>
+              <a:t>Upgrade End Request</a:t>
+            </a:r>
+          </a:p>
+        </p:txBody>
+      </p:sp>
+      <p:cxnSp>
+        <p:nvCxnSpPr>
+          <p:cNvPr id="71" name="Straight Arrow Connector 70">
+            <a:extLst>
+              <a:ext uri="{FF2B5EF4-FFF2-40B4-BE49-F238E27FC236}">
+                <a16:creationId xmlns:a16="http://schemas.microsoft.com/office/drawing/2014/main" id="{BB29A60D-5CB4-4D90-BC72-7003640BB470}"/>
+              </a:ext>
+            </a:extLst>
+          </p:cNvPr>
+          <p:cNvCxnSpPr>
+            <a:cxnSpLocks/>
+          </p:cNvCxnSpPr>
+          <p:nvPr/>
+        </p:nvCxnSpPr>
+        <p:spPr>
+          <a:xfrm>
+            <a:off x="4819100" y="5229780"/>
+            <a:ext cx="3116933" cy="0"/>
+          </a:xfrm>
+          <a:prstGeom prst="straightConnector1">
+            <a:avLst/>
+          </a:prstGeom>
+          <a:ln>
+            <a:tailEnd type="triangle"/>
+          </a:ln>
+        </p:spPr>
+        <p:style>
+          <a:lnRef idx="1">
+            <a:schemeClr val="accent1"/>
+          </a:lnRef>
+          <a:fillRef idx="0">
+            <a:schemeClr val="accent1"/>
+          </a:fillRef>
+          <a:effectRef idx="0">
+            <a:schemeClr val="accent1"/>
+          </a:effectRef>
+          <a:fontRef idx="minor">
+            <a:schemeClr val="tx1"/>
+          </a:fontRef>
+        </p:style>
+      </p:cxnSp>
+      <p:sp>
+        <p:nvSpPr>
+          <p:cNvPr id="72" name="TextBox 71">
+            <a:extLst>
+              <a:ext uri="{FF2B5EF4-FFF2-40B4-BE49-F238E27FC236}">
+                <a16:creationId xmlns:a16="http://schemas.microsoft.com/office/drawing/2014/main" id="{2B43305D-070C-4374-8D2E-331DA2FC10BB}"/>
+              </a:ext>
+            </a:extLst>
+          </p:cNvPr>
+          <p:cNvSpPr txBox="1"/>
+          <p:nvPr/>
+        </p:nvSpPr>
+        <p:spPr>
+          <a:xfrm>
+            <a:off x="5191366" y="4952781"/>
+            <a:ext cx="2530299" cy="276999"/>
+          </a:xfrm>
+          <a:prstGeom prst="rect">
+            <a:avLst/>
+          </a:prstGeom>
+          <a:noFill/>
+          <a:ln>
+            <a:noFill/>
+          </a:ln>
+        </p:spPr>
+        <p:txBody>
+          <a:bodyPr wrap="square" rtlCol="0" anchor="ctr">
+            <a:spAutoFit/>
+          </a:bodyPr>
+          <a:lstStyle/>
+          <a:p>
+            <a:r>
+              <a:rPr lang="en-US" sz="1200" dirty="0"/>
+              <a:t>Upgrade End Response</a:t>
+            </a:r>
+          </a:p>
+        </p:txBody>
+      </p:sp>
+      <p:cxnSp>
+        <p:nvCxnSpPr>
+          <p:cNvPr id="10" name="Straight Arrow Connector 9">
+            <a:extLst>
+              <a:ext uri="{FF2B5EF4-FFF2-40B4-BE49-F238E27FC236}">
+                <a16:creationId xmlns:a16="http://schemas.microsoft.com/office/drawing/2014/main" id="{3FADF348-20EA-4A3F-8D5B-E810A2077903}"/>
+              </a:ext>
+            </a:extLst>
+          </p:cNvPr>
+          <p:cNvCxnSpPr>
+            <a:cxnSpLocks/>
+            <a:endCxn id="43" idx="3"/>
+          </p:cNvCxnSpPr>
+          <p:nvPr/>
+        </p:nvCxnSpPr>
+        <p:spPr>
+          <a:xfrm flipH="1">
+            <a:off x="3468527" y="2116411"/>
+            <a:ext cx="1350573" cy="75016"/>
+          </a:xfrm>
+          <a:prstGeom prst="straightConnector1">
+            <a:avLst/>
+          </a:prstGeom>
+          <a:ln>
+            <a:tailEnd type="triangle"/>
+          </a:ln>
+        </p:spPr>
+        <p:style>
+          <a:lnRef idx="1">
+            <a:schemeClr val="accent1"/>
+          </a:lnRef>
+          <a:fillRef idx="0">
+            <a:schemeClr val="accent1"/>
+          </a:fillRef>
+          <a:effectRef idx="0">
+            <a:schemeClr val="accent1"/>
+          </a:effectRef>
+          <a:fontRef idx="minor">
+            <a:schemeClr val="tx1"/>
+          </a:fontRef>
+        </p:style>
+      </p:cxnSp>
+      <p:sp>
+        <p:nvSpPr>
+          <p:cNvPr id="73" name="Rectangle: Rounded Corners 72">
+            <a:extLst>
+              <a:ext uri="{FF2B5EF4-FFF2-40B4-BE49-F238E27FC236}">
+                <a16:creationId xmlns:a16="http://schemas.microsoft.com/office/drawing/2014/main" id="{9847B618-91A2-4FAB-B72B-FA298540C2B5}"/>
+              </a:ext>
+            </a:extLst>
+          </p:cNvPr>
+          <p:cNvSpPr/>
+          <p:nvPr/>
+        </p:nvSpPr>
+        <p:spPr>
+          <a:xfrm>
+            <a:off x="8723473" y="2191427"/>
+            <a:ext cx="2486345" cy="749877"/>
+          </a:xfrm>
+          <a:prstGeom prst="roundRect">
+            <a:avLst/>
+          </a:prstGeom>
+          <a:solidFill>
+            <a:schemeClr val="accent1">
+              <a:lumMod val="20000"/>
+              <a:lumOff val="80000"/>
+            </a:schemeClr>
+          </a:solidFill>
+          <a:ln>
+            <a:noFill/>
+          </a:ln>
+        </p:spPr>
+        <p:style>
+          <a:lnRef idx="2">
+            <a:schemeClr val="accent1">
+              <a:shade val="50000"/>
+            </a:schemeClr>
+          </a:lnRef>
+          <a:fillRef idx="1">
+            <a:schemeClr val="accent1"/>
+          </a:fillRef>
+          <a:effectRef idx="0">
+            <a:schemeClr val="accent1"/>
+          </a:effectRef>
+          <a:fontRef idx="minor">
+            <a:schemeClr val="lt1"/>
+          </a:fontRef>
+        </p:style>
+        <p:txBody>
+          <a:bodyPr rtlCol="0" anchor="ctr"/>
+          <a:lstStyle/>
+          <a:p>
+            <a:r>
+              <a:rPr lang="en-US" sz="1400" dirty="0">
+                <a:solidFill>
+                  <a:schemeClr val="tx1">
+                    <a:lumMod val="50000"/>
+                  </a:schemeClr>
+                </a:solidFill>
+              </a:rPr>
+              <a:t>Erase the storage and prepare to receive new image</a:t>
+            </a:r>
+          </a:p>
+        </p:txBody>
+      </p:sp>
+      <p:cxnSp>
+        <p:nvCxnSpPr>
+          <p:cNvPr id="15" name="Straight Arrow Connector 14">
+            <a:extLst>
+              <a:ext uri="{FF2B5EF4-FFF2-40B4-BE49-F238E27FC236}">
+                <a16:creationId xmlns:a16="http://schemas.microsoft.com/office/drawing/2014/main" id="{94E605FA-3D2D-402D-8D9E-0DAB45C7024E}"/>
+              </a:ext>
+            </a:extLst>
+          </p:cNvPr>
+          <p:cNvCxnSpPr>
+            <a:endCxn id="73" idx="1"/>
+          </p:cNvCxnSpPr>
+          <p:nvPr/>
+        </p:nvCxnSpPr>
+        <p:spPr>
+          <a:xfrm>
+            <a:off x="7969007" y="2449235"/>
+            <a:ext cx="754466" cy="117131"/>
+          </a:xfrm>
+          <a:prstGeom prst="straightConnector1">
+            <a:avLst/>
+          </a:prstGeom>
+          <a:ln>
+            <a:tailEnd type="triangle"/>
+          </a:ln>
+        </p:spPr>
+        <p:style>
+          <a:lnRef idx="1">
+            <a:schemeClr val="accent1"/>
+          </a:lnRef>
+          <a:fillRef idx="0">
+            <a:schemeClr val="accent1"/>
+          </a:fillRef>
+          <a:effectRef idx="0">
+            <a:schemeClr val="accent1"/>
+          </a:effectRef>
+          <a:fontRef idx="minor">
+            <a:schemeClr val="tx1"/>
+          </a:fontRef>
+        </p:style>
+      </p:cxnSp>
+      <p:sp>
+        <p:nvSpPr>
+          <p:cNvPr id="74" name="Rectangle: Rounded Corners 73">
+            <a:extLst>
+              <a:ext uri="{FF2B5EF4-FFF2-40B4-BE49-F238E27FC236}">
+                <a16:creationId xmlns:a16="http://schemas.microsoft.com/office/drawing/2014/main" id="{06DCFA9D-51AF-4EB1-9ED9-1073F1AFA8AB}"/>
+              </a:ext>
+            </a:extLst>
+          </p:cNvPr>
+          <p:cNvSpPr/>
+          <p:nvPr/>
+        </p:nvSpPr>
+        <p:spPr>
+          <a:xfrm>
+            <a:off x="8723473" y="3589966"/>
+            <a:ext cx="1735617" cy="511235"/>
+          </a:xfrm>
+          <a:prstGeom prst="roundRect">
+            <a:avLst/>
+          </a:prstGeom>
+          <a:solidFill>
+            <a:schemeClr val="accent1">
+              <a:lumMod val="20000"/>
+              <a:lumOff val="80000"/>
+            </a:schemeClr>
+          </a:solidFill>
+          <a:ln>
+            <a:noFill/>
+          </a:ln>
+        </p:spPr>
+        <p:style>
+          <a:lnRef idx="2">
+            <a:schemeClr val="accent1">
+              <a:shade val="50000"/>
+            </a:schemeClr>
+          </a:lnRef>
+          <a:fillRef idx="1">
+            <a:schemeClr val="accent1"/>
+          </a:fillRef>
+          <a:effectRef idx="0">
+            <a:schemeClr val="accent1"/>
+          </a:effectRef>
+          <a:fontRef idx="minor">
+            <a:schemeClr val="lt1"/>
+          </a:fontRef>
+        </p:style>
+        <p:txBody>
+          <a:bodyPr rtlCol="0" anchor="ctr"/>
+          <a:lstStyle/>
+          <a:p>
+            <a:r>
+              <a:rPr lang="en-US" sz="1400" dirty="0">
+                <a:solidFill>
+                  <a:schemeClr val="tx1">
+                    <a:lumMod val="50000"/>
+                  </a:schemeClr>
+                </a:solidFill>
+              </a:rPr>
+              <a:t>Save received data</a:t>
+            </a:r>
+          </a:p>
+        </p:txBody>
+      </p:sp>
+      <p:cxnSp>
+        <p:nvCxnSpPr>
+          <p:cNvPr id="17" name="Straight Arrow Connector 16">
+            <a:extLst>
+              <a:ext uri="{FF2B5EF4-FFF2-40B4-BE49-F238E27FC236}">
+                <a16:creationId xmlns:a16="http://schemas.microsoft.com/office/drawing/2014/main" id="{E83F7538-DCA0-4A94-8F6A-89380AFF6836}"/>
+              </a:ext>
+            </a:extLst>
+          </p:cNvPr>
+          <p:cNvCxnSpPr/>
+          <p:nvPr/>
+        </p:nvCxnSpPr>
+        <p:spPr>
+          <a:xfrm>
+            <a:off x="7969007" y="3199112"/>
+            <a:ext cx="754466" cy="540503"/>
+          </a:xfrm>
+          <a:prstGeom prst="straightConnector1">
+            <a:avLst/>
+          </a:prstGeom>
+          <a:ln>
+            <a:tailEnd type="triangle"/>
+          </a:ln>
+        </p:spPr>
+        <p:style>
+          <a:lnRef idx="1">
+            <a:schemeClr val="accent1"/>
+          </a:lnRef>
+          <a:fillRef idx="0">
+            <a:schemeClr val="accent1"/>
+          </a:fillRef>
+          <a:effectRef idx="0">
+            <a:schemeClr val="accent1"/>
+          </a:effectRef>
+          <a:fontRef idx="minor">
+            <a:schemeClr val="tx1"/>
+          </a:fontRef>
+        </p:style>
+      </p:cxnSp>
+      <p:cxnSp>
+        <p:nvCxnSpPr>
+          <p:cNvPr id="26" name="Straight Arrow Connector 25">
+            <a:extLst>
+              <a:ext uri="{FF2B5EF4-FFF2-40B4-BE49-F238E27FC236}">
+                <a16:creationId xmlns:a16="http://schemas.microsoft.com/office/drawing/2014/main" id="{34A22D4B-FA12-43B4-91C4-21EAA94FE578}"/>
+              </a:ext>
+            </a:extLst>
+          </p:cNvPr>
+          <p:cNvCxnSpPr>
+            <a:endCxn id="74" idx="1"/>
+          </p:cNvCxnSpPr>
+          <p:nvPr/>
+        </p:nvCxnSpPr>
+        <p:spPr>
+          <a:xfrm flipV="1">
+            <a:off x="7980753" y="3845584"/>
+            <a:ext cx="742720" cy="494259"/>
+          </a:xfrm>
+          <a:prstGeom prst="straightConnector1">
+            <a:avLst/>
+          </a:prstGeom>
+          <a:ln>
+            <a:tailEnd type="triangle"/>
+          </a:ln>
+        </p:spPr>
+        <p:style>
+          <a:lnRef idx="1">
+            <a:schemeClr val="accent1"/>
+          </a:lnRef>
+          <a:fillRef idx="0">
+            <a:schemeClr val="accent1"/>
+          </a:fillRef>
+          <a:effectRef idx="0">
+            <a:schemeClr val="accent1"/>
+          </a:effectRef>
+          <a:fontRef idx="minor">
+            <a:schemeClr val="tx1"/>
+          </a:fontRef>
+        </p:style>
+      </p:cxnSp>
+      <p:sp>
+        <p:nvSpPr>
+          <p:cNvPr id="75" name="Rectangle: Rounded Corners 74">
+            <a:extLst>
+              <a:ext uri="{FF2B5EF4-FFF2-40B4-BE49-F238E27FC236}">
+                <a16:creationId xmlns:a16="http://schemas.microsoft.com/office/drawing/2014/main" id="{4A75FFC9-ECED-4C49-A0F1-D27BCCE14A4B}"/>
+              </a:ext>
+            </a:extLst>
+          </p:cNvPr>
+          <p:cNvSpPr/>
+          <p:nvPr/>
+        </p:nvSpPr>
+        <p:spPr>
+          <a:xfrm>
+            <a:off x="8470967" y="4650933"/>
+            <a:ext cx="2505219" cy="511235"/>
+          </a:xfrm>
+          <a:prstGeom prst="roundRect">
+            <a:avLst/>
+          </a:prstGeom>
+          <a:solidFill>
+            <a:schemeClr val="accent1">
+              <a:lumMod val="20000"/>
+              <a:lumOff val="80000"/>
+            </a:schemeClr>
+          </a:solidFill>
+          <a:ln>
+            <a:noFill/>
+          </a:ln>
+        </p:spPr>
+        <p:style>
+          <a:lnRef idx="2">
+            <a:schemeClr val="accent1">
+              <a:shade val="50000"/>
+            </a:schemeClr>
+          </a:lnRef>
+          <a:fillRef idx="1">
+            <a:schemeClr val="accent1"/>
+          </a:fillRef>
+          <a:effectRef idx="0">
+            <a:schemeClr val="accent1"/>
+          </a:effectRef>
+          <a:fontRef idx="minor">
+            <a:schemeClr val="lt1"/>
+          </a:fontRef>
+        </p:style>
+        <p:txBody>
+          <a:bodyPr rtlCol="0" anchor="ctr"/>
+          <a:lstStyle/>
+          <a:p>
+            <a:r>
+              <a:rPr lang="en-US" sz="1400" dirty="0">
+                <a:solidFill>
+                  <a:schemeClr val="tx1">
+                    <a:lumMod val="50000"/>
+                  </a:schemeClr>
+                </a:solidFill>
+              </a:rPr>
+              <a:t>Check if received image is valid</a:t>
+            </a:r>
+          </a:p>
+        </p:txBody>
+      </p:sp>
+      <p:cxnSp>
+        <p:nvCxnSpPr>
+          <p:cNvPr id="28" name="Straight Arrow Connector 27">
+            <a:extLst>
+              <a:ext uri="{FF2B5EF4-FFF2-40B4-BE49-F238E27FC236}">
+                <a16:creationId xmlns:a16="http://schemas.microsoft.com/office/drawing/2014/main" id="{5DCB26BD-3690-4ADD-95AF-96DDBC00BF6A}"/>
+              </a:ext>
+            </a:extLst>
+          </p:cNvPr>
+          <p:cNvCxnSpPr>
+            <a:stCxn id="75" idx="1"/>
+          </p:cNvCxnSpPr>
+          <p:nvPr/>
+        </p:nvCxnSpPr>
+        <p:spPr>
+          <a:xfrm flipH="1">
+            <a:off x="7969007" y="4906551"/>
+            <a:ext cx="501960" cy="0"/>
+          </a:xfrm>
+          <a:prstGeom prst="straightConnector1">
+            <a:avLst/>
+          </a:prstGeom>
+          <a:ln>
+            <a:tailEnd type="triangle"/>
+          </a:ln>
+        </p:spPr>
+        <p:style>
+          <a:lnRef idx="1">
+            <a:schemeClr val="accent1"/>
+          </a:lnRef>
+          <a:fillRef idx="0">
+            <a:schemeClr val="accent1"/>
+          </a:fillRef>
+          <a:effectRef idx="0">
+            <a:schemeClr val="accent1"/>
+          </a:effectRef>
+          <a:fontRef idx="minor">
+            <a:schemeClr val="tx1"/>
+          </a:fontRef>
+        </p:style>
+      </p:cxnSp>
+      <p:sp>
+        <p:nvSpPr>
+          <p:cNvPr id="76" name="Rectangle: Rounded Corners 75">
+            <a:extLst>
+              <a:ext uri="{FF2B5EF4-FFF2-40B4-BE49-F238E27FC236}">
+                <a16:creationId xmlns:a16="http://schemas.microsoft.com/office/drawing/2014/main" id="{F4DE9314-FB0E-4FF2-9959-812929120F9E}"/>
+              </a:ext>
+            </a:extLst>
+          </p:cNvPr>
+          <p:cNvSpPr/>
+          <p:nvPr/>
+        </p:nvSpPr>
+        <p:spPr>
+          <a:xfrm>
+            <a:off x="8470966" y="5322972"/>
+            <a:ext cx="2892249" cy="749877"/>
+          </a:xfrm>
+          <a:prstGeom prst="roundRect">
+            <a:avLst/>
+          </a:prstGeom>
+          <a:solidFill>
+            <a:schemeClr val="accent1">
+              <a:lumMod val="20000"/>
+              <a:lumOff val="80000"/>
+            </a:schemeClr>
+          </a:solidFill>
+          <a:ln>
+            <a:noFill/>
+          </a:ln>
+        </p:spPr>
+        <p:style>
+          <a:lnRef idx="2">
+            <a:schemeClr val="accent1">
+              <a:shade val="50000"/>
+            </a:schemeClr>
+          </a:lnRef>
+          <a:fillRef idx="1">
+            <a:schemeClr val="accent1"/>
+          </a:fillRef>
+          <a:effectRef idx="0">
+            <a:schemeClr val="accent1"/>
+          </a:effectRef>
+          <a:fontRef idx="minor">
+            <a:schemeClr val="lt1"/>
+          </a:fontRef>
+        </p:style>
+        <p:txBody>
+          <a:bodyPr rtlCol="0" anchor="ctr"/>
+          <a:lstStyle/>
+          <a:p>
+            <a:r>
+              <a:rPr lang="en-US" sz="1400" dirty="0">
+                <a:solidFill>
+                  <a:schemeClr val="tx1">
+                    <a:lumMod val="50000"/>
+                  </a:schemeClr>
+                </a:solidFill>
+              </a:rPr>
+              <a:t>Reset and </a:t>
+            </a:r>
+            <a:r>
+              <a:rPr lang="en-US" sz="1400" dirty="0" err="1">
+                <a:solidFill>
+                  <a:schemeClr val="tx1">
+                    <a:lumMod val="50000"/>
+                  </a:schemeClr>
+                </a:solidFill>
+              </a:rPr>
+              <a:t>bootload</a:t>
+            </a:r>
+            <a:r>
+              <a:rPr lang="en-US" sz="1400" dirty="0">
+                <a:solidFill>
+                  <a:schemeClr val="tx1">
+                    <a:lumMod val="50000"/>
+                  </a:schemeClr>
+                </a:solidFill>
+              </a:rPr>
+              <a:t> the new image</a:t>
+            </a:r>
+          </a:p>
+        </p:txBody>
+      </p:sp>
+      <p:cxnSp>
+        <p:nvCxnSpPr>
+          <p:cNvPr id="30" name="Straight Arrow Connector 29">
+            <a:extLst>
+              <a:ext uri="{FF2B5EF4-FFF2-40B4-BE49-F238E27FC236}">
+                <a16:creationId xmlns:a16="http://schemas.microsoft.com/office/drawing/2014/main" id="{C646E47D-7400-4CC5-A8DE-654C012BD309}"/>
+              </a:ext>
+            </a:extLst>
+          </p:cNvPr>
+          <p:cNvCxnSpPr>
+            <a:endCxn id="76" idx="1"/>
+          </p:cNvCxnSpPr>
+          <p:nvPr/>
+        </p:nvCxnSpPr>
+        <p:spPr>
+          <a:xfrm>
+            <a:off x="7947779" y="5229780"/>
+            <a:ext cx="523187" cy="468131"/>
+          </a:xfrm>
+          <a:prstGeom prst="straightConnector1">
+            <a:avLst/>
+          </a:prstGeom>
+          <a:ln>
+            <a:tailEnd type="triangle"/>
+          </a:ln>
+        </p:spPr>
+        <p:style>
+          <a:lnRef idx="1">
+            <a:schemeClr val="accent1"/>
+          </a:lnRef>
+          <a:fillRef idx="0">
+            <a:schemeClr val="accent1"/>
+          </a:fillRef>
+          <a:effectRef idx="0">
+            <a:schemeClr val="accent1"/>
+          </a:effectRef>
+          <a:fontRef idx="minor">
+            <a:schemeClr val="tx1"/>
+          </a:fontRef>
+        </p:style>
+      </p:cxnSp>
+    </p:spTree>
+    <p:extLst>
+      <p:ext uri="{BB962C8B-B14F-4D97-AF65-F5344CB8AC3E}">
+        <p14:creationId xmlns:p14="http://schemas.microsoft.com/office/powerpoint/2010/main" val="410148475"/>
+      </p:ext>
+    </p:extLst>
+  </p:cSld>
+  <p:clrMapOvr>
+    <a:masterClrMapping/>
+  </p:clrMapOvr>
+  <p:transition spd="med">
+    <p:wipe/>
+  </p:transition>
+</p:sld>
+</file>
+
+<file path=ppt/slides/slide13.xml><?xml version="1.0" encoding="utf-8"?>
+<p:sld xmlns:a="http://schemas.openxmlformats.org/drawingml/2006/main" xmlns:r="http://schemas.openxmlformats.org/officeDocument/2006/relationships" xmlns:p="http://schemas.openxmlformats.org/presentationml/2006/main">
+  <p:cSld>
+    <p:spTree>
+      <p:nvGrpSpPr>
+        <p:cNvPr id="1" name=""/>
+        <p:cNvGrpSpPr/>
+        <p:nvPr/>
+      </p:nvGrpSpPr>
+      <p:grpSpPr>
+        <a:xfrm>
+          <a:off x="0" y="0"/>
+          <a:ext cx="0" cy="0"/>
+          <a:chOff x="0" y="0"/>
+          <a:chExt cx="0" cy="0"/>
+        </a:xfrm>
+      </p:grpSpPr>
+      <p:sp>
+        <p:nvSpPr>
+          <p:cNvPr id="3" name="Title 2">
+            <a:extLst>
+              <a:ext uri="{FF2B5EF4-FFF2-40B4-BE49-F238E27FC236}">
+                <a16:creationId xmlns:a16="http://schemas.microsoft.com/office/drawing/2014/main" id="{9D315753-473F-497C-BCE9-35D947E6485D}"/>
+              </a:ext>
+            </a:extLst>
+          </p:cNvPr>
+          <p:cNvSpPr>
+            <a:spLocks noGrp="1"/>
+          </p:cNvSpPr>
+          <p:nvPr>
+            <p:ph type="title"/>
+          </p:nvPr>
+        </p:nvSpPr>
+        <p:spPr/>
+        <p:txBody>
+          <a:bodyPr/>
+          <a:lstStyle/>
+          <a:p>
+            <a:r>
+              <a:rPr lang="en-US" b="1" dirty="0"/>
+              <a:t>Commands</a:t>
+            </a:r>
+          </a:p>
+        </p:txBody>
+      </p:sp>
+      <p:sp>
+        <p:nvSpPr>
+          <p:cNvPr id="5" name="Slide Number Placeholder 4">
+            <a:extLst>
+              <a:ext uri="{FF2B5EF4-FFF2-40B4-BE49-F238E27FC236}">
+                <a16:creationId xmlns:a16="http://schemas.microsoft.com/office/drawing/2014/main" id="{BE33F475-C8A6-4F19-A63A-97094CC3FEE6}"/>
+              </a:ext>
+            </a:extLst>
+          </p:cNvPr>
+          <p:cNvSpPr>
+            <a:spLocks noGrp="1"/>
+          </p:cNvSpPr>
+          <p:nvPr>
+            <p:ph type="sldNum" sz="quarter" idx="12"/>
+          </p:nvPr>
+        </p:nvSpPr>
+        <p:spPr/>
+        <p:txBody>
+          <a:bodyPr/>
+          <a:lstStyle/>
+          <a:p>
+            <a:fld id="{29A7BD92-6AE5-CF43-B276-274952F2BFB4}" type="slidenum">
+              <a:rPr lang="en-US" smtClean="0"/>
+              <a:pPr/>
+              <a:t>13</a:t>
+            </a:fld>
+            <a:endParaRPr lang="en-US" dirty="0"/>
+          </a:p>
+        </p:txBody>
+      </p:sp>
+      <p:sp>
+        <p:nvSpPr>
+          <p:cNvPr id="12" name="Content Placeholder 1">
+            <a:extLst>
+              <a:ext uri="{FF2B5EF4-FFF2-40B4-BE49-F238E27FC236}">
+                <a16:creationId xmlns:a16="http://schemas.microsoft.com/office/drawing/2014/main" id="{D69AAB68-20EE-4F38-B825-DD1C0AA22809}"/>
+              </a:ext>
+            </a:extLst>
+          </p:cNvPr>
+          <p:cNvSpPr txBox="1">
+            <a:spLocks/>
+          </p:cNvSpPr>
+          <p:nvPr/>
+        </p:nvSpPr>
+        <p:spPr>
+          <a:xfrm>
+            <a:off x="679450" y="1143000"/>
+            <a:ext cx="3389116" cy="457200"/>
+          </a:xfrm>
+          <a:prstGeom prst="rect">
+            <a:avLst/>
+          </a:prstGeom>
+        </p:spPr>
+        <p:txBody>
+          <a:bodyPr vert="horz" lIns="91440" tIns="45720" rIns="91440" bIns="45720" rtlCol="0" anchor="t">
+            <a:normAutofit/>
+          </a:bodyPr>
+          <a:lstStyle>
+            <a:lvl1pPr marL="182880" indent="-182880" algn="l" defTabSz="914377" rtl="0" eaLnBrk="1" fontAlgn="base" latinLnBrk="0" hangingPunct="1">
+              <a:lnSpc>
+                <a:spcPct val="95000"/>
+              </a:lnSpc>
+              <a:spcBef>
+                <a:spcPts val="1200"/>
+              </a:spcBef>
+              <a:spcAft>
+                <a:spcPts val="0"/>
+              </a:spcAft>
+              <a:buClr>
+                <a:schemeClr val="tx2"/>
+              </a:buClr>
+              <a:buFont typeface="Wingdings" charset="2"/>
+              <a:buChar char="§"/>
+              <a:defRPr lang="en-US" sz="2000" b="0" i="0" kern="1200">
+                <a:solidFill>
+                  <a:schemeClr val="tx1"/>
+                </a:solidFill>
+                <a:latin typeface="+mn-lt"/>
+                <a:ea typeface="Calibri" panose="020F0502020204030204" pitchFamily="34" charset="0"/>
+                <a:cs typeface="Calibri" panose="020F0502020204030204" pitchFamily="34" charset="0"/>
+              </a:defRPr>
+            </a:lvl1pPr>
+            <a:lvl2pPr marL="365760" indent="-182880" algn="l" defTabSz="914377" rtl="0" eaLnBrk="1" fontAlgn="base" latinLnBrk="0" hangingPunct="1">
+              <a:lnSpc>
+                <a:spcPct val="95000"/>
+              </a:lnSpc>
+              <a:spcBef>
+                <a:spcPts val="600"/>
+              </a:spcBef>
+              <a:spcAft>
+                <a:spcPts val="0"/>
+              </a:spcAft>
+              <a:buClr>
+                <a:schemeClr val="tx2"/>
+              </a:buClr>
+              <a:buFont typeface="Wingdings" panose="05000000000000000000" pitchFamily="2" charset="2"/>
+              <a:buChar char="§"/>
+              <a:defRPr lang="en-US" sz="1800" b="0" i="0" kern="1200">
+                <a:solidFill>
+                  <a:schemeClr val="tx1"/>
+                </a:solidFill>
+                <a:latin typeface="+mn-lt"/>
+                <a:ea typeface="Calibri" panose="020F0502020204030204" pitchFamily="34" charset="0"/>
+                <a:cs typeface="Calibri" panose="020F0502020204030204" pitchFamily="34" charset="0"/>
+              </a:defRPr>
+            </a:lvl2pPr>
+            <a:lvl3pPr marL="548640" indent="-182880" algn="l" defTabSz="914377" rtl="0" eaLnBrk="1" fontAlgn="base" latinLnBrk="0" hangingPunct="1">
+              <a:lnSpc>
+                <a:spcPct val="95000"/>
+              </a:lnSpc>
+              <a:spcBef>
+                <a:spcPts val="600"/>
+              </a:spcBef>
+              <a:spcAft>
+                <a:spcPts val="0"/>
+              </a:spcAft>
+              <a:buClr>
+                <a:schemeClr val="tx2"/>
+              </a:buClr>
+              <a:buFont typeface="Wingdings" panose="05000000000000000000" pitchFamily="2" charset="2"/>
+              <a:buChar char="§"/>
+              <a:defRPr lang="en-US" sz="1600" b="0" i="0" kern="1200">
+                <a:solidFill>
+                  <a:schemeClr val="tx1"/>
+                </a:solidFill>
+                <a:latin typeface="+mn-lt"/>
+                <a:ea typeface="Calibri" panose="020F0502020204030204" pitchFamily="34" charset="0"/>
+                <a:cs typeface="Calibri" panose="020F0502020204030204" pitchFamily="34" charset="0"/>
+              </a:defRPr>
+            </a:lvl3pPr>
+            <a:lvl4pPr marL="731520" marR="0" indent="-182880" algn="l" defTabSz="914377" rtl="0" eaLnBrk="1" fontAlgn="base" latinLnBrk="0" hangingPunct="1">
+              <a:lnSpc>
+                <a:spcPct val="95000"/>
+              </a:lnSpc>
+              <a:spcBef>
+                <a:spcPts val="600"/>
+              </a:spcBef>
+              <a:spcAft>
+                <a:spcPts val="0"/>
+              </a:spcAft>
+              <a:buClr>
+                <a:schemeClr val="tx2"/>
+              </a:buClr>
+              <a:buSzTx/>
+              <a:buFont typeface="Wingdings" panose="05000000000000000000" pitchFamily="2" charset="2"/>
+              <a:buChar char="§"/>
+              <a:tabLst/>
+              <a:defRPr lang="en-US" sz="1400" b="0" i="0" kern="1200">
+                <a:solidFill>
+                  <a:schemeClr val="tx1"/>
+                </a:solidFill>
+                <a:latin typeface="+mn-lt"/>
+                <a:ea typeface="Calibri" panose="020F0502020204030204" pitchFamily="34" charset="0"/>
+                <a:cs typeface="Calibri" panose="020F0502020204030204" pitchFamily="34" charset="0"/>
+              </a:defRPr>
+            </a:lvl4pPr>
+            <a:lvl5pPr marL="914400" indent="-182880" algn="l" defTabSz="914377" rtl="0" eaLnBrk="1" fontAlgn="base" latinLnBrk="0" hangingPunct="1">
+              <a:lnSpc>
+                <a:spcPct val="100000"/>
+              </a:lnSpc>
+              <a:spcBef>
+                <a:spcPts val="900"/>
+              </a:spcBef>
+              <a:spcAft>
+                <a:spcPct val="0"/>
+              </a:spcAft>
+              <a:buClr>
+                <a:schemeClr val="tx2"/>
+              </a:buClr>
+              <a:buFont typeface="Wingdings" panose="05000000000000000000" pitchFamily="2" charset="2"/>
+              <a:buChar char="§"/>
+              <a:defRPr lang="en-US" sz="1400" b="0" kern="1200">
+                <a:solidFill>
+                  <a:schemeClr val="tx1"/>
+                </a:solidFill>
+                <a:latin typeface="+mn-lt"/>
+                <a:ea typeface="Segoe UI" panose="020B0502040204020203" pitchFamily="34" charset="0"/>
+                <a:cs typeface="Segoe UI" panose="020B0502040204020203" pitchFamily="34" charset="0"/>
+              </a:defRPr>
+            </a:lvl5pPr>
+            <a:lvl6pPr marL="2514537" indent="-228594" algn="l" defTabSz="914377" rtl="0" eaLnBrk="1" latinLnBrk="0" hangingPunct="1">
+              <a:lnSpc>
+                <a:spcPct val="90000"/>
+              </a:lnSpc>
+              <a:spcBef>
+                <a:spcPts val="500"/>
+              </a:spcBef>
+              <a:buFont typeface="Arial" panose="020B0604020202020204" pitchFamily="34" charset="0"/>
+              <a:buChar char="•"/>
+              <a:defRPr sz="1800" kern="1200">
+                <a:solidFill>
+                  <a:schemeClr val="tx1"/>
+                </a:solidFill>
+                <a:latin typeface="+mn-lt"/>
+                <a:ea typeface="+mn-ea"/>
+                <a:cs typeface="+mn-cs"/>
+              </a:defRPr>
+            </a:lvl6pPr>
+            <a:lvl7pPr marL="2971726" indent="-228594" algn="l" defTabSz="914377" rtl="0" eaLnBrk="1" latinLnBrk="0" hangingPunct="1">
+              <a:lnSpc>
+                <a:spcPct val="90000"/>
+              </a:lnSpc>
+              <a:spcBef>
+                <a:spcPts val="500"/>
+              </a:spcBef>
+              <a:buFont typeface="Arial" panose="020B0604020202020204" pitchFamily="34" charset="0"/>
+              <a:buChar char="•"/>
+              <a:defRPr sz="1800" kern="1200">
+                <a:solidFill>
+                  <a:schemeClr val="tx1"/>
+                </a:solidFill>
+                <a:latin typeface="+mn-lt"/>
+                <a:ea typeface="+mn-ea"/>
+                <a:cs typeface="+mn-cs"/>
+              </a:defRPr>
+            </a:lvl7pPr>
+            <a:lvl8pPr marL="3428914" indent="-228594" algn="l" defTabSz="914377" rtl="0" eaLnBrk="1" latinLnBrk="0" hangingPunct="1">
+              <a:lnSpc>
+                <a:spcPct val="90000"/>
+              </a:lnSpc>
+              <a:spcBef>
+                <a:spcPts val="500"/>
+              </a:spcBef>
+              <a:buFont typeface="Arial" panose="020B0604020202020204" pitchFamily="34" charset="0"/>
+              <a:buChar char="•"/>
+              <a:defRPr sz="1800" kern="1200">
+                <a:solidFill>
+                  <a:schemeClr val="tx1"/>
+                </a:solidFill>
+                <a:latin typeface="+mn-lt"/>
+                <a:ea typeface="+mn-ea"/>
+                <a:cs typeface="+mn-cs"/>
+              </a:defRPr>
+            </a:lvl8pPr>
+            <a:lvl9pPr marL="3886103" indent="-228594" algn="l" defTabSz="914377" rtl="0" eaLnBrk="1" latinLnBrk="0" hangingPunct="1">
+              <a:lnSpc>
+                <a:spcPct val="90000"/>
+              </a:lnSpc>
+              <a:spcBef>
+                <a:spcPts val="500"/>
+              </a:spcBef>
+              <a:buFont typeface="Arial" panose="020B0604020202020204" pitchFamily="34" charset="0"/>
+              <a:buChar char="•"/>
+              <a:defRPr sz="1800" kern="1200">
+                <a:solidFill>
+                  <a:schemeClr val="tx1"/>
+                </a:solidFill>
+                <a:latin typeface="+mn-lt"/>
+                <a:ea typeface="+mn-ea"/>
+                <a:cs typeface="+mn-cs"/>
+              </a:defRPr>
+            </a:lvl9pPr>
+          </a:lstStyle>
+          <a:p>
+            <a:r>
+              <a:rPr lang="en-US" altLang="zh-CN" dirty="0"/>
+              <a:t>Show OTA images on server</a:t>
+            </a:r>
+            <a:endParaRPr lang="en-US" dirty="0"/>
+          </a:p>
+          <a:p>
+            <a:endParaRPr lang="en-US" dirty="0"/>
+          </a:p>
+          <a:p>
+            <a:endParaRPr lang="en-US" dirty="0"/>
+          </a:p>
+        </p:txBody>
+      </p:sp>
+      <p:pic>
+        <p:nvPicPr>
+          <p:cNvPr id="4" name="Picture 3">
+            <a:extLst>
+              <a:ext uri="{FF2B5EF4-FFF2-40B4-BE49-F238E27FC236}">
+                <a16:creationId xmlns:a16="http://schemas.microsoft.com/office/drawing/2014/main" id="{BB555B80-67D0-4764-B3FA-11E031DCA2F4}"/>
+              </a:ext>
+            </a:extLst>
+          </p:cNvPr>
+          <p:cNvPicPr>
+            <a:picLocks noChangeAspect="1"/>
+          </p:cNvPicPr>
+          <p:nvPr/>
+        </p:nvPicPr>
+        <p:blipFill>
+          <a:blip r:embed="rId3"/>
+          <a:stretch>
+            <a:fillRect/>
+          </a:stretch>
+        </p:blipFill>
+        <p:spPr>
+          <a:xfrm>
+            <a:off x="679450" y="1733550"/>
+            <a:ext cx="4400550" cy="3162300"/>
+          </a:xfrm>
+          <a:prstGeom prst="rect">
+            <a:avLst/>
+          </a:prstGeom>
+        </p:spPr>
+      </p:pic>
+      <p:sp>
+        <p:nvSpPr>
+          <p:cNvPr id="16" name="Content Placeholder 1">
+            <a:extLst>
+              <a:ext uri="{FF2B5EF4-FFF2-40B4-BE49-F238E27FC236}">
+                <a16:creationId xmlns:a16="http://schemas.microsoft.com/office/drawing/2014/main" id="{C666BAD3-B3F5-43AE-BEFA-EDE512245567}"/>
+              </a:ext>
+            </a:extLst>
+          </p:cNvPr>
+          <p:cNvSpPr txBox="1">
+            <a:spLocks/>
+          </p:cNvSpPr>
+          <p:nvPr/>
+        </p:nvSpPr>
+        <p:spPr>
+          <a:xfrm>
+            <a:off x="6647023" y="1143000"/>
+            <a:ext cx="3389116" cy="457200"/>
+          </a:xfrm>
+          <a:prstGeom prst="rect">
+            <a:avLst/>
+          </a:prstGeom>
+        </p:spPr>
+        <p:txBody>
+          <a:bodyPr vert="horz" lIns="91440" tIns="45720" rIns="91440" bIns="45720" rtlCol="0" anchor="t">
+            <a:normAutofit/>
+          </a:bodyPr>
+          <a:lstStyle>
+            <a:lvl1pPr marL="182880" indent="-182880" algn="l" defTabSz="914377" rtl="0" eaLnBrk="1" fontAlgn="base" latinLnBrk="0" hangingPunct="1">
+              <a:lnSpc>
+                <a:spcPct val="95000"/>
+              </a:lnSpc>
+              <a:spcBef>
+                <a:spcPts val="1200"/>
+              </a:spcBef>
+              <a:spcAft>
+                <a:spcPts val="0"/>
+              </a:spcAft>
+              <a:buClr>
+                <a:schemeClr val="tx2"/>
+              </a:buClr>
+              <a:buFont typeface="Wingdings" charset="2"/>
+              <a:buChar char="§"/>
+              <a:defRPr lang="en-US" sz="2000" b="0" i="0" kern="1200">
+                <a:solidFill>
+                  <a:schemeClr val="tx1"/>
+                </a:solidFill>
+                <a:latin typeface="+mn-lt"/>
+                <a:ea typeface="Calibri" panose="020F0502020204030204" pitchFamily="34" charset="0"/>
+                <a:cs typeface="Calibri" panose="020F0502020204030204" pitchFamily="34" charset="0"/>
+              </a:defRPr>
+            </a:lvl1pPr>
+            <a:lvl2pPr marL="365760" indent="-182880" algn="l" defTabSz="914377" rtl="0" eaLnBrk="1" fontAlgn="base" latinLnBrk="0" hangingPunct="1">
+              <a:lnSpc>
+                <a:spcPct val="95000"/>
+              </a:lnSpc>
+              <a:spcBef>
+                <a:spcPts val="600"/>
+              </a:spcBef>
+              <a:spcAft>
+                <a:spcPts val="0"/>
+              </a:spcAft>
+              <a:buClr>
+                <a:schemeClr val="tx2"/>
+              </a:buClr>
+              <a:buFont typeface="Wingdings" panose="05000000000000000000" pitchFamily="2" charset="2"/>
+              <a:buChar char="§"/>
+              <a:defRPr lang="en-US" sz="1800" b="0" i="0" kern="1200">
+                <a:solidFill>
+                  <a:schemeClr val="tx1"/>
+                </a:solidFill>
+                <a:latin typeface="+mn-lt"/>
+                <a:ea typeface="Calibri" panose="020F0502020204030204" pitchFamily="34" charset="0"/>
+                <a:cs typeface="Calibri" panose="020F0502020204030204" pitchFamily="34" charset="0"/>
+              </a:defRPr>
+            </a:lvl2pPr>
+            <a:lvl3pPr marL="548640" indent="-182880" algn="l" defTabSz="914377" rtl="0" eaLnBrk="1" fontAlgn="base" latinLnBrk="0" hangingPunct="1">
+              <a:lnSpc>
+                <a:spcPct val="95000"/>
+              </a:lnSpc>
+              <a:spcBef>
+                <a:spcPts val="600"/>
+              </a:spcBef>
+              <a:spcAft>
+                <a:spcPts val="0"/>
+              </a:spcAft>
+              <a:buClr>
+                <a:schemeClr val="tx2"/>
+              </a:buClr>
+              <a:buFont typeface="Wingdings" panose="05000000000000000000" pitchFamily="2" charset="2"/>
+              <a:buChar char="§"/>
+              <a:defRPr lang="en-US" sz="1600" b="0" i="0" kern="1200">
+                <a:solidFill>
+                  <a:schemeClr val="tx1"/>
+                </a:solidFill>
+                <a:latin typeface="+mn-lt"/>
+                <a:ea typeface="Calibri" panose="020F0502020204030204" pitchFamily="34" charset="0"/>
+                <a:cs typeface="Calibri" panose="020F0502020204030204" pitchFamily="34" charset="0"/>
+              </a:defRPr>
+            </a:lvl3pPr>
+            <a:lvl4pPr marL="731520" marR="0" indent="-182880" algn="l" defTabSz="914377" rtl="0" eaLnBrk="1" fontAlgn="base" latinLnBrk="0" hangingPunct="1">
+              <a:lnSpc>
+                <a:spcPct val="95000"/>
+              </a:lnSpc>
+              <a:spcBef>
+                <a:spcPts val="600"/>
+              </a:spcBef>
+              <a:spcAft>
+                <a:spcPts val="0"/>
+              </a:spcAft>
+              <a:buClr>
+                <a:schemeClr val="tx2"/>
+              </a:buClr>
+              <a:buSzTx/>
+              <a:buFont typeface="Wingdings" panose="05000000000000000000" pitchFamily="2" charset="2"/>
+              <a:buChar char="§"/>
+              <a:tabLst/>
+              <a:defRPr lang="en-US" sz="1400" b="0" i="0" kern="1200">
+                <a:solidFill>
+                  <a:schemeClr val="tx1"/>
+                </a:solidFill>
+                <a:latin typeface="+mn-lt"/>
+                <a:ea typeface="Calibri" panose="020F0502020204030204" pitchFamily="34" charset="0"/>
+                <a:cs typeface="Calibri" panose="020F0502020204030204" pitchFamily="34" charset="0"/>
+              </a:defRPr>
+            </a:lvl4pPr>
+            <a:lvl5pPr marL="914400" indent="-182880" algn="l" defTabSz="914377" rtl="0" eaLnBrk="1" fontAlgn="base" latinLnBrk="0" hangingPunct="1">
+              <a:lnSpc>
+                <a:spcPct val="100000"/>
+              </a:lnSpc>
+              <a:spcBef>
+                <a:spcPts val="900"/>
+              </a:spcBef>
+              <a:spcAft>
+                <a:spcPct val="0"/>
+              </a:spcAft>
+              <a:buClr>
+                <a:schemeClr val="tx2"/>
+              </a:buClr>
+              <a:buFont typeface="Wingdings" panose="05000000000000000000" pitchFamily="2" charset="2"/>
+              <a:buChar char="§"/>
+              <a:defRPr lang="en-US" sz="1400" b="0" kern="1200">
+                <a:solidFill>
+                  <a:schemeClr val="tx1"/>
+                </a:solidFill>
+                <a:latin typeface="+mn-lt"/>
+                <a:ea typeface="Segoe UI" panose="020B0502040204020203" pitchFamily="34" charset="0"/>
+                <a:cs typeface="Segoe UI" panose="020B0502040204020203" pitchFamily="34" charset="0"/>
+              </a:defRPr>
+            </a:lvl5pPr>
+            <a:lvl6pPr marL="2514537" indent="-228594" algn="l" defTabSz="914377" rtl="0" eaLnBrk="1" latinLnBrk="0" hangingPunct="1">
+              <a:lnSpc>
+                <a:spcPct val="90000"/>
+              </a:lnSpc>
+              <a:spcBef>
+                <a:spcPts val="500"/>
+              </a:spcBef>
+              <a:buFont typeface="Arial" panose="020B0604020202020204" pitchFamily="34" charset="0"/>
+              <a:buChar char="•"/>
+              <a:defRPr sz="1800" kern="1200">
+                <a:solidFill>
+                  <a:schemeClr val="tx1"/>
+                </a:solidFill>
+                <a:latin typeface="+mn-lt"/>
+                <a:ea typeface="+mn-ea"/>
+                <a:cs typeface="+mn-cs"/>
+              </a:defRPr>
+            </a:lvl6pPr>
+            <a:lvl7pPr marL="2971726" indent="-228594" algn="l" defTabSz="914377" rtl="0" eaLnBrk="1" latinLnBrk="0" hangingPunct="1">
+              <a:lnSpc>
+                <a:spcPct val="90000"/>
+              </a:lnSpc>
+              <a:spcBef>
+                <a:spcPts val="500"/>
+              </a:spcBef>
+              <a:buFont typeface="Arial" panose="020B0604020202020204" pitchFamily="34" charset="0"/>
+              <a:buChar char="•"/>
+              <a:defRPr sz="1800" kern="1200">
+                <a:solidFill>
+                  <a:schemeClr val="tx1"/>
+                </a:solidFill>
+                <a:latin typeface="+mn-lt"/>
+                <a:ea typeface="+mn-ea"/>
+                <a:cs typeface="+mn-cs"/>
+              </a:defRPr>
+            </a:lvl7pPr>
+            <a:lvl8pPr marL="3428914" indent="-228594" algn="l" defTabSz="914377" rtl="0" eaLnBrk="1" latinLnBrk="0" hangingPunct="1">
+              <a:lnSpc>
+                <a:spcPct val="90000"/>
+              </a:lnSpc>
+              <a:spcBef>
+                <a:spcPts val="500"/>
+              </a:spcBef>
+              <a:buFont typeface="Arial" panose="020B0604020202020204" pitchFamily="34" charset="0"/>
+              <a:buChar char="•"/>
+              <a:defRPr sz="1800" kern="1200">
+                <a:solidFill>
+                  <a:schemeClr val="tx1"/>
+                </a:solidFill>
+                <a:latin typeface="+mn-lt"/>
+                <a:ea typeface="+mn-ea"/>
+                <a:cs typeface="+mn-cs"/>
+              </a:defRPr>
+            </a:lvl8pPr>
+            <a:lvl9pPr marL="3886103" indent="-228594" algn="l" defTabSz="914377" rtl="0" eaLnBrk="1" latinLnBrk="0" hangingPunct="1">
+              <a:lnSpc>
+                <a:spcPct val="90000"/>
+              </a:lnSpc>
+              <a:spcBef>
+                <a:spcPts val="500"/>
+              </a:spcBef>
+              <a:buFont typeface="Arial" panose="020B0604020202020204" pitchFamily="34" charset="0"/>
+              <a:buChar char="•"/>
+              <a:defRPr sz="1800" kern="1200">
+                <a:solidFill>
+                  <a:schemeClr val="tx1"/>
+                </a:solidFill>
+                <a:latin typeface="+mn-lt"/>
+                <a:ea typeface="+mn-ea"/>
+                <a:cs typeface="+mn-cs"/>
+              </a:defRPr>
+            </a:lvl9pPr>
+          </a:lstStyle>
+          <a:p>
+            <a:r>
+              <a:rPr lang="en-US" altLang="zh-CN" dirty="0"/>
+              <a:t>Show version on client</a:t>
+            </a:r>
+            <a:endParaRPr lang="en-US" dirty="0"/>
+          </a:p>
+          <a:p>
+            <a:endParaRPr lang="en-US" dirty="0"/>
+          </a:p>
+          <a:p>
+            <a:endParaRPr lang="en-US" dirty="0"/>
+          </a:p>
+        </p:txBody>
+      </p:sp>
+      <p:pic>
+        <p:nvPicPr>
+          <p:cNvPr id="6" name="Picture 5">
+            <a:extLst>
+              <a:ext uri="{FF2B5EF4-FFF2-40B4-BE49-F238E27FC236}">
+                <a16:creationId xmlns:a16="http://schemas.microsoft.com/office/drawing/2014/main" id="{8C415178-C37C-42AE-B488-83C1EEEB9360}"/>
+              </a:ext>
+            </a:extLst>
+          </p:cNvPr>
+          <p:cNvPicPr>
+            <a:picLocks noChangeAspect="1"/>
+          </p:cNvPicPr>
+          <p:nvPr/>
+        </p:nvPicPr>
+        <p:blipFill>
+          <a:blip r:embed="rId4"/>
+          <a:stretch>
+            <a:fillRect/>
+          </a:stretch>
+        </p:blipFill>
+        <p:spPr>
+          <a:xfrm>
+            <a:off x="6647023" y="1733550"/>
+            <a:ext cx="4481742" cy="3162300"/>
+          </a:xfrm>
+          <a:prstGeom prst="rect">
+            <a:avLst/>
+          </a:prstGeom>
+        </p:spPr>
+      </p:pic>
+    </p:spTree>
+    <p:extLst>
+      <p:ext uri="{BB962C8B-B14F-4D97-AF65-F5344CB8AC3E}">
+        <p14:creationId xmlns:p14="http://schemas.microsoft.com/office/powerpoint/2010/main" val="348952174"/>
+      </p:ext>
+    </p:extLst>
+  </p:cSld>
+  <p:clrMapOvr>
+    <a:masterClrMapping/>
+  </p:clrMapOvr>
+  <p:transition spd="med">
+    <p:wipe/>
+  </p:transition>
+</p:sld>
+</file>
+
+<file path=ppt/slides/slide14.xml><?xml version="1.0" encoding="utf-8"?>
+<p:sld xmlns:a="http://schemas.openxmlformats.org/drawingml/2006/main" xmlns:r="http://schemas.openxmlformats.org/officeDocument/2006/relationships" xmlns:p="http://schemas.openxmlformats.org/presentationml/2006/main">
+  <p:cSld>
+    <p:spTree>
+      <p:nvGrpSpPr>
+        <p:cNvPr id="1" name=""/>
+        <p:cNvGrpSpPr/>
+        <p:nvPr/>
+      </p:nvGrpSpPr>
+      <p:grpSpPr>
+        <a:xfrm>
+          <a:off x="0" y="0"/>
+          <a:ext cx="0" cy="0"/>
+          <a:chOff x="0" y="0"/>
+          <a:chExt cx="0" cy="0"/>
+        </a:xfrm>
+      </p:grpSpPr>
+      <p:sp>
+        <p:nvSpPr>
           <p:cNvPr id="3" name="Title 2">
             <a:extLst>
               <a:ext uri="{FF2B5EF4-FFF2-40B4-BE49-F238E27FC236}">
@@ -19091,7 +21954,7 @@
 </p:sld>
 </file>
 
-<file path=ppt/slides/slide13.xml><?xml version="1.0" encoding="utf-8"?>
+<file path=ppt/slides/slide15.xml><?xml version="1.0" encoding="utf-8"?>
 <p:sld xmlns:a="http://schemas.openxmlformats.org/drawingml/2006/main" xmlns:r="http://schemas.openxmlformats.org/officeDocument/2006/relationships" xmlns:p="http://schemas.openxmlformats.org/presentationml/2006/main">
   <p:cSld>
     <p:spTree>
@@ -22613,7 +25476,7 @@
           <p:cNvPr id="3" name="标题 2">
             <a:extLst>
               <a:ext uri="{FF2B5EF4-FFF2-40B4-BE49-F238E27FC236}">
-                <a16:creationId xmlns:a16="http://schemas.microsoft.com/office/drawing/2014/main" id="{F9A86FFF-6ED6-4E71-9A6C-D96DA47D4141}"/>
+                <a16:creationId xmlns:a16="http://schemas.microsoft.com/office/drawing/2014/main" id="{6720D52C-A813-46D8-A3DB-1126552C55CF}"/>
               </a:ext>
             </a:extLst>
           </p:cNvPr>
@@ -22630,10 +25493,10 @@
           <a:lstStyle/>
           <a:p>
             <a:r>
-              <a:rPr lang="en-US" b="1" dirty="0"/>
-              <a:t>OTA Overview</a:t>
-            </a:r>
-            <a:endParaRPr lang="en-US" dirty="0"/>
+              <a:rPr lang="en-US" altLang="zh-CN" b="1" dirty="0"/>
+              <a:t>MQTT Client on Mobile Phone</a:t>
+            </a:r>
+            <a:endParaRPr lang="en-US" b="1" dirty="0"/>
           </a:p>
         </p:txBody>
       </p:sp>
@@ -22642,7 +25505,7 @@
           <p:cNvPr id="5" name="灯片编号占位符 4">
             <a:extLst>
               <a:ext uri="{FF2B5EF4-FFF2-40B4-BE49-F238E27FC236}">
-                <a16:creationId xmlns:a16="http://schemas.microsoft.com/office/drawing/2014/main" id="{C2905592-3D70-4B93-9F65-764996CA7256}"/>
+                <a16:creationId xmlns:a16="http://schemas.microsoft.com/office/drawing/2014/main" id="{515747B8-2879-417E-95C7-F970796AA260}"/>
               </a:ext>
             </a:extLst>
           </p:cNvPr>
@@ -22667,659 +25530,12 @@
           </a:p>
         </p:txBody>
       </p:sp>
-      <p:grpSp>
-        <p:nvGrpSpPr>
-          <p:cNvPr id="18" name="Group 17">
+      <p:sp>
+        <p:nvSpPr>
+          <p:cNvPr id="6" name="TextBox 5">
             <a:extLst>
               <a:ext uri="{FF2B5EF4-FFF2-40B4-BE49-F238E27FC236}">
-                <a16:creationId xmlns:a16="http://schemas.microsoft.com/office/drawing/2014/main" id="{CCB6F636-2E34-45F3-90D6-29AAD5AAA703}"/>
-              </a:ext>
-            </a:extLst>
-          </p:cNvPr>
-          <p:cNvGrpSpPr/>
-          <p:nvPr/>
-        </p:nvGrpSpPr>
-        <p:grpSpPr>
-          <a:xfrm>
-            <a:off x="617047" y="2443636"/>
-            <a:ext cx="3836277" cy="3095684"/>
-            <a:chOff x="499417" y="2887038"/>
-            <a:chExt cx="3836277" cy="3095684"/>
-          </a:xfrm>
-        </p:grpSpPr>
-        <p:grpSp>
-          <p:nvGrpSpPr>
-            <p:cNvPr id="19" name="Group 18">
-              <a:extLst>
-                <a:ext uri="{FF2B5EF4-FFF2-40B4-BE49-F238E27FC236}">
-                  <a16:creationId xmlns:a16="http://schemas.microsoft.com/office/drawing/2014/main" id="{F4FE7935-84EC-46A8-ADC3-A10560B03138}"/>
-                </a:ext>
-              </a:extLst>
-            </p:cNvPr>
-            <p:cNvGrpSpPr/>
-            <p:nvPr/>
-          </p:nvGrpSpPr>
-          <p:grpSpPr>
-            <a:xfrm>
-              <a:off x="499417" y="2887038"/>
-              <a:ext cx="3836277" cy="3095684"/>
-              <a:chOff x="1437320" y="1729946"/>
-              <a:chExt cx="3904476" cy="4407243"/>
-            </a:xfrm>
-          </p:grpSpPr>
-          <p:sp>
-            <p:nvSpPr>
-              <p:cNvPr id="24" name="Rectangle: Rounded Corners 23">
-                <a:extLst>
-                  <a:ext uri="{FF2B5EF4-FFF2-40B4-BE49-F238E27FC236}">
-                    <a16:creationId xmlns:a16="http://schemas.microsoft.com/office/drawing/2014/main" id="{F90F9E35-6321-40BD-9820-EAD62EEF382F}"/>
-                  </a:ext>
-                </a:extLst>
-              </p:cNvPr>
-              <p:cNvSpPr/>
-              <p:nvPr/>
-            </p:nvSpPr>
-            <p:spPr>
-              <a:xfrm>
-                <a:off x="1548713" y="1729946"/>
-                <a:ext cx="3793083" cy="4407243"/>
-              </a:xfrm>
-              <a:prstGeom prst="roundRect">
-                <a:avLst/>
-              </a:prstGeom>
-              <a:ln/>
-            </p:spPr>
-            <p:style>
-              <a:lnRef idx="1">
-                <a:schemeClr val="accent6"/>
-              </a:lnRef>
-              <a:fillRef idx="2">
-                <a:schemeClr val="accent6"/>
-              </a:fillRef>
-              <a:effectRef idx="1">
-                <a:schemeClr val="accent6"/>
-              </a:effectRef>
-              <a:fontRef idx="minor">
-                <a:schemeClr val="dk1"/>
-              </a:fontRef>
-            </p:style>
-            <p:txBody>
-              <a:bodyPr rtlCol="0" anchor="ctr"/>
-              <a:lstStyle/>
-              <a:p>
-                <a:pPr algn="ctr"/>
-                <a:r>
-                  <a:rPr lang="en-US" sz="1400" dirty="0"/>
-                  <a:t>Z3Gateway</a:t>
-                </a:r>
-              </a:p>
-              <a:p>
-                <a:pPr algn="ctr"/>
-                <a:endParaRPr lang="en-US" sz="1400" dirty="0"/>
-              </a:p>
-              <a:p>
-                <a:pPr algn="ctr"/>
-                <a:endParaRPr lang="en-US" sz="1400" dirty="0"/>
-              </a:p>
-              <a:p>
-                <a:pPr algn="ctr"/>
-                <a:endParaRPr lang="en-US" sz="1400" dirty="0"/>
-              </a:p>
-              <a:p>
-                <a:pPr algn="ctr"/>
-                <a:endParaRPr lang="en-US" sz="1400" dirty="0"/>
-              </a:p>
-              <a:p>
-                <a:pPr algn="ctr"/>
-                <a:endParaRPr lang="en-US" sz="1400" dirty="0"/>
-              </a:p>
-              <a:p>
-                <a:pPr algn="ctr"/>
-                <a:endParaRPr lang="en-US" sz="1400" dirty="0"/>
-              </a:p>
-              <a:p>
-                <a:pPr algn="ctr"/>
-                <a:endParaRPr lang="en-US" sz="1400" dirty="0"/>
-              </a:p>
-              <a:p>
-                <a:pPr algn="ctr"/>
-                <a:endParaRPr lang="en-US" sz="1400" dirty="0"/>
-              </a:p>
-              <a:p>
-                <a:pPr algn="ctr"/>
-                <a:endParaRPr lang="en-US" sz="1400" dirty="0"/>
-              </a:p>
-              <a:p>
-                <a:pPr algn="ctr"/>
-                <a:endParaRPr lang="en-US" sz="1400" dirty="0"/>
-              </a:p>
-              <a:p>
-                <a:pPr algn="ctr"/>
-                <a:endParaRPr lang="en-US" sz="1400" dirty="0"/>
-              </a:p>
-              <a:p>
-                <a:pPr algn="ctr"/>
-                <a:endParaRPr lang="en-US" sz="1400" dirty="0"/>
-              </a:p>
-            </p:txBody>
-          </p:sp>
-          <p:cxnSp>
-            <p:nvCxnSpPr>
-              <p:cNvPr id="25" name="Straight Connector 24">
-                <a:extLst>
-                  <a:ext uri="{FF2B5EF4-FFF2-40B4-BE49-F238E27FC236}">
-                    <a16:creationId xmlns:a16="http://schemas.microsoft.com/office/drawing/2014/main" id="{51BD4D11-679B-4A6F-895C-F4C38BF61A66}"/>
-                  </a:ext>
-                </a:extLst>
-              </p:cNvPr>
-              <p:cNvCxnSpPr>
-                <a:cxnSpLocks/>
-              </p:cNvCxnSpPr>
-              <p:nvPr/>
-            </p:nvCxnSpPr>
-            <p:spPr>
-              <a:xfrm>
-                <a:off x="2306595" y="4333103"/>
-                <a:ext cx="2753908" cy="0"/>
-              </a:xfrm>
-              <a:prstGeom prst="line">
-                <a:avLst/>
-              </a:prstGeom>
-            </p:spPr>
-            <p:style>
-              <a:lnRef idx="1">
-                <a:schemeClr val="accent1"/>
-              </a:lnRef>
-              <a:fillRef idx="0">
-                <a:schemeClr val="accent1"/>
-              </a:fillRef>
-              <a:effectRef idx="0">
-                <a:schemeClr val="accent1"/>
-              </a:effectRef>
-              <a:fontRef idx="minor">
-                <a:schemeClr val="tx1"/>
-              </a:fontRef>
-            </p:style>
-          </p:cxnSp>
-          <p:sp>
-            <p:nvSpPr>
-              <p:cNvPr id="31" name="Rectangle: Rounded Corners 30">
-                <a:extLst>
-                  <a:ext uri="{FF2B5EF4-FFF2-40B4-BE49-F238E27FC236}">
-                    <a16:creationId xmlns:a16="http://schemas.microsoft.com/office/drawing/2014/main" id="{E9AD048F-C951-46B8-A217-3A1AFA4CCA24}"/>
-                  </a:ext>
-                </a:extLst>
-              </p:cNvPr>
-              <p:cNvSpPr/>
-              <p:nvPr/>
-            </p:nvSpPr>
-            <p:spPr>
-              <a:xfrm>
-                <a:off x="2306595" y="4714109"/>
-                <a:ext cx="1367482" cy="1316179"/>
-              </a:xfrm>
-              <a:prstGeom prst="roundRect">
-                <a:avLst/>
-              </a:prstGeom>
-              <a:solidFill>
-                <a:schemeClr val="accent5">
-                  <a:lumMod val="75000"/>
-                </a:schemeClr>
-              </a:solidFill>
-              <a:ln>
-                <a:noFill/>
-              </a:ln>
-            </p:spPr>
-            <p:style>
-              <a:lnRef idx="2">
-                <a:schemeClr val="accent1">
-                  <a:shade val="50000"/>
-                </a:schemeClr>
-              </a:lnRef>
-              <a:fillRef idx="1">
-                <a:schemeClr val="accent1"/>
-              </a:fillRef>
-              <a:effectRef idx="0">
-                <a:schemeClr val="accent1"/>
-              </a:effectRef>
-              <a:fontRef idx="minor">
-                <a:schemeClr val="lt1"/>
-              </a:fontRef>
-            </p:style>
-            <p:txBody>
-              <a:bodyPr rtlCol="0" anchor="ctr"/>
-              <a:lstStyle/>
-              <a:p>
-                <a:pPr algn="ctr"/>
-                <a:r>
-                  <a:rPr lang="en-US" altLang="zh-CN" dirty="0"/>
-                  <a:t>Network</a:t>
-                </a:r>
-              </a:p>
-              <a:p>
-                <a:pPr algn="ctr"/>
-                <a:r>
-                  <a:rPr lang="en-US" altLang="zh-CN" dirty="0"/>
-                  <a:t>MAC</a:t>
-                </a:r>
-              </a:p>
-              <a:p>
-                <a:pPr algn="ctr"/>
-                <a:r>
-                  <a:rPr lang="en-US" altLang="zh-CN" dirty="0"/>
-                  <a:t>PHY</a:t>
-                </a:r>
-                <a:endParaRPr lang="en-US" dirty="0"/>
-              </a:p>
-            </p:txBody>
-          </p:sp>
-          <p:sp>
-            <p:nvSpPr>
-              <p:cNvPr id="36" name="TextBox 35">
-                <a:extLst>
-                  <a:ext uri="{FF2B5EF4-FFF2-40B4-BE49-F238E27FC236}">
-                    <a16:creationId xmlns:a16="http://schemas.microsoft.com/office/drawing/2014/main" id="{E1FBA7D8-DF3F-4256-9C5B-A1FC1782309A}"/>
-                  </a:ext>
-                </a:extLst>
-              </p:cNvPr>
-              <p:cNvSpPr txBox="1"/>
-              <p:nvPr/>
-            </p:nvSpPr>
-            <p:spPr>
-              <a:xfrm>
-                <a:off x="1511202" y="5111570"/>
-                <a:ext cx="757881" cy="276998"/>
-              </a:xfrm>
-              <a:prstGeom prst="rect">
-                <a:avLst/>
-              </a:prstGeom>
-              <a:noFill/>
-              <a:ln>
-                <a:noFill/>
-              </a:ln>
-            </p:spPr>
-            <p:txBody>
-              <a:bodyPr wrap="square" rtlCol="0" anchor="ctr">
-                <a:spAutoFit/>
-              </a:bodyPr>
-              <a:lstStyle/>
-              <a:p>
-                <a:pPr algn="ctr"/>
-                <a:r>
-                  <a:rPr lang="en-US" sz="1200" dirty="0"/>
-                  <a:t>EFR32</a:t>
-                </a:r>
-              </a:p>
-            </p:txBody>
-          </p:sp>
-          <p:sp>
-            <p:nvSpPr>
-              <p:cNvPr id="37" name="Rectangle: Rounded Corners 36">
-                <a:extLst>
-                  <a:ext uri="{FF2B5EF4-FFF2-40B4-BE49-F238E27FC236}">
-                    <a16:creationId xmlns:a16="http://schemas.microsoft.com/office/drawing/2014/main" id="{E11D302B-48AF-4F02-BECB-45736CBD29CD}"/>
-                  </a:ext>
-                </a:extLst>
-              </p:cNvPr>
-              <p:cNvSpPr/>
-              <p:nvPr/>
-            </p:nvSpPr>
-            <p:spPr>
-              <a:xfrm>
-                <a:off x="2195201" y="2930617"/>
-                <a:ext cx="1573609" cy="996765"/>
-              </a:xfrm>
-              <a:prstGeom prst="roundRect">
-                <a:avLst/>
-              </a:prstGeom>
-              <a:solidFill>
-                <a:schemeClr val="accent5"/>
-              </a:solidFill>
-              <a:ln>
-                <a:noFill/>
-              </a:ln>
-            </p:spPr>
-            <p:style>
-              <a:lnRef idx="2">
-                <a:schemeClr val="accent1">
-                  <a:shade val="50000"/>
-                </a:schemeClr>
-              </a:lnRef>
-              <a:fillRef idx="1">
-                <a:schemeClr val="accent1"/>
-              </a:fillRef>
-              <a:effectRef idx="0">
-                <a:schemeClr val="accent1"/>
-              </a:effectRef>
-              <a:fontRef idx="minor">
-                <a:schemeClr val="lt1"/>
-              </a:fontRef>
-            </p:style>
-            <p:txBody>
-              <a:bodyPr rtlCol="0" anchor="ctr"/>
-              <a:lstStyle/>
-              <a:p>
-                <a:pPr algn="ctr"/>
-                <a:r>
-                  <a:rPr lang="en-US" altLang="zh-CN" dirty="0">
-                    <a:solidFill>
-                      <a:schemeClr val="tx1"/>
-                    </a:solidFill>
-                  </a:rPr>
-                  <a:t>Zigbee Application</a:t>
-                </a:r>
-                <a:endParaRPr lang="en-US" dirty="0">
-                  <a:solidFill>
-                    <a:schemeClr val="tx1"/>
-                  </a:solidFill>
-                </a:endParaRPr>
-              </a:p>
-            </p:txBody>
-          </p:sp>
-          <p:sp>
-            <p:nvSpPr>
-              <p:cNvPr id="38" name="TextBox 37">
-                <a:extLst>
-                  <a:ext uri="{FF2B5EF4-FFF2-40B4-BE49-F238E27FC236}">
-                    <a16:creationId xmlns:a16="http://schemas.microsoft.com/office/drawing/2014/main" id="{0885912B-CAF7-4FAE-94A6-D327D02ABC26}"/>
-                  </a:ext>
-                </a:extLst>
-              </p:cNvPr>
-              <p:cNvSpPr txBox="1"/>
-              <p:nvPr/>
-            </p:nvSpPr>
-            <p:spPr>
-              <a:xfrm>
-                <a:off x="1437320" y="3223582"/>
-                <a:ext cx="757881" cy="394356"/>
-              </a:xfrm>
-              <a:prstGeom prst="rect">
-                <a:avLst/>
-              </a:prstGeom>
-              <a:noFill/>
-              <a:ln>
-                <a:noFill/>
-              </a:ln>
-            </p:spPr>
-            <p:txBody>
-              <a:bodyPr wrap="square" rtlCol="0" anchor="ctr">
-                <a:spAutoFit/>
-              </a:bodyPr>
-              <a:lstStyle/>
-              <a:p>
-                <a:pPr algn="ctr"/>
-                <a:r>
-                  <a:rPr lang="en-US" sz="1200" dirty="0"/>
-                  <a:t>Host</a:t>
-                </a:r>
-              </a:p>
-            </p:txBody>
-          </p:sp>
-        </p:grpSp>
-        <p:sp>
-          <p:nvSpPr>
-            <p:cNvPr id="20" name="Rectangle: Rounded Corners 19">
-              <a:extLst>
-                <a:ext uri="{FF2B5EF4-FFF2-40B4-BE49-F238E27FC236}">
-                  <a16:creationId xmlns:a16="http://schemas.microsoft.com/office/drawing/2014/main" id="{B69FFB37-9399-4627-92FF-BB35ACA3FC34}"/>
-                </a:ext>
-              </a:extLst>
-            </p:cNvPr>
-            <p:cNvSpPr/>
-            <p:nvPr/>
-          </p:nvSpPr>
-          <p:spPr>
-            <a:xfrm>
-              <a:off x="2891447" y="3730399"/>
-              <a:ext cx="1343596" cy="700136"/>
-            </a:xfrm>
-            <a:prstGeom prst="roundRect">
-              <a:avLst/>
-            </a:prstGeom>
-            <a:solidFill>
-              <a:schemeClr val="accent5"/>
-            </a:solidFill>
-            <a:ln>
-              <a:noFill/>
-            </a:ln>
-          </p:spPr>
-          <p:style>
-            <a:lnRef idx="2">
-              <a:schemeClr val="accent1">
-                <a:shade val="50000"/>
-              </a:schemeClr>
-            </a:lnRef>
-            <a:fillRef idx="1">
-              <a:schemeClr val="accent1"/>
-            </a:fillRef>
-            <a:effectRef idx="0">
-              <a:schemeClr val="accent1"/>
-            </a:effectRef>
-            <a:fontRef idx="minor">
-              <a:schemeClr val="lt1"/>
-            </a:fontRef>
-          </p:style>
-          <p:txBody>
-            <a:bodyPr rtlCol="0" anchor="ctr"/>
-            <a:lstStyle/>
-            <a:p>
-              <a:pPr algn="ctr"/>
-              <a:r>
-                <a:rPr lang="en-US" altLang="zh-CN" dirty="0">
-                  <a:solidFill>
-                    <a:schemeClr val="tx1"/>
-                  </a:solidFill>
-                </a:rPr>
-                <a:t>MQTT</a:t>
-              </a:r>
-            </a:p>
-            <a:p>
-              <a:pPr algn="ctr"/>
-              <a:r>
-                <a:rPr lang="en-US" dirty="0">
-                  <a:solidFill>
-                    <a:schemeClr val="tx1"/>
-                  </a:solidFill>
-                </a:rPr>
-                <a:t>Client</a:t>
-              </a:r>
-            </a:p>
-          </p:txBody>
-        </p:sp>
-        <p:cxnSp>
-          <p:nvCxnSpPr>
-            <p:cNvPr id="21" name="Straight Arrow Connector 20">
-              <a:extLst>
-                <a:ext uri="{FF2B5EF4-FFF2-40B4-BE49-F238E27FC236}">
-                  <a16:creationId xmlns:a16="http://schemas.microsoft.com/office/drawing/2014/main" id="{6EEDBCFE-5D09-4415-BC7F-84AF063519DD}"/>
-                </a:ext>
-              </a:extLst>
-            </p:cNvPr>
-            <p:cNvCxnSpPr>
-              <a:cxnSpLocks/>
-              <a:stCxn id="37" idx="2"/>
-              <a:endCxn id="31" idx="0"/>
-            </p:cNvCxnSpPr>
-            <p:nvPr/>
-          </p:nvCxnSpPr>
-          <p:spPr>
-            <a:xfrm>
-              <a:off x="2017122" y="4430535"/>
-              <a:ext cx="8184" cy="552604"/>
-            </a:xfrm>
-            <a:prstGeom prst="straightConnector1">
-              <a:avLst/>
-            </a:prstGeom>
-            <a:ln>
-              <a:headEnd type="triangle"/>
-              <a:tailEnd type="triangle"/>
-            </a:ln>
-          </p:spPr>
-          <p:style>
-            <a:lnRef idx="1">
-              <a:schemeClr val="accent1"/>
-            </a:lnRef>
-            <a:fillRef idx="0">
-              <a:schemeClr val="accent1"/>
-            </a:fillRef>
-            <a:effectRef idx="0">
-              <a:schemeClr val="accent1"/>
-            </a:effectRef>
-            <a:fontRef idx="minor">
-              <a:schemeClr val="tx1"/>
-            </a:fontRef>
-          </p:style>
-        </p:cxnSp>
-        <p:sp>
-          <p:nvSpPr>
-            <p:cNvPr id="22" name="TextBox 21">
-              <a:extLst>
-                <a:ext uri="{FF2B5EF4-FFF2-40B4-BE49-F238E27FC236}">
-                  <a16:creationId xmlns:a16="http://schemas.microsoft.com/office/drawing/2014/main" id="{E68BD774-0964-49DB-A6E9-A1BFF5D99B06}"/>
-                </a:ext>
-              </a:extLst>
-            </p:cNvPr>
-            <p:cNvSpPr txBox="1"/>
-            <p:nvPr/>
-          </p:nvSpPr>
-          <p:spPr>
-            <a:xfrm>
-              <a:off x="1616140" y="4615783"/>
-              <a:ext cx="801964" cy="276999"/>
-            </a:xfrm>
-            <a:prstGeom prst="rect">
-              <a:avLst/>
-            </a:prstGeom>
-            <a:noFill/>
-            <a:ln>
-              <a:noFill/>
-            </a:ln>
-          </p:spPr>
-          <p:txBody>
-            <a:bodyPr wrap="square" rtlCol="0" anchor="ctr">
-              <a:spAutoFit/>
-            </a:bodyPr>
-            <a:lstStyle/>
-            <a:p>
-              <a:pPr algn="ctr"/>
-              <a:r>
-                <a:rPr lang="en-US" sz="1200" dirty="0"/>
-                <a:t>UART/SPI</a:t>
-              </a:r>
-            </a:p>
-          </p:txBody>
-        </p:sp>
-      </p:grpSp>
-      <p:sp>
-        <p:nvSpPr>
-          <p:cNvPr id="41" name="Rectangle: Rounded Corners 40">
-            <a:extLst>
-              <a:ext uri="{FF2B5EF4-FFF2-40B4-BE49-F238E27FC236}">
-                <a16:creationId xmlns:a16="http://schemas.microsoft.com/office/drawing/2014/main" id="{59EE5759-8F0C-4D8C-B6ED-2D39975D076A}"/>
-              </a:ext>
-            </a:extLst>
-          </p:cNvPr>
-          <p:cNvSpPr/>
-          <p:nvPr/>
-        </p:nvSpPr>
-        <p:spPr>
-          <a:xfrm>
-            <a:off x="10274210" y="4034578"/>
-            <a:ext cx="1191296" cy="552604"/>
-          </a:xfrm>
-          <a:prstGeom prst="roundRect">
-            <a:avLst/>
-          </a:prstGeom>
-          <a:solidFill>
-            <a:schemeClr val="tx2">
-              <a:lumMod val="40000"/>
-              <a:lumOff val="60000"/>
-            </a:schemeClr>
-          </a:solidFill>
-          <a:ln>
-            <a:noFill/>
-          </a:ln>
-        </p:spPr>
-        <p:style>
-          <a:lnRef idx="2">
-            <a:schemeClr val="accent1">
-              <a:shade val="50000"/>
-            </a:schemeClr>
-          </a:lnRef>
-          <a:fillRef idx="1">
-            <a:schemeClr val="accent1"/>
-          </a:fillRef>
-          <a:effectRef idx="0">
-            <a:schemeClr val="accent1"/>
-          </a:effectRef>
-          <a:fontRef idx="minor">
-            <a:schemeClr val="lt1"/>
-          </a:fontRef>
-        </p:style>
-        <p:txBody>
-          <a:bodyPr rtlCol="0" anchor="ctr"/>
-          <a:lstStyle/>
-          <a:p>
-            <a:pPr algn="ctr"/>
-            <a:r>
-              <a:rPr lang="en-US" dirty="0">
-                <a:solidFill>
-                  <a:schemeClr val="tx1"/>
-                </a:solidFill>
-              </a:rPr>
-              <a:t>OTA Client</a:t>
-            </a:r>
-          </a:p>
-        </p:txBody>
-      </p:sp>
-      <p:cxnSp>
-        <p:nvCxnSpPr>
-          <p:cNvPr id="45" name="Straight Arrow Connector 44">
-            <a:extLst>
-              <a:ext uri="{FF2B5EF4-FFF2-40B4-BE49-F238E27FC236}">
-                <a16:creationId xmlns:a16="http://schemas.microsoft.com/office/drawing/2014/main" id="{964878C0-66CD-4290-9487-FBDDC042D40E}"/>
-              </a:ext>
-            </a:extLst>
-          </p:cNvPr>
-          <p:cNvCxnSpPr>
-            <a:endCxn id="20" idx="1"/>
-          </p:cNvCxnSpPr>
-          <p:nvPr/>
-        </p:nvCxnSpPr>
-        <p:spPr>
-          <a:xfrm>
-            <a:off x="2907813" y="3631276"/>
-            <a:ext cx="101264" cy="5789"/>
-          </a:xfrm>
-          <a:prstGeom prst="straightConnector1">
-            <a:avLst/>
-          </a:prstGeom>
-          <a:ln>
-            <a:headEnd type="triangle"/>
-            <a:tailEnd type="triangle"/>
-          </a:ln>
-        </p:spPr>
-        <p:style>
-          <a:lnRef idx="1">
-            <a:schemeClr val="accent1"/>
-          </a:lnRef>
-          <a:fillRef idx="0">
-            <a:schemeClr val="accent1"/>
-          </a:fillRef>
-          <a:effectRef idx="0">
-            <a:schemeClr val="accent1"/>
-          </a:effectRef>
-          <a:fontRef idx="minor">
-            <a:schemeClr val="tx1"/>
-          </a:fontRef>
-        </p:style>
-      </p:cxnSp>
-      <p:sp>
-        <p:nvSpPr>
-          <p:cNvPr id="51" name="TextBox 50">
-            <a:extLst>
-              <a:ext uri="{FF2B5EF4-FFF2-40B4-BE49-F238E27FC236}">
-                <a16:creationId xmlns:a16="http://schemas.microsoft.com/office/drawing/2014/main" id="{70BEBE24-C0FE-414E-8500-0E0256FFB8A3}"/>
+                <a16:creationId xmlns:a16="http://schemas.microsoft.com/office/drawing/2014/main" id="{D225D2AD-4CE4-40EE-8A1C-7E906BC779D8}"/>
               </a:ext>
             </a:extLst>
           </p:cNvPr>
@@ -23328,8 +25544,8 @@
         </p:nvSpPr>
         <p:spPr>
           <a:xfrm>
-            <a:off x="3203683" y="1572274"/>
-            <a:ext cx="2718175" cy="369332"/>
+            <a:off x="679800" y="1351909"/>
+            <a:ext cx="10832399" cy="2308324"/>
           </a:xfrm>
           <a:prstGeom prst="rect">
             <a:avLst/>
@@ -23345,726 +25561,95 @@
           </a:bodyPr>
           <a:lstStyle/>
           <a:p>
-            <a:pPr algn="ctr"/>
-            <a:r>
-              <a:rPr lang="en-US" dirty="0">
+            <a:pPr marL="171450" indent="-171450">
+              <a:buFont typeface="Arial" panose="020B0604020202020204" pitchFamily="34" charset="0"/>
+              <a:buChar char="•"/>
+            </a:pPr>
+            <a:r>
+              <a:rPr lang="en-US" sz="2400" b="1" dirty="0">
                 <a:solidFill>
-                  <a:schemeClr val="accent5"/>
+                  <a:schemeClr val="tx2"/>
                 </a:solidFill>
               </a:rPr>
-              <a:t>Z3GatewayHost.exe</a:t>
-            </a:r>
-          </a:p>
-        </p:txBody>
-      </p:sp>
-      <p:cxnSp>
-        <p:nvCxnSpPr>
-          <p:cNvPr id="52" name="Straight Arrow Connector 51">
-            <a:extLst>
-              <a:ext uri="{FF2B5EF4-FFF2-40B4-BE49-F238E27FC236}">
-                <a16:creationId xmlns:a16="http://schemas.microsoft.com/office/drawing/2014/main" id="{BF689767-FA29-4576-939D-9E8A7E5D81A9}"/>
-              </a:ext>
-            </a:extLst>
-          </p:cNvPr>
-          <p:cNvCxnSpPr>
-            <a:cxnSpLocks/>
-            <a:stCxn id="37" idx="0"/>
-          </p:cNvCxnSpPr>
-          <p:nvPr/>
-        </p:nvCxnSpPr>
-        <p:spPr>
-          <a:xfrm flipV="1">
-            <a:off x="2134752" y="1954336"/>
-            <a:ext cx="1970824" cy="1332661"/>
-          </a:xfrm>
-          <a:prstGeom prst="straightConnector1">
-            <a:avLst/>
-          </a:prstGeom>
-          <a:ln>
-            <a:tailEnd type="triangle"/>
-          </a:ln>
-        </p:spPr>
-        <p:style>
-          <a:lnRef idx="1">
-            <a:schemeClr val="accent1"/>
-          </a:lnRef>
-          <a:fillRef idx="0">
-            <a:schemeClr val="accent1"/>
-          </a:fillRef>
-          <a:effectRef idx="0">
-            <a:schemeClr val="accent1"/>
-          </a:effectRef>
-          <a:fontRef idx="minor">
-            <a:schemeClr val="tx1"/>
-          </a:fontRef>
-        </p:style>
-      </p:cxnSp>
-      <p:cxnSp>
-        <p:nvCxnSpPr>
-          <p:cNvPr id="53" name="Straight Arrow Connector 52">
-            <a:extLst>
-              <a:ext uri="{FF2B5EF4-FFF2-40B4-BE49-F238E27FC236}">
-                <a16:creationId xmlns:a16="http://schemas.microsoft.com/office/drawing/2014/main" id="{8D798324-1AC5-4808-B8D1-E696BFDDAF3A}"/>
-              </a:ext>
-            </a:extLst>
-          </p:cNvPr>
-          <p:cNvCxnSpPr>
-            <a:cxnSpLocks/>
-          </p:cNvCxnSpPr>
-          <p:nvPr/>
-        </p:nvCxnSpPr>
-        <p:spPr>
-          <a:xfrm flipV="1">
-            <a:off x="3680875" y="1907318"/>
-            <a:ext cx="496069" cy="1379680"/>
-          </a:xfrm>
-          <a:prstGeom prst="straightConnector1">
-            <a:avLst/>
-          </a:prstGeom>
-          <a:ln>
-            <a:tailEnd type="triangle"/>
-          </a:ln>
-        </p:spPr>
-        <p:style>
-          <a:lnRef idx="1">
-            <a:schemeClr val="accent1"/>
-          </a:lnRef>
-          <a:fillRef idx="0">
-            <a:schemeClr val="accent1"/>
-          </a:fillRef>
-          <a:effectRef idx="0">
-            <a:schemeClr val="accent1"/>
-          </a:effectRef>
-          <a:fontRef idx="minor">
-            <a:schemeClr val="tx1"/>
-          </a:fontRef>
-        </p:style>
-      </p:cxnSp>
-      <p:sp>
-        <p:nvSpPr>
-          <p:cNvPr id="57" name="TextBox 56">
-            <a:extLst>
-              <a:ext uri="{FF2B5EF4-FFF2-40B4-BE49-F238E27FC236}">
-                <a16:creationId xmlns:a16="http://schemas.microsoft.com/office/drawing/2014/main" id="{FA4A0790-2958-4250-A474-8649035830D1}"/>
-              </a:ext>
-            </a:extLst>
-          </p:cNvPr>
-          <p:cNvSpPr txBox="1"/>
-          <p:nvPr/>
-        </p:nvSpPr>
-        <p:spPr>
-          <a:xfrm>
-            <a:off x="1530423" y="2861238"/>
-            <a:ext cx="952689" cy="276999"/>
-          </a:xfrm>
-          <a:prstGeom prst="rect">
-            <a:avLst/>
-          </a:prstGeom>
-          <a:solidFill>
-            <a:schemeClr val="accent1">
-              <a:lumMod val="40000"/>
-              <a:lumOff val="60000"/>
-            </a:schemeClr>
-          </a:solidFill>
-          <a:ln>
-            <a:noFill/>
-          </a:ln>
-        </p:spPr>
-        <p:txBody>
-          <a:bodyPr wrap="square" rtlCol="0" anchor="ctr">
-            <a:spAutoFit/>
-          </a:bodyPr>
-          <a:lstStyle/>
-          <a:p>
-            <a:pPr algn="ctr"/>
-            <a:r>
-              <a:rPr lang="en-US" sz="1200" dirty="0"/>
-              <a:t>New image</a:t>
-            </a:r>
-          </a:p>
-        </p:txBody>
-      </p:sp>
-      <p:sp>
-        <p:nvSpPr>
-          <p:cNvPr id="58" name="TextBox 57">
-            <a:extLst>
-              <a:ext uri="{FF2B5EF4-FFF2-40B4-BE49-F238E27FC236}">
-                <a16:creationId xmlns:a16="http://schemas.microsoft.com/office/drawing/2014/main" id="{23CC0298-33F3-457B-891D-949B9F5BE2DE}"/>
-              </a:ext>
-            </a:extLst>
-          </p:cNvPr>
-          <p:cNvSpPr txBox="1"/>
-          <p:nvPr/>
-        </p:nvSpPr>
-        <p:spPr>
-          <a:xfrm>
-            <a:off x="2781265" y="5526590"/>
-            <a:ext cx="3563012" cy="646331"/>
-          </a:xfrm>
-          <a:prstGeom prst="rect">
-            <a:avLst/>
-          </a:prstGeom>
-          <a:noFill/>
-          <a:ln>
-            <a:noFill/>
-          </a:ln>
-        </p:spPr>
-        <p:txBody>
-          <a:bodyPr wrap="square" rtlCol="0" anchor="ctr">
-            <a:spAutoFit/>
-          </a:bodyPr>
-          <a:lstStyle/>
-          <a:p>
-            <a:pPr algn="ctr"/>
-            <a:r>
-              <a:rPr lang="en-US" dirty="0">
+              <a:t>IOS</a:t>
+            </a:r>
+          </a:p>
+          <a:p>
+            <a:pPr marL="628650" lvl="1" indent="-171450">
+              <a:buFont typeface="Arial" panose="020B0604020202020204" pitchFamily="34" charset="0"/>
+              <a:buChar char="•"/>
+            </a:pPr>
+            <a:r>
+              <a:rPr lang="en-US" sz="2400" dirty="0">
+                <a:hlinkClick r:id="rId3"/>
+              </a:rPr>
+              <a:t>https://github.com/mqtt/mqtt.github.io/wiki/mqtt_on_ios</a:t>
+            </a:r>
+            <a:endParaRPr lang="en-US" sz="2400" b="1" dirty="0">
+              <a:solidFill>
+                <a:schemeClr val="tx2"/>
+              </a:solidFill>
+            </a:endParaRPr>
+          </a:p>
+          <a:p>
+            <a:pPr marL="171450" indent="-171450">
+              <a:buFont typeface="Arial" panose="020B0604020202020204" pitchFamily="34" charset="0"/>
+              <a:buChar char="•"/>
+            </a:pPr>
+            <a:endParaRPr lang="en-US" sz="2400" b="1" dirty="0">
+              <a:solidFill>
+                <a:schemeClr val="tx2"/>
+              </a:solidFill>
+            </a:endParaRPr>
+          </a:p>
+          <a:p>
+            <a:pPr marL="171450" indent="-171450">
+              <a:buFont typeface="Arial" panose="020B0604020202020204" pitchFamily="34" charset="0"/>
+              <a:buChar char="•"/>
+            </a:pPr>
+            <a:endParaRPr lang="en-US" sz="2400" b="1" dirty="0">
+              <a:solidFill>
+                <a:schemeClr val="tx2"/>
+              </a:solidFill>
+            </a:endParaRPr>
+          </a:p>
+          <a:p>
+            <a:pPr marL="171450" indent="-171450">
+              <a:buFont typeface="Arial" panose="020B0604020202020204" pitchFamily="34" charset="0"/>
+              <a:buChar char="•"/>
+            </a:pPr>
+            <a:r>
+              <a:rPr lang="en-US" sz="2400" b="1" dirty="0">
                 <a:solidFill>
-                  <a:schemeClr val="accent5">
-                    <a:lumMod val="50000"/>
-                  </a:schemeClr>
+                  <a:schemeClr val="tx2"/>
                 </a:solidFill>
               </a:rPr>
-              <a:t>ncp.s37</a:t>
-            </a:r>
-          </a:p>
-          <a:p>
-            <a:pPr algn="ctr"/>
-            <a:r>
-              <a:rPr lang="en-US" dirty="0">
-                <a:solidFill>
-                  <a:schemeClr val="accent5">
-                    <a:lumMod val="50000"/>
-                  </a:schemeClr>
-                </a:solidFill>
+              <a:t>Android</a:t>
+            </a:r>
+          </a:p>
+          <a:p>
+            <a:pPr marL="628650" lvl="1" indent="-171450">
+              <a:buFont typeface="Arial" panose="020B0604020202020204" pitchFamily="34" charset="0"/>
+              <a:buChar char="•"/>
+            </a:pPr>
+            <a:r>
+              <a:rPr lang="en-US" sz="2400" dirty="0">
+                <a:hlinkClick r:id="rId4"/>
               </a:rPr>
-              <a:t>bootloader-xmodem-uart.s37</a:t>
-            </a:r>
-          </a:p>
-        </p:txBody>
-      </p:sp>
-      <p:cxnSp>
-        <p:nvCxnSpPr>
-          <p:cNvPr id="4" name="Straight Arrow Connector 3">
-            <a:extLst>
-              <a:ext uri="{FF2B5EF4-FFF2-40B4-BE49-F238E27FC236}">
-                <a16:creationId xmlns:a16="http://schemas.microsoft.com/office/drawing/2014/main" id="{C793E487-259E-4C19-AB81-7283BC5C204B}"/>
-              </a:ext>
-            </a:extLst>
-          </p:cNvPr>
-          <p:cNvCxnSpPr>
-            <a:stCxn id="24" idx="2"/>
-          </p:cNvCxnSpPr>
-          <p:nvPr/>
-        </p:nvCxnSpPr>
-        <p:spPr>
-          <a:xfrm>
-            <a:off x="2589909" y="5539320"/>
-            <a:ext cx="1447835" cy="310435"/>
-          </a:xfrm>
-          <a:prstGeom prst="straightConnector1">
-            <a:avLst/>
-          </a:prstGeom>
-          <a:ln>
-            <a:tailEnd type="triangle"/>
-          </a:ln>
-        </p:spPr>
-        <p:style>
-          <a:lnRef idx="1">
-            <a:schemeClr val="accent1"/>
-          </a:lnRef>
-          <a:fillRef idx="0">
-            <a:schemeClr val="accent1"/>
-          </a:fillRef>
-          <a:effectRef idx="0">
-            <a:schemeClr val="accent1"/>
-          </a:effectRef>
-          <a:fontRef idx="minor">
-            <a:schemeClr val="tx1"/>
-          </a:fontRef>
-        </p:style>
-      </p:cxnSp>
-      <p:sp>
-        <p:nvSpPr>
-          <p:cNvPr id="59" name="TextBox 58">
-            <a:extLst>
-              <a:ext uri="{FF2B5EF4-FFF2-40B4-BE49-F238E27FC236}">
-                <a16:creationId xmlns:a16="http://schemas.microsoft.com/office/drawing/2014/main" id="{1C5BBB00-59A4-41C6-98CC-B84691BF0880}"/>
-              </a:ext>
-            </a:extLst>
-          </p:cNvPr>
-          <p:cNvSpPr txBox="1"/>
-          <p:nvPr/>
-        </p:nvSpPr>
-        <p:spPr>
-          <a:xfrm>
-            <a:off x="852755" y="1526108"/>
-            <a:ext cx="2537717" cy="461665"/>
-          </a:xfrm>
-          <a:prstGeom prst="rect">
-            <a:avLst/>
-          </a:prstGeom>
-          <a:noFill/>
-          <a:ln>
-            <a:noFill/>
-          </a:ln>
-        </p:spPr>
-        <p:txBody>
-          <a:bodyPr wrap="square" rtlCol="0" anchor="ctr">
-            <a:spAutoFit/>
-          </a:bodyPr>
-          <a:lstStyle/>
-          <a:p>
-            <a:pPr algn="ctr"/>
-            <a:r>
-              <a:rPr lang="en-US" sz="1200" dirty="0">
-                <a:solidFill>
-                  <a:srgbClr val="0086D9"/>
-                </a:solidFill>
-              </a:rPr>
-              <a:t>V200 </a:t>
-            </a:r>
-          </a:p>
-          <a:p>
-            <a:pPr algn="ctr"/>
-            <a:r>
-              <a:rPr lang="en-US" sz="1200" dirty="0">
-                <a:solidFill>
-                  <a:srgbClr val="0086D9"/>
-                </a:solidFill>
-              </a:rPr>
-              <a:t>Build/exe/</a:t>
-            </a:r>
-            <a:r>
-              <a:rPr lang="en-US" sz="1200" dirty="0" err="1">
-                <a:solidFill>
-                  <a:srgbClr val="0086D9"/>
-                </a:solidFill>
-              </a:rPr>
-              <a:t>ota</a:t>
-            </a:r>
-            <a:r>
-              <a:rPr lang="en-US" sz="1200" dirty="0">
-                <a:solidFill>
-                  <a:srgbClr val="0086D9"/>
-                </a:solidFill>
-              </a:rPr>
-              <a:t>-files/</a:t>
-            </a:r>
-            <a:r>
-              <a:rPr lang="en-US" sz="1200" dirty="0" err="1">
-                <a:solidFill>
-                  <a:srgbClr val="0086D9"/>
-                </a:solidFill>
-              </a:rPr>
-              <a:t>Client.ota</a:t>
-            </a:r>
-            <a:endParaRPr lang="en-US" sz="1200" dirty="0">
+              <a:t>https://github.com/mqtt/mqtt.github.io/wiki/mqtt_on_the_android_platform</a:t>
+            </a:r>
+            <a:endParaRPr lang="en-US" sz="2400" b="1" dirty="0">
               <a:solidFill>
-                <a:srgbClr val="0086D9"/>
+                <a:schemeClr val="tx2"/>
               </a:solidFill>
             </a:endParaRPr>
-          </a:p>
-        </p:txBody>
-      </p:sp>
-      <p:cxnSp>
-        <p:nvCxnSpPr>
-          <p:cNvPr id="7" name="Straight Arrow Connector 6">
-            <a:extLst>
-              <a:ext uri="{FF2B5EF4-FFF2-40B4-BE49-F238E27FC236}">
-                <a16:creationId xmlns:a16="http://schemas.microsoft.com/office/drawing/2014/main" id="{98E599E6-A51F-456A-8F9A-B07C2339AD26}"/>
-              </a:ext>
-            </a:extLst>
-          </p:cNvPr>
-          <p:cNvCxnSpPr>
-            <a:cxnSpLocks/>
-            <a:endCxn id="59" idx="2"/>
-          </p:cNvCxnSpPr>
-          <p:nvPr/>
-        </p:nvCxnSpPr>
-        <p:spPr>
-          <a:xfrm flipV="1">
-            <a:off x="1976348" y="1987773"/>
-            <a:ext cx="145266" cy="873468"/>
-          </a:xfrm>
-          <a:prstGeom prst="straightConnector1">
-            <a:avLst/>
-          </a:prstGeom>
-          <a:ln>
-            <a:tailEnd type="triangle"/>
-          </a:ln>
-        </p:spPr>
-        <p:style>
-          <a:lnRef idx="1">
-            <a:schemeClr val="accent1"/>
-          </a:lnRef>
-          <a:fillRef idx="0">
-            <a:schemeClr val="accent1"/>
-          </a:fillRef>
-          <a:effectRef idx="0">
-            <a:schemeClr val="accent1"/>
-          </a:effectRef>
-          <a:fontRef idx="minor">
-            <a:schemeClr val="tx1"/>
-          </a:fontRef>
-        </p:style>
-      </p:cxnSp>
-      <p:sp>
-        <p:nvSpPr>
-          <p:cNvPr id="60" name="Rectangle: Rounded Corners 59">
-            <a:extLst>
-              <a:ext uri="{FF2B5EF4-FFF2-40B4-BE49-F238E27FC236}">
-                <a16:creationId xmlns:a16="http://schemas.microsoft.com/office/drawing/2014/main" id="{82283705-9225-4F51-AE9A-8BB1EFC2D94F}"/>
-              </a:ext>
-            </a:extLst>
-          </p:cNvPr>
-          <p:cNvSpPr/>
-          <p:nvPr/>
-        </p:nvSpPr>
-        <p:spPr>
-          <a:xfrm>
-            <a:off x="10258578" y="3286997"/>
-            <a:ext cx="1191296" cy="552604"/>
-          </a:xfrm>
-          <a:prstGeom prst="roundRect">
-            <a:avLst/>
-          </a:prstGeom>
-          <a:solidFill>
-            <a:schemeClr val="tx2">
-              <a:lumMod val="40000"/>
-              <a:lumOff val="60000"/>
-            </a:schemeClr>
-          </a:solidFill>
-          <a:ln>
-            <a:noFill/>
-          </a:ln>
-        </p:spPr>
-        <p:style>
-          <a:lnRef idx="2">
-            <a:schemeClr val="accent1">
-              <a:shade val="50000"/>
-            </a:schemeClr>
-          </a:lnRef>
-          <a:fillRef idx="1">
-            <a:schemeClr val="accent1"/>
-          </a:fillRef>
-          <a:effectRef idx="0">
-            <a:schemeClr val="accent1"/>
-          </a:effectRef>
-          <a:fontRef idx="minor">
-            <a:schemeClr val="lt1"/>
-          </a:fontRef>
-        </p:style>
-        <p:txBody>
-          <a:bodyPr rtlCol="0" anchor="ctr"/>
-          <a:lstStyle/>
-          <a:p>
-            <a:pPr algn="ctr"/>
-            <a:r>
-              <a:rPr lang="en-US" dirty="0">
-                <a:solidFill>
-                  <a:schemeClr val="tx1"/>
-                </a:solidFill>
-              </a:rPr>
-              <a:t>SPI Flash</a:t>
-            </a:r>
-          </a:p>
-        </p:txBody>
-      </p:sp>
-      <p:cxnSp>
-        <p:nvCxnSpPr>
-          <p:cNvPr id="62" name="Straight Arrow Connector 61">
-            <a:extLst>
-              <a:ext uri="{FF2B5EF4-FFF2-40B4-BE49-F238E27FC236}">
-                <a16:creationId xmlns:a16="http://schemas.microsoft.com/office/drawing/2014/main" id="{727D88AE-A00E-4B9D-AF36-1A4602FF2045}"/>
-              </a:ext>
-            </a:extLst>
-          </p:cNvPr>
-          <p:cNvCxnSpPr>
-            <a:stCxn id="60" idx="2"/>
-            <a:endCxn id="41" idx="0"/>
-          </p:cNvCxnSpPr>
-          <p:nvPr/>
-        </p:nvCxnSpPr>
-        <p:spPr>
-          <a:xfrm>
-            <a:off x="10854226" y="3839601"/>
-            <a:ext cx="15632" cy="194977"/>
-          </a:xfrm>
-          <a:prstGeom prst="straightConnector1">
-            <a:avLst/>
-          </a:prstGeom>
-          <a:ln>
-            <a:headEnd type="triangle"/>
-            <a:tailEnd type="triangle"/>
-          </a:ln>
-        </p:spPr>
-        <p:style>
-          <a:lnRef idx="1">
-            <a:schemeClr val="accent1"/>
-          </a:lnRef>
-          <a:fillRef idx="0">
-            <a:schemeClr val="accent1"/>
-          </a:fillRef>
-          <a:effectRef idx="0">
-            <a:schemeClr val="accent1"/>
-          </a:effectRef>
-          <a:fontRef idx="minor">
-            <a:schemeClr val="tx1"/>
-          </a:fontRef>
-        </p:style>
-      </p:cxnSp>
-      <p:pic>
-        <p:nvPicPr>
-          <p:cNvPr id="64" name="Picture 63">
-            <a:extLst>
-              <a:ext uri="{FF2B5EF4-FFF2-40B4-BE49-F238E27FC236}">
-                <a16:creationId xmlns:a16="http://schemas.microsoft.com/office/drawing/2014/main" id="{812FBD64-3BE5-4288-A861-840CE85832DB}"/>
-              </a:ext>
-            </a:extLst>
-          </p:cNvPr>
-          <p:cNvPicPr>
-            <a:picLocks noChangeAspect="1"/>
-          </p:cNvPicPr>
-          <p:nvPr/>
-        </p:nvPicPr>
-        <p:blipFill>
-          <a:blip r:embed="rId3"/>
-          <a:stretch>
-            <a:fillRect/>
-          </a:stretch>
-        </p:blipFill>
-        <p:spPr>
-          <a:xfrm>
-            <a:off x="6279398" y="1092207"/>
-            <a:ext cx="1735660" cy="4229695"/>
-          </a:xfrm>
-          <a:prstGeom prst="rect">
-            <a:avLst/>
-          </a:prstGeom>
-        </p:spPr>
-      </p:pic>
-      <p:cxnSp>
-        <p:nvCxnSpPr>
-          <p:cNvPr id="66" name="Straight Arrow Connector 65">
-            <a:extLst>
-              <a:ext uri="{FF2B5EF4-FFF2-40B4-BE49-F238E27FC236}">
-                <a16:creationId xmlns:a16="http://schemas.microsoft.com/office/drawing/2014/main" id="{B6E8CBCE-0AD0-4404-A23A-33000CA2A412}"/>
-              </a:ext>
-            </a:extLst>
-          </p:cNvPr>
-          <p:cNvCxnSpPr>
-            <a:cxnSpLocks/>
-            <a:endCxn id="60" idx="1"/>
-          </p:cNvCxnSpPr>
-          <p:nvPr/>
-        </p:nvCxnSpPr>
-        <p:spPr>
-          <a:xfrm>
-            <a:off x="8015058" y="2443636"/>
-            <a:ext cx="2243520" cy="1119663"/>
-          </a:xfrm>
-          <a:prstGeom prst="straightConnector1">
-            <a:avLst/>
-          </a:prstGeom>
-          <a:ln>
-            <a:tailEnd type="triangle"/>
-          </a:ln>
-        </p:spPr>
-        <p:style>
-          <a:lnRef idx="1">
-            <a:schemeClr val="accent1"/>
-          </a:lnRef>
-          <a:fillRef idx="0">
-            <a:schemeClr val="accent1"/>
-          </a:fillRef>
-          <a:effectRef idx="0">
-            <a:schemeClr val="accent1"/>
-          </a:effectRef>
-          <a:fontRef idx="minor">
-            <a:schemeClr val="tx1"/>
-          </a:fontRef>
-        </p:style>
-      </p:cxnSp>
-      <p:cxnSp>
-        <p:nvCxnSpPr>
-          <p:cNvPr id="68" name="Straight Arrow Connector 67">
-            <a:extLst>
-              <a:ext uri="{FF2B5EF4-FFF2-40B4-BE49-F238E27FC236}">
-                <a16:creationId xmlns:a16="http://schemas.microsoft.com/office/drawing/2014/main" id="{5445B262-A638-460C-B45D-094C5EFDFA90}"/>
-              </a:ext>
-            </a:extLst>
-          </p:cNvPr>
-          <p:cNvCxnSpPr>
-            <a:cxnSpLocks/>
-            <a:endCxn id="60" idx="1"/>
-          </p:cNvCxnSpPr>
-          <p:nvPr/>
-        </p:nvCxnSpPr>
-        <p:spPr>
-          <a:xfrm flipV="1">
-            <a:off x="7997256" y="3563299"/>
-            <a:ext cx="2261322" cy="171106"/>
-          </a:xfrm>
-          <a:prstGeom prst="straightConnector1">
-            <a:avLst/>
-          </a:prstGeom>
-          <a:ln>
-            <a:tailEnd type="triangle"/>
-          </a:ln>
-        </p:spPr>
-        <p:style>
-          <a:lnRef idx="1">
-            <a:schemeClr val="accent1"/>
-          </a:lnRef>
-          <a:fillRef idx="0">
-            <a:schemeClr val="accent1"/>
-          </a:fillRef>
-          <a:effectRef idx="0">
-            <a:schemeClr val="accent1"/>
-          </a:effectRef>
-          <a:fontRef idx="minor">
-            <a:schemeClr val="tx1"/>
-          </a:fontRef>
-        </p:style>
-      </p:cxnSp>
-      <p:sp>
-        <p:nvSpPr>
-          <p:cNvPr id="73" name="TextBox 72">
-            <a:extLst>
-              <a:ext uri="{FF2B5EF4-FFF2-40B4-BE49-F238E27FC236}">
-                <a16:creationId xmlns:a16="http://schemas.microsoft.com/office/drawing/2014/main" id="{8186DFEE-189A-4836-A326-38B070FE0C34}"/>
-              </a:ext>
-            </a:extLst>
-          </p:cNvPr>
-          <p:cNvSpPr txBox="1"/>
-          <p:nvPr/>
-        </p:nvSpPr>
-        <p:spPr>
-          <a:xfrm>
-            <a:off x="7293028" y="5493008"/>
-            <a:ext cx="4235414" cy="646331"/>
-          </a:xfrm>
-          <a:prstGeom prst="rect">
-            <a:avLst/>
-          </a:prstGeom>
-          <a:noFill/>
-          <a:ln>
-            <a:noFill/>
-          </a:ln>
-        </p:spPr>
-        <p:txBody>
-          <a:bodyPr wrap="square" rtlCol="0" anchor="ctr">
-            <a:spAutoFit/>
-          </a:bodyPr>
-          <a:lstStyle/>
-          <a:p>
-            <a:pPr algn="ctr"/>
-            <a:r>
-              <a:rPr lang="en-US" dirty="0"/>
-              <a:t>V100 Client.s37</a:t>
-            </a:r>
-          </a:p>
-          <a:p>
-            <a:pPr algn="ctr"/>
-            <a:r>
-              <a:rPr lang="en-US" dirty="0"/>
-              <a:t>bootloader-storage-spiflash-single.s37</a:t>
-            </a:r>
-          </a:p>
-        </p:txBody>
-      </p:sp>
-      <p:cxnSp>
-        <p:nvCxnSpPr>
-          <p:cNvPr id="77" name="Straight Arrow Connector 76">
-            <a:extLst>
-              <a:ext uri="{FF2B5EF4-FFF2-40B4-BE49-F238E27FC236}">
-                <a16:creationId xmlns:a16="http://schemas.microsoft.com/office/drawing/2014/main" id="{3D4D4128-ABB5-4A7D-8585-EB1E42026EAA}"/>
-              </a:ext>
-            </a:extLst>
-          </p:cNvPr>
-          <p:cNvCxnSpPr>
-            <a:stCxn id="41" idx="2"/>
-          </p:cNvCxnSpPr>
-          <p:nvPr/>
-        </p:nvCxnSpPr>
-        <p:spPr>
-          <a:xfrm flipH="1">
-            <a:off x="9688530" y="4587182"/>
-            <a:ext cx="1181328" cy="939408"/>
-          </a:xfrm>
-          <a:prstGeom prst="straightConnector1">
-            <a:avLst/>
-          </a:prstGeom>
-          <a:ln>
-            <a:tailEnd type="triangle"/>
-          </a:ln>
-        </p:spPr>
-        <p:style>
-          <a:lnRef idx="1">
-            <a:schemeClr val="accent1"/>
-          </a:lnRef>
-          <a:fillRef idx="0">
-            <a:schemeClr val="accent1"/>
-          </a:fillRef>
-          <a:effectRef idx="0">
-            <a:schemeClr val="accent1"/>
-          </a:effectRef>
-          <a:fontRef idx="minor">
-            <a:schemeClr val="tx1"/>
-          </a:fontRef>
-        </p:style>
-      </p:cxnSp>
-      <p:sp>
-        <p:nvSpPr>
-          <p:cNvPr id="78" name="TextBox 77">
-            <a:extLst>
-              <a:ext uri="{FF2B5EF4-FFF2-40B4-BE49-F238E27FC236}">
-                <a16:creationId xmlns:a16="http://schemas.microsoft.com/office/drawing/2014/main" id="{3DE63397-FAA8-44D8-8D91-455833B77254}"/>
-              </a:ext>
-            </a:extLst>
-          </p:cNvPr>
-          <p:cNvSpPr txBox="1"/>
-          <p:nvPr/>
-        </p:nvSpPr>
-        <p:spPr>
-          <a:xfrm>
-            <a:off x="8077199" y="1451813"/>
-            <a:ext cx="3222661" cy="1477328"/>
-          </a:xfrm>
-          <a:prstGeom prst="rect">
-            <a:avLst/>
-          </a:prstGeom>
-          <a:noFill/>
-          <a:ln>
-            <a:noFill/>
-          </a:ln>
-        </p:spPr>
-        <p:txBody>
-          <a:bodyPr wrap="square" rtlCol="0" anchor="ctr">
-            <a:spAutoFit/>
-          </a:bodyPr>
-          <a:lstStyle/>
-          <a:p>
-            <a:r>
-              <a:rPr lang="en-US" dirty="0"/>
-              <a:t>New image file will be transferred from server to client.</a:t>
-            </a:r>
-          </a:p>
-          <a:p>
-            <a:endParaRPr lang="en-US" dirty="0"/>
-          </a:p>
-          <a:p>
-            <a:r>
-              <a:rPr lang="en-US" dirty="0"/>
-              <a:t>Client will split the GBL file out and save it to storage.</a:t>
-            </a:r>
           </a:p>
         </p:txBody>
       </p:sp>
     </p:spTree>
     <p:extLst>
       <p:ext uri="{BB962C8B-B14F-4D97-AF65-F5344CB8AC3E}">
-        <p14:creationId xmlns:p14="http://schemas.microsoft.com/office/powerpoint/2010/main" val="661066461"/>
+        <p14:creationId xmlns:p14="http://schemas.microsoft.com/office/powerpoint/2010/main" val="3284254239"/>
       </p:ext>
     </p:extLst>
   </p:cSld>
@@ -24683,6 +26268,21 @@
 </file>
 
 <file path=customXml/item1.xml><?xml version="1.0" encoding="utf-8"?>
+<p:properties xmlns:p="http://schemas.microsoft.com/office/2006/metadata/properties" xmlns:xsi="http://www.w3.org/2001/XMLSchema-instance" xmlns:pc="http://schemas.microsoft.com/office/infopath/2007/PartnerControls">
+  <documentManagement/>
+</p:properties>
+</file>
+
+<file path=customXml/item2.xml><?xml version="1.0" encoding="utf-8"?>
+<?mso-contentType ?>
+<FormTemplates xmlns="http://schemas.microsoft.com/sharepoint/v3/contenttype/forms">
+  <Display>DocumentLibraryForm</Display>
+  <Edit>DocumentLibraryForm</Edit>
+  <New>DocumentLibraryForm</New>
+</FormTemplates>
+</file>
+
+<file path=customXml/item3.xml><?xml version="1.0" encoding="utf-8"?>
 <ct:contentTypeSchema xmlns:ct="http://schemas.microsoft.com/office/2006/metadata/contentType" xmlns:ma="http://schemas.microsoft.com/office/2006/metadata/properties/metaAttributes" ct:_="" ma:_="" ma:contentTypeName="Document" ma:contentTypeID="0x010100B21F7AB2AB09B744870FD2BB34F58D4C" ma:contentTypeVersion="0" ma:contentTypeDescription="Create a new document." ma:contentTypeScope="" ma:versionID="610a13794e9c15d6bc8a774371eef038">
   <xsd:schema xmlns:xsd="http://www.w3.org/2001/XMLSchema" xmlns:xs="http://www.w3.org/2001/XMLSchema" xmlns:p="http://schemas.microsoft.com/office/2006/metadata/properties" targetNamespace="http://schemas.microsoft.com/office/2006/metadata/properties" ma:root="true" ma:fieldsID="1b05d82d297216baf5b26c55225140df">
     <xsd:element name="properties">
@@ -24796,38 +26396,7 @@
 </ct:contentTypeSchema>
 </file>
 
-<file path=customXml/item2.xml><?xml version="1.0" encoding="utf-8"?>
-<p:properties xmlns:p="http://schemas.microsoft.com/office/2006/metadata/properties" xmlns:xsi="http://www.w3.org/2001/XMLSchema-instance" xmlns:pc="http://schemas.microsoft.com/office/infopath/2007/PartnerControls">
-  <documentManagement/>
-</p:properties>
-</file>
-
-<file path=customXml/item3.xml><?xml version="1.0" encoding="utf-8"?>
-<?mso-contentType ?>
-<FormTemplates xmlns="http://schemas.microsoft.com/sharepoint/v3/contenttype/forms">
-  <Display>DocumentLibraryForm</Display>
-  <Edit>DocumentLibraryForm</Edit>
-  <New>DocumentLibraryForm</New>
-</FormTemplates>
-</file>
-
 <file path=customXml/itemProps1.xml><?xml version="1.0" encoding="utf-8"?>
-<ds:datastoreItem xmlns:ds="http://schemas.openxmlformats.org/officeDocument/2006/customXml" ds:itemID="{59925F4A-05CC-4D19-A5F3-6B37E808F6A7}">
-  <ds:schemaRefs>
-    <ds:schemaRef ds:uri="http://schemas.microsoft.com/office/2006/metadata/contentType"/>
-    <ds:schemaRef ds:uri="http://schemas.microsoft.com/office/2006/metadata/properties/metaAttributes"/>
-    <ds:schemaRef ds:uri="http://www.w3.org/2001/XMLSchema"/>
-    <ds:schemaRef ds:uri="http://schemas.microsoft.com/office/2006/metadata/properties"/>
-    <ds:schemaRef ds:uri="http://schemas.openxmlformats.org/package/2006/metadata/core-properties"/>
-    <ds:schemaRef ds:uri="http://purl.org/dc/elements/1.1/"/>
-    <ds:schemaRef ds:uri="http://purl.org/dc/terms/"/>
-    <ds:schemaRef ds:uri="http://schemas.microsoft.com/internal/obd"/>
-    <ds:schemaRef ds:uri="http://schemas.microsoft.com/office/infopath/2007/PartnerControls"/>
-  </ds:schemaRefs>
-</ds:datastoreItem>
-</file>
-
-<file path=customXml/itemProps2.xml><?xml version="1.0" encoding="utf-8"?>
 <ds:datastoreItem xmlns:ds="http://schemas.openxmlformats.org/officeDocument/2006/customXml" ds:itemID="{88E5C257-99A9-40B2-A1DE-0EB62604DA9C}">
   <ds:schemaRefs>
     <ds:schemaRef ds:uri="http://purl.org/dc/elements/1.1/"/>
@@ -24842,10 +26411,26 @@
 </ds:datastoreItem>
 </file>
 
-<file path=customXml/itemProps3.xml><?xml version="1.0" encoding="utf-8"?>
+<file path=customXml/itemProps2.xml><?xml version="1.0" encoding="utf-8"?>
 <ds:datastoreItem xmlns:ds="http://schemas.openxmlformats.org/officeDocument/2006/customXml" ds:itemID="{4DD62670-B0F9-4782-967B-54D0F2A11DD3}">
   <ds:schemaRefs>
     <ds:schemaRef ds:uri="http://schemas.microsoft.com/sharepoint/v3/contenttype/forms"/>
   </ds:schemaRefs>
 </ds:datastoreItem>
+</file>
+
+<file path=customXml/itemProps3.xml><?xml version="1.0" encoding="utf-8"?>
+<ds:datastoreItem xmlns:ds="http://schemas.openxmlformats.org/officeDocument/2006/customXml" ds:itemID="{59925F4A-05CC-4D19-A5F3-6B37E808F6A7}">
+  <ds:schemaRefs>
+    <ds:schemaRef ds:uri="http://schemas.microsoft.com/office/2006/metadata/contentType"/>
+    <ds:schemaRef ds:uri="http://schemas.microsoft.com/office/2006/metadata/properties/metaAttributes"/>
+    <ds:schemaRef ds:uri="http://www.w3.org/2001/XMLSchema"/>
+    <ds:schemaRef ds:uri="http://schemas.microsoft.com/office/2006/metadata/properties"/>
+    <ds:schemaRef ds:uri="http://schemas.openxmlformats.org/package/2006/metadata/core-properties"/>
+    <ds:schemaRef ds:uri="http://purl.org/dc/elements/1.1/"/>
+    <ds:schemaRef ds:uri="http://purl.org/dc/terms/"/>
+    <ds:schemaRef ds:uri="http://schemas.microsoft.com/internal/obd"/>
+    <ds:schemaRef ds:uri="http://schemas.microsoft.com/office/infopath/2007/PartnerControls"/>
+  </ds:schemaRefs>
+</ds:datastoreItem>
 </file>